--- a/SGDC.pptx
+++ b/SGDC.pptx
@@ -13,6 +13,13 @@
     <p:sldId id="261" r:id="rId7"/>
     <p:sldId id="262" r:id="rId8"/>
     <p:sldId id="263" r:id="rId9"/>
+    <p:sldId id="264" r:id="rId10"/>
+    <p:sldId id="265" r:id="rId11"/>
+    <p:sldId id="266" r:id="rId12"/>
+    <p:sldId id="267" r:id="rId13"/>
+    <p:sldId id="268" r:id="rId14"/>
+    <p:sldId id="269" r:id="rId15"/>
+    <p:sldId id="270" r:id="rId16"/>
   </p:sldIdLst>
   <p:sldSz cx="12192000" cy="6858000"/>
   <p:notesSz cx="6858000" cy="9144000"/>
@@ -111,7 +118,1845 @@
       </a:defRPr>
     </a:lvl9pPr>
   </p:defaultTextStyle>
+  <p:extLst>
+    <p:ext uri="{EFAFB233-063F-42B5-8137-9DF3F51BA10A}">
+      <p15:sldGuideLst xmlns:p15="http://schemas.microsoft.com/office/powerpoint/2012/main"/>
+    </p:ext>
+  </p:extLst>
 </p:presentation>
+</file>
+
+<file path=ppt/charts/chart1.xml><?xml version="1.0" encoding="utf-8"?>
+<c:chartSpace xmlns:c="http://schemas.openxmlformats.org/drawingml/2006/chart" xmlns:a="http://schemas.openxmlformats.org/drawingml/2006/main" xmlns:r="http://schemas.openxmlformats.org/officeDocument/2006/relationships" xmlns:c16r2="http://schemas.microsoft.com/office/drawing/2015/06/chart">
+  <c:date1904 val="0"/>
+  <c:lang val="en-US"/>
+  <c:roundedCorners val="0"/>
+  <mc:AlternateContent xmlns:mc="http://schemas.openxmlformats.org/markup-compatibility/2006">
+    <mc:Choice xmlns:c14="http://schemas.microsoft.com/office/drawing/2007/8/2/chart" Requires="c14">
+      <c14:style val="102"/>
+    </mc:Choice>
+    <mc:Fallback>
+      <c:style val="2"/>
+    </mc:Fallback>
+  </mc:AlternateContent>
+  <c:chart>
+    <c:title>
+      <c:overlay val="0"/>
+      <c:spPr>
+        <a:noFill/>
+        <a:ln>
+          <a:noFill/>
+        </a:ln>
+        <a:effectLst/>
+      </c:spPr>
+      <c:txPr>
+        <a:bodyPr rot="0" spcFirstLastPara="1" vertOverflow="ellipsis" vert="horz" wrap="square" anchor="ctr" anchorCtr="1"/>
+        <a:lstStyle/>
+        <a:p>
+          <a:pPr>
+            <a:defRPr sz="1862" b="0" i="0" u="none" strike="noStrike" kern="1200" spc="0" baseline="0">
+              <a:solidFill>
+                <a:schemeClr val="tx1">
+                  <a:lumMod val="65000"/>
+                  <a:lumOff val="35000"/>
+                </a:schemeClr>
+              </a:solidFill>
+              <a:latin typeface="+mn-lt"/>
+              <a:ea typeface="+mn-ea"/>
+              <a:cs typeface="+mn-cs"/>
+            </a:defRPr>
+          </a:pPr>
+          <a:endParaRPr lang="en-US"/>
+        </a:p>
+      </c:txPr>
+    </c:title>
+    <c:autoTitleDeleted val="0"/>
+    <c:plotArea>
+      <c:layout/>
+      <c:barChart>
+        <c:barDir val="col"/>
+        <c:grouping val="clustered"/>
+        <c:varyColors val="0"/>
+        <c:ser>
+          <c:idx val="0"/>
+          <c:order val="0"/>
+          <c:tx>
+            <c:strRef>
+              <c:f>Sheet1!$B$1</c:f>
+              <c:strCache>
+                <c:ptCount val="1"/>
+                <c:pt idx="0">
+                  <c:v>paricipants</c:v>
+                </c:pt>
+              </c:strCache>
+            </c:strRef>
+          </c:tx>
+          <c:spPr>
+            <a:solidFill>
+              <a:schemeClr val="accent1"/>
+            </a:solidFill>
+            <a:ln>
+              <a:noFill/>
+            </a:ln>
+            <a:effectLst/>
+          </c:spPr>
+          <c:invertIfNegative val="0"/>
+          <c:cat>
+            <c:strRef>
+              <c:f>Sheet1!$A$2:$A$12</c:f>
+              <c:strCache>
+                <c:ptCount val="11"/>
+                <c:pt idx="0">
+                  <c:v> Benveniste et al. 2010</c:v>
+                </c:pt>
+                <c:pt idx="1">
+                  <c:v>Colombo et al. 2012</c:v>
+                </c:pt>
+                <c:pt idx="2">
+                  <c:v> Cutler et al. 2015</c:v>
+                </c:pt>
+                <c:pt idx="3">
+                  <c:v>Fenney &amp; Lee 2010</c:v>
+                </c:pt>
+                <c:pt idx="4">
+                  <c:v>Galante et al. 2007</c:v>
+                </c:pt>
+                <c:pt idx="5">
+                  <c:v>Lee et al. 2013</c:v>
+                </c:pt>
+                <c:pt idx="6">
+                  <c:v>McEwen et al. 2014</c:v>
+                </c:pt>
+                <c:pt idx="7">
+                  <c:v>padala et al. 2012</c:v>
+                </c:pt>
+                <c:pt idx="8">
+                  <c:v>Schreiber 1999</c:v>
+                </c:pt>
+                <c:pt idx="9">
+                  <c:v>Talassi et al. 2007</c:v>
+                </c:pt>
+                <c:pt idx="10">
+                  <c:v>Tarraga et al. 2006</c:v>
+                </c:pt>
+              </c:strCache>
+            </c:strRef>
+          </c:cat>
+          <c:val>
+            <c:numRef>
+              <c:f>Sheet1!$B$2:$B$12</c:f>
+              <c:numCache>
+                <c:formatCode>General</c:formatCode>
+                <c:ptCount val="11"/>
+                <c:pt idx="0">
+                  <c:v>9</c:v>
+                </c:pt>
+                <c:pt idx="1">
+                  <c:v>10</c:v>
+                </c:pt>
+                <c:pt idx="2">
+                  <c:v>29</c:v>
+                </c:pt>
+                <c:pt idx="3">
+                  <c:v>3</c:v>
+                </c:pt>
+                <c:pt idx="4">
+                  <c:v>12</c:v>
+                </c:pt>
+                <c:pt idx="5">
+                  <c:v>24</c:v>
+                </c:pt>
+                <c:pt idx="6">
+                  <c:v>1</c:v>
+                </c:pt>
+                <c:pt idx="7">
+                  <c:v>11</c:v>
+                </c:pt>
+                <c:pt idx="8">
+                  <c:v>7</c:v>
+                </c:pt>
+                <c:pt idx="9">
+                  <c:v>54</c:v>
+                </c:pt>
+                <c:pt idx="10">
+                  <c:v>18</c:v>
+                </c:pt>
+              </c:numCache>
+            </c:numRef>
+          </c:val>
+          <c:extLst>
+            <c:ext xmlns:c16="http://schemas.microsoft.com/office/drawing/2014/chart" uri="{C3380CC4-5D6E-409C-BE32-E72D297353CC}">
+              <c16:uniqueId val="{00000000-3267-4C62-9F89-3A90BA821084}"/>
+            </c:ext>
+          </c:extLst>
+        </c:ser>
+        <c:dLbls>
+          <c:showLegendKey val="0"/>
+          <c:showVal val="0"/>
+          <c:showCatName val="0"/>
+          <c:showSerName val="0"/>
+          <c:showPercent val="0"/>
+          <c:showBubbleSize val="0"/>
+        </c:dLbls>
+        <c:gapWidth val="219"/>
+        <c:overlap val="-27"/>
+        <c:axId val="427645999"/>
+        <c:axId val="427647663"/>
+      </c:barChart>
+      <c:catAx>
+        <c:axId val="427645999"/>
+        <c:scaling>
+          <c:orientation val="minMax"/>
+        </c:scaling>
+        <c:delete val="0"/>
+        <c:axPos val="b"/>
+        <c:numFmt formatCode="General" sourceLinked="1"/>
+        <c:majorTickMark val="none"/>
+        <c:minorTickMark val="none"/>
+        <c:tickLblPos val="nextTo"/>
+        <c:spPr>
+          <a:noFill/>
+          <a:ln w="9525" cap="flat" cmpd="sng" algn="ctr">
+            <a:solidFill>
+              <a:schemeClr val="tx1">
+                <a:lumMod val="15000"/>
+                <a:lumOff val="85000"/>
+              </a:schemeClr>
+            </a:solidFill>
+            <a:round/>
+          </a:ln>
+          <a:effectLst/>
+        </c:spPr>
+        <c:txPr>
+          <a:bodyPr rot="-60000000" spcFirstLastPara="1" vertOverflow="ellipsis" vert="horz" wrap="square" anchor="ctr" anchorCtr="1"/>
+          <a:lstStyle/>
+          <a:p>
+            <a:pPr>
+              <a:defRPr sz="1197" b="0" i="0" u="none" strike="noStrike" kern="1200" baseline="0">
+                <a:solidFill>
+                  <a:schemeClr val="tx1">
+                    <a:lumMod val="65000"/>
+                    <a:lumOff val="35000"/>
+                  </a:schemeClr>
+                </a:solidFill>
+                <a:latin typeface="+mn-lt"/>
+                <a:ea typeface="+mn-ea"/>
+                <a:cs typeface="+mn-cs"/>
+              </a:defRPr>
+            </a:pPr>
+            <a:endParaRPr lang="en-US"/>
+          </a:p>
+        </c:txPr>
+        <c:crossAx val="427647663"/>
+        <c:crosses val="autoZero"/>
+        <c:auto val="1"/>
+        <c:lblAlgn val="ctr"/>
+        <c:lblOffset val="100"/>
+        <c:noMultiLvlLbl val="0"/>
+      </c:catAx>
+      <c:valAx>
+        <c:axId val="427647663"/>
+        <c:scaling>
+          <c:orientation val="minMax"/>
+        </c:scaling>
+        <c:delete val="0"/>
+        <c:axPos val="l"/>
+        <c:majorGridlines>
+          <c:spPr>
+            <a:ln w="9525" cap="flat" cmpd="sng" algn="ctr">
+              <a:solidFill>
+                <a:schemeClr val="tx1">
+                  <a:lumMod val="15000"/>
+                  <a:lumOff val="85000"/>
+                </a:schemeClr>
+              </a:solidFill>
+              <a:round/>
+            </a:ln>
+            <a:effectLst/>
+          </c:spPr>
+        </c:majorGridlines>
+        <c:numFmt formatCode="General" sourceLinked="1"/>
+        <c:majorTickMark val="none"/>
+        <c:minorTickMark val="none"/>
+        <c:tickLblPos val="nextTo"/>
+        <c:spPr>
+          <a:noFill/>
+          <a:ln>
+            <a:noFill/>
+          </a:ln>
+          <a:effectLst/>
+        </c:spPr>
+        <c:txPr>
+          <a:bodyPr rot="-60000000" spcFirstLastPara="1" vertOverflow="ellipsis" vert="horz" wrap="square" anchor="ctr" anchorCtr="1"/>
+          <a:lstStyle/>
+          <a:p>
+            <a:pPr>
+              <a:defRPr sz="1197" b="0" i="0" u="none" strike="noStrike" kern="1200" baseline="0">
+                <a:solidFill>
+                  <a:schemeClr val="tx1">
+                    <a:lumMod val="65000"/>
+                    <a:lumOff val="35000"/>
+                  </a:schemeClr>
+                </a:solidFill>
+                <a:latin typeface="+mn-lt"/>
+                <a:ea typeface="+mn-ea"/>
+                <a:cs typeface="+mn-cs"/>
+              </a:defRPr>
+            </a:pPr>
+            <a:endParaRPr lang="en-US"/>
+          </a:p>
+        </c:txPr>
+        <c:crossAx val="427645999"/>
+        <c:crosses val="autoZero"/>
+        <c:crossBetween val="between"/>
+      </c:valAx>
+      <c:spPr>
+        <a:noFill/>
+        <a:ln>
+          <a:noFill/>
+        </a:ln>
+        <a:effectLst/>
+      </c:spPr>
+    </c:plotArea>
+    <c:plotVisOnly val="1"/>
+    <c:dispBlanksAs val="gap"/>
+    <c:extLst>
+      <c:ext xmlns:c16r3="http://schemas.microsoft.com/office/drawing/2017/03/chart" uri="{56B9EC1D-385E-4148-901F-78D8002777C0}">
+        <c16r3:dataDisplayOptions16>
+          <c16r3:dispNaAsBlank val="1"/>
+        </c16r3:dataDisplayOptions16>
+      </c:ext>
+    </c:extLst>
+    <c:showDLblsOverMax val="0"/>
+  </c:chart>
+  <c:spPr>
+    <a:noFill/>
+    <a:ln>
+      <a:noFill/>
+    </a:ln>
+    <a:effectLst/>
+  </c:spPr>
+  <c:txPr>
+    <a:bodyPr/>
+    <a:lstStyle/>
+    <a:p>
+      <a:pPr>
+        <a:defRPr/>
+      </a:pPr>
+      <a:endParaRPr lang="en-US"/>
+    </a:p>
+  </c:txPr>
+  <c:externalData r:id="rId3">
+    <c:autoUpdate val="0"/>
+  </c:externalData>
+</c:chartSpace>
+</file>
+
+<file path=ppt/charts/chart2.xml><?xml version="1.0" encoding="utf-8"?>
+<c:chartSpace xmlns:c="http://schemas.openxmlformats.org/drawingml/2006/chart" xmlns:a="http://schemas.openxmlformats.org/drawingml/2006/main" xmlns:r="http://schemas.openxmlformats.org/officeDocument/2006/relationships" xmlns:c16r2="http://schemas.microsoft.com/office/drawing/2015/06/chart">
+  <c:date1904 val="0"/>
+  <c:lang val="en-US"/>
+  <c:roundedCorners val="0"/>
+  <mc:AlternateContent xmlns:mc="http://schemas.openxmlformats.org/markup-compatibility/2006">
+    <mc:Choice xmlns:c14="http://schemas.microsoft.com/office/drawing/2007/8/2/chart" Requires="c14">
+      <c14:style val="102"/>
+    </mc:Choice>
+    <mc:Fallback>
+      <c:style val="2"/>
+    </mc:Fallback>
+  </mc:AlternateContent>
+  <c:chart>
+    <c:title>
+      <c:overlay val="0"/>
+      <c:spPr>
+        <a:noFill/>
+        <a:ln>
+          <a:noFill/>
+        </a:ln>
+        <a:effectLst/>
+      </c:spPr>
+      <c:txPr>
+        <a:bodyPr rot="0" spcFirstLastPara="1" vertOverflow="ellipsis" vert="horz" wrap="square" anchor="ctr" anchorCtr="1"/>
+        <a:lstStyle/>
+        <a:p>
+          <a:pPr>
+            <a:defRPr sz="1862" b="0" i="0" u="none" strike="noStrike" kern="1200" spc="0" baseline="0">
+              <a:solidFill>
+                <a:schemeClr val="tx1">
+                  <a:lumMod val="65000"/>
+                  <a:lumOff val="35000"/>
+                </a:schemeClr>
+              </a:solidFill>
+              <a:latin typeface="+mn-lt"/>
+              <a:ea typeface="+mn-ea"/>
+              <a:cs typeface="+mn-cs"/>
+            </a:defRPr>
+          </a:pPr>
+          <a:endParaRPr lang="en-US"/>
+        </a:p>
+      </c:txPr>
+    </c:title>
+    <c:autoTitleDeleted val="0"/>
+    <c:plotArea>
+      <c:layout/>
+      <c:barChart>
+        <c:barDir val="col"/>
+        <c:grouping val="clustered"/>
+        <c:varyColors val="0"/>
+        <c:ser>
+          <c:idx val="0"/>
+          <c:order val="0"/>
+          <c:tx>
+            <c:strRef>
+              <c:f>Sheet1!$B$1</c:f>
+              <c:strCache>
+                <c:ptCount val="1"/>
+                <c:pt idx="0">
+                  <c:v>paricipants</c:v>
+                </c:pt>
+              </c:strCache>
+            </c:strRef>
+          </c:tx>
+          <c:spPr>
+            <a:solidFill>
+              <a:schemeClr val="accent1"/>
+            </a:solidFill>
+            <a:ln>
+              <a:noFill/>
+            </a:ln>
+            <a:effectLst/>
+          </c:spPr>
+          <c:invertIfNegative val="0"/>
+          <c:dPt>
+            <c:idx val="0"/>
+            <c:invertIfNegative val="0"/>
+            <c:bubble3D val="0"/>
+            <c:spPr>
+              <a:solidFill>
+                <a:srgbClr val="0070C0"/>
+              </a:solidFill>
+              <a:ln>
+                <a:noFill/>
+              </a:ln>
+              <a:effectLst/>
+            </c:spPr>
+            <c:extLst>
+              <c:ext xmlns:c16="http://schemas.microsoft.com/office/drawing/2014/chart" uri="{C3380CC4-5D6E-409C-BE32-E72D297353CC}">
+                <c16:uniqueId val="{00000000-5BDC-4930-B880-543B28124AB7}"/>
+              </c:ext>
+            </c:extLst>
+          </c:dPt>
+          <c:dPt>
+            <c:idx val="2"/>
+            <c:invertIfNegative val="0"/>
+            <c:bubble3D val="0"/>
+            <c:spPr>
+              <a:solidFill>
+                <a:srgbClr val="0070C0"/>
+              </a:solidFill>
+              <a:ln>
+                <a:noFill/>
+              </a:ln>
+              <a:effectLst/>
+            </c:spPr>
+            <c:extLst>
+              <c:ext xmlns:c16="http://schemas.microsoft.com/office/drawing/2014/chart" uri="{C3380CC4-5D6E-409C-BE32-E72D297353CC}">
+                <c16:uniqueId val="{00000001-5BDC-4930-B880-543B28124AB7}"/>
+              </c:ext>
+            </c:extLst>
+          </c:dPt>
+          <c:dPt>
+            <c:idx val="5"/>
+            <c:invertIfNegative val="0"/>
+            <c:bubble3D val="0"/>
+            <c:spPr>
+              <a:solidFill>
+                <a:srgbClr val="0070C0"/>
+              </a:solidFill>
+              <a:ln>
+                <a:noFill/>
+              </a:ln>
+              <a:effectLst/>
+            </c:spPr>
+            <c:extLst>
+              <c:ext xmlns:c16="http://schemas.microsoft.com/office/drawing/2014/chart" uri="{C3380CC4-5D6E-409C-BE32-E72D297353CC}">
+                <c16:uniqueId val="{00000002-5BDC-4930-B880-543B28124AB7}"/>
+              </c:ext>
+            </c:extLst>
+          </c:dPt>
+          <c:dPt>
+            <c:idx val="9"/>
+            <c:invertIfNegative val="0"/>
+            <c:bubble3D val="0"/>
+            <c:spPr>
+              <a:solidFill>
+                <a:srgbClr val="F09415"/>
+              </a:solidFill>
+              <a:ln>
+                <a:noFill/>
+              </a:ln>
+              <a:effectLst/>
+            </c:spPr>
+            <c:extLst>
+              <c:ext xmlns:c16="http://schemas.microsoft.com/office/drawing/2014/chart" uri="{C3380CC4-5D6E-409C-BE32-E72D297353CC}">
+                <c16:uniqueId val="{00000003-5BDC-4930-B880-543B28124AB7}"/>
+              </c:ext>
+            </c:extLst>
+          </c:dPt>
+          <c:dPt>
+            <c:idx val="10"/>
+            <c:invertIfNegative val="0"/>
+            <c:bubble3D val="0"/>
+            <c:spPr>
+              <a:solidFill>
+                <a:srgbClr val="F09415"/>
+              </a:solidFill>
+              <a:ln>
+                <a:noFill/>
+              </a:ln>
+              <a:effectLst/>
+            </c:spPr>
+            <c:extLst>
+              <c:ext xmlns:c16="http://schemas.microsoft.com/office/drawing/2014/chart" uri="{C3380CC4-5D6E-409C-BE32-E72D297353CC}">
+                <c16:uniqueId val="{00000004-5BDC-4930-B880-543B28124AB7}"/>
+              </c:ext>
+            </c:extLst>
+          </c:dPt>
+          <c:cat>
+            <c:strRef>
+              <c:f>Sheet1!$A$2:$A$12</c:f>
+              <c:strCache>
+                <c:ptCount val="11"/>
+                <c:pt idx="0">
+                  <c:v> Benveniste et al. 2010</c:v>
+                </c:pt>
+                <c:pt idx="1">
+                  <c:v>Colombo et al. 2012</c:v>
+                </c:pt>
+                <c:pt idx="2">
+                  <c:v> Cutler et al. 2015</c:v>
+                </c:pt>
+                <c:pt idx="3">
+                  <c:v>Fenney &amp; Lee 2010</c:v>
+                </c:pt>
+                <c:pt idx="4">
+                  <c:v>Galante et al. 2007</c:v>
+                </c:pt>
+                <c:pt idx="5">
+                  <c:v>Lee et al. 2013</c:v>
+                </c:pt>
+                <c:pt idx="6">
+                  <c:v>McEwen et al. 2014</c:v>
+                </c:pt>
+                <c:pt idx="7">
+                  <c:v>padala et al. 2012</c:v>
+                </c:pt>
+                <c:pt idx="8">
+                  <c:v>Schreiber 1999</c:v>
+                </c:pt>
+                <c:pt idx="9">
+                  <c:v>Talassi et al. 2007</c:v>
+                </c:pt>
+                <c:pt idx="10">
+                  <c:v>Tarraga et al. 2006</c:v>
+                </c:pt>
+              </c:strCache>
+            </c:strRef>
+          </c:cat>
+          <c:val>
+            <c:numRef>
+              <c:f>Sheet1!$B$2:$B$12</c:f>
+              <c:numCache>
+                <c:formatCode>General</c:formatCode>
+                <c:ptCount val="11"/>
+                <c:pt idx="0">
+                  <c:v>9</c:v>
+                </c:pt>
+                <c:pt idx="1">
+                  <c:v>10</c:v>
+                </c:pt>
+                <c:pt idx="2">
+                  <c:v>29</c:v>
+                </c:pt>
+                <c:pt idx="3">
+                  <c:v>3</c:v>
+                </c:pt>
+                <c:pt idx="4">
+                  <c:v>12</c:v>
+                </c:pt>
+                <c:pt idx="5">
+                  <c:v>24</c:v>
+                </c:pt>
+                <c:pt idx="6">
+                  <c:v>1</c:v>
+                </c:pt>
+                <c:pt idx="7">
+                  <c:v>11</c:v>
+                </c:pt>
+                <c:pt idx="8">
+                  <c:v>7</c:v>
+                </c:pt>
+                <c:pt idx="9">
+                  <c:v>54</c:v>
+                </c:pt>
+                <c:pt idx="10">
+                  <c:v>18</c:v>
+                </c:pt>
+              </c:numCache>
+            </c:numRef>
+          </c:val>
+          <c:extLst>
+            <c:ext xmlns:c16="http://schemas.microsoft.com/office/drawing/2014/chart" uri="{C3380CC4-5D6E-409C-BE32-E72D297353CC}">
+              <c16:uniqueId val="{00000000-3267-4C62-9F89-3A90BA821084}"/>
+            </c:ext>
+          </c:extLst>
+        </c:ser>
+        <c:dLbls>
+          <c:showLegendKey val="0"/>
+          <c:showVal val="0"/>
+          <c:showCatName val="0"/>
+          <c:showSerName val="0"/>
+          <c:showPercent val="0"/>
+          <c:showBubbleSize val="0"/>
+        </c:dLbls>
+        <c:gapWidth val="219"/>
+        <c:overlap val="-27"/>
+        <c:axId val="427645999"/>
+        <c:axId val="427647663"/>
+      </c:barChart>
+      <c:catAx>
+        <c:axId val="427645999"/>
+        <c:scaling>
+          <c:orientation val="minMax"/>
+        </c:scaling>
+        <c:delete val="0"/>
+        <c:axPos val="b"/>
+        <c:numFmt formatCode="General" sourceLinked="1"/>
+        <c:majorTickMark val="none"/>
+        <c:minorTickMark val="none"/>
+        <c:tickLblPos val="nextTo"/>
+        <c:spPr>
+          <a:noFill/>
+          <a:ln w="9525" cap="flat" cmpd="sng" algn="ctr">
+            <a:solidFill>
+              <a:schemeClr val="tx1">
+                <a:lumMod val="15000"/>
+                <a:lumOff val="85000"/>
+              </a:schemeClr>
+            </a:solidFill>
+            <a:round/>
+          </a:ln>
+          <a:effectLst/>
+        </c:spPr>
+        <c:txPr>
+          <a:bodyPr rot="-60000000" spcFirstLastPara="1" vertOverflow="ellipsis" vert="horz" wrap="square" anchor="ctr" anchorCtr="1"/>
+          <a:lstStyle/>
+          <a:p>
+            <a:pPr>
+              <a:defRPr sz="1197" b="0" i="0" u="none" strike="noStrike" kern="1200" baseline="0">
+                <a:solidFill>
+                  <a:schemeClr val="tx1">
+                    <a:lumMod val="65000"/>
+                    <a:lumOff val="35000"/>
+                  </a:schemeClr>
+                </a:solidFill>
+                <a:latin typeface="+mn-lt"/>
+                <a:ea typeface="+mn-ea"/>
+                <a:cs typeface="+mn-cs"/>
+              </a:defRPr>
+            </a:pPr>
+            <a:endParaRPr lang="en-US"/>
+          </a:p>
+        </c:txPr>
+        <c:crossAx val="427647663"/>
+        <c:crosses val="autoZero"/>
+        <c:auto val="1"/>
+        <c:lblAlgn val="ctr"/>
+        <c:lblOffset val="100"/>
+        <c:noMultiLvlLbl val="0"/>
+      </c:catAx>
+      <c:valAx>
+        <c:axId val="427647663"/>
+        <c:scaling>
+          <c:orientation val="minMax"/>
+        </c:scaling>
+        <c:delete val="0"/>
+        <c:axPos val="l"/>
+        <c:majorGridlines>
+          <c:spPr>
+            <a:ln w="9525" cap="flat" cmpd="sng" algn="ctr">
+              <a:solidFill>
+                <a:schemeClr val="tx1">
+                  <a:lumMod val="15000"/>
+                  <a:lumOff val="85000"/>
+                </a:schemeClr>
+              </a:solidFill>
+              <a:round/>
+            </a:ln>
+            <a:effectLst/>
+          </c:spPr>
+        </c:majorGridlines>
+        <c:numFmt formatCode="General" sourceLinked="1"/>
+        <c:majorTickMark val="none"/>
+        <c:minorTickMark val="none"/>
+        <c:tickLblPos val="nextTo"/>
+        <c:spPr>
+          <a:noFill/>
+          <a:ln>
+            <a:noFill/>
+          </a:ln>
+          <a:effectLst/>
+        </c:spPr>
+        <c:txPr>
+          <a:bodyPr rot="-60000000" spcFirstLastPara="1" vertOverflow="ellipsis" vert="horz" wrap="square" anchor="ctr" anchorCtr="1"/>
+          <a:lstStyle/>
+          <a:p>
+            <a:pPr>
+              <a:defRPr sz="1197" b="0" i="0" u="none" strike="noStrike" kern="1200" baseline="0">
+                <a:solidFill>
+                  <a:schemeClr val="tx1">
+                    <a:lumMod val="65000"/>
+                    <a:lumOff val="35000"/>
+                  </a:schemeClr>
+                </a:solidFill>
+                <a:latin typeface="+mn-lt"/>
+                <a:ea typeface="+mn-ea"/>
+                <a:cs typeface="+mn-cs"/>
+              </a:defRPr>
+            </a:pPr>
+            <a:endParaRPr lang="en-US"/>
+          </a:p>
+        </c:txPr>
+        <c:crossAx val="427645999"/>
+        <c:crosses val="autoZero"/>
+        <c:crossBetween val="between"/>
+      </c:valAx>
+      <c:spPr>
+        <a:noFill/>
+        <a:ln>
+          <a:noFill/>
+        </a:ln>
+        <a:effectLst/>
+      </c:spPr>
+    </c:plotArea>
+    <c:plotVisOnly val="1"/>
+    <c:dispBlanksAs val="gap"/>
+    <c:extLst>
+      <c:ext xmlns:c16r3="http://schemas.microsoft.com/office/drawing/2017/03/chart" uri="{56B9EC1D-385E-4148-901F-78D8002777C0}">
+        <c16r3:dataDisplayOptions16>
+          <c16r3:dispNaAsBlank val="1"/>
+        </c16r3:dataDisplayOptions16>
+      </c:ext>
+    </c:extLst>
+    <c:showDLblsOverMax val="0"/>
+  </c:chart>
+  <c:spPr>
+    <a:noFill/>
+    <a:ln>
+      <a:noFill/>
+    </a:ln>
+    <a:effectLst/>
+  </c:spPr>
+  <c:txPr>
+    <a:bodyPr/>
+    <a:lstStyle/>
+    <a:p>
+      <a:pPr>
+        <a:defRPr/>
+      </a:pPr>
+      <a:endParaRPr lang="en-US"/>
+    </a:p>
+  </c:txPr>
+  <c:externalData r:id="rId3">
+    <c:autoUpdate val="0"/>
+  </c:externalData>
+</c:chartSpace>
+</file>
+
+<file path=ppt/charts/colors1.xml><?xml version="1.0" encoding="utf-8"?>
+<cs:colorStyle xmlns:cs="http://schemas.microsoft.com/office/drawing/2012/chartStyle" xmlns:a="http://schemas.openxmlformats.org/drawingml/2006/main" meth="cycle" id="10">
+  <a:schemeClr val="accent1"/>
+  <a:schemeClr val="accent2"/>
+  <a:schemeClr val="accent3"/>
+  <a:schemeClr val="accent4"/>
+  <a:schemeClr val="accent5"/>
+  <a:schemeClr val="accent6"/>
+  <cs:variation/>
+  <cs:variation>
+    <a:lumMod val="60000"/>
+  </cs:variation>
+  <cs:variation>
+    <a:lumMod val="80000"/>
+    <a:lumOff val="20000"/>
+  </cs:variation>
+  <cs:variation>
+    <a:lumMod val="80000"/>
+  </cs:variation>
+  <cs:variation>
+    <a:lumMod val="60000"/>
+    <a:lumOff val="40000"/>
+  </cs:variation>
+  <cs:variation>
+    <a:lumMod val="50000"/>
+  </cs:variation>
+  <cs:variation>
+    <a:lumMod val="70000"/>
+    <a:lumOff val="30000"/>
+  </cs:variation>
+  <cs:variation>
+    <a:lumMod val="70000"/>
+  </cs:variation>
+  <cs:variation>
+    <a:lumMod val="50000"/>
+    <a:lumOff val="50000"/>
+  </cs:variation>
+</cs:colorStyle>
+</file>
+
+<file path=ppt/charts/colors2.xml><?xml version="1.0" encoding="utf-8"?>
+<cs:colorStyle xmlns:cs="http://schemas.microsoft.com/office/drawing/2012/chartStyle" xmlns:a="http://schemas.openxmlformats.org/drawingml/2006/main" meth="cycle" id="10">
+  <a:schemeClr val="accent1"/>
+  <a:schemeClr val="accent2"/>
+  <a:schemeClr val="accent3"/>
+  <a:schemeClr val="accent4"/>
+  <a:schemeClr val="accent5"/>
+  <a:schemeClr val="accent6"/>
+  <cs:variation/>
+  <cs:variation>
+    <a:lumMod val="60000"/>
+  </cs:variation>
+  <cs:variation>
+    <a:lumMod val="80000"/>
+    <a:lumOff val="20000"/>
+  </cs:variation>
+  <cs:variation>
+    <a:lumMod val="80000"/>
+  </cs:variation>
+  <cs:variation>
+    <a:lumMod val="60000"/>
+    <a:lumOff val="40000"/>
+  </cs:variation>
+  <cs:variation>
+    <a:lumMod val="50000"/>
+  </cs:variation>
+  <cs:variation>
+    <a:lumMod val="70000"/>
+    <a:lumOff val="30000"/>
+  </cs:variation>
+  <cs:variation>
+    <a:lumMod val="70000"/>
+  </cs:variation>
+  <cs:variation>
+    <a:lumMod val="50000"/>
+    <a:lumOff val="50000"/>
+  </cs:variation>
+</cs:colorStyle>
+</file>
+
+<file path=ppt/charts/style1.xml><?xml version="1.0" encoding="utf-8"?>
+<cs:chartStyle xmlns:cs="http://schemas.microsoft.com/office/drawing/2012/chartStyle" xmlns:a="http://schemas.openxmlformats.org/drawingml/2006/main" id="201">
+  <cs:axisTitle>
+    <cs:lnRef idx="0"/>
+    <cs:fillRef idx="0"/>
+    <cs:effectRef idx="0"/>
+    <cs:fontRef idx="minor">
+      <a:schemeClr val="tx1">
+        <a:lumMod val="65000"/>
+        <a:lumOff val="35000"/>
+      </a:schemeClr>
+    </cs:fontRef>
+    <cs:defRPr sz="1330" kern="1200"/>
+  </cs:axisTitle>
+  <cs:categoryAxis>
+    <cs:lnRef idx="0"/>
+    <cs:fillRef idx="0"/>
+    <cs:effectRef idx="0"/>
+    <cs:fontRef idx="minor">
+      <a:schemeClr val="tx1">
+        <a:lumMod val="65000"/>
+        <a:lumOff val="35000"/>
+      </a:schemeClr>
+    </cs:fontRef>
+    <cs:spPr>
+      <a:ln w="9525" cap="flat" cmpd="sng" algn="ctr">
+        <a:solidFill>
+          <a:schemeClr val="tx1">
+            <a:lumMod val="15000"/>
+            <a:lumOff val="85000"/>
+          </a:schemeClr>
+        </a:solidFill>
+        <a:round/>
+      </a:ln>
+    </cs:spPr>
+    <cs:defRPr sz="1197" kern="1200"/>
+  </cs:categoryAxis>
+  <cs:chartArea mods="allowNoFillOverride allowNoLineOverride">
+    <cs:lnRef idx="0"/>
+    <cs:fillRef idx="0"/>
+    <cs:effectRef idx="0"/>
+    <cs:fontRef idx="minor">
+      <a:schemeClr val="tx1"/>
+    </cs:fontRef>
+    <cs:spPr>
+      <a:solidFill>
+        <a:schemeClr val="bg1"/>
+      </a:solidFill>
+      <a:ln w="9525" cap="flat" cmpd="sng" algn="ctr">
+        <a:solidFill>
+          <a:schemeClr val="tx1">
+            <a:lumMod val="15000"/>
+            <a:lumOff val="85000"/>
+          </a:schemeClr>
+        </a:solidFill>
+        <a:round/>
+      </a:ln>
+    </cs:spPr>
+    <cs:defRPr sz="1330" kern="1200"/>
+  </cs:chartArea>
+  <cs:dataLabel>
+    <cs:lnRef idx="0"/>
+    <cs:fillRef idx="0"/>
+    <cs:effectRef idx="0"/>
+    <cs:fontRef idx="minor">
+      <a:schemeClr val="tx1">
+        <a:lumMod val="75000"/>
+        <a:lumOff val="25000"/>
+      </a:schemeClr>
+    </cs:fontRef>
+    <cs:defRPr sz="1197" kern="1200"/>
+  </cs:dataLabel>
+  <cs:dataLabelCallout>
+    <cs:lnRef idx="0"/>
+    <cs:fillRef idx="0"/>
+    <cs:effectRef idx="0"/>
+    <cs:fontRef idx="minor">
+      <a:schemeClr val="dk1">
+        <a:lumMod val="65000"/>
+        <a:lumOff val="35000"/>
+      </a:schemeClr>
+    </cs:fontRef>
+    <cs:spPr>
+      <a:solidFill>
+        <a:schemeClr val="lt1"/>
+      </a:solidFill>
+      <a:ln>
+        <a:solidFill>
+          <a:schemeClr val="dk1">
+            <a:lumMod val="25000"/>
+            <a:lumOff val="75000"/>
+          </a:schemeClr>
+        </a:solidFill>
+      </a:ln>
+    </cs:spPr>
+    <cs:defRPr sz="1197" kern="1200"/>
+    <cs:bodyPr rot="0" spcFirstLastPara="1" vertOverflow="clip" horzOverflow="clip" vert="horz" wrap="square" lIns="36576" tIns="18288" rIns="36576" bIns="18288" anchor="ctr" anchorCtr="1">
+      <a:spAutoFit/>
+    </cs:bodyPr>
+  </cs:dataLabelCallout>
+  <cs:dataPoint>
+    <cs:lnRef idx="0"/>
+    <cs:fillRef idx="1">
+      <cs:styleClr val="auto"/>
+    </cs:fillRef>
+    <cs:effectRef idx="0"/>
+    <cs:fontRef idx="minor">
+      <a:schemeClr val="tx1"/>
+    </cs:fontRef>
+  </cs:dataPoint>
+  <cs:dataPoint3D>
+    <cs:lnRef idx="0"/>
+    <cs:fillRef idx="1">
+      <cs:styleClr val="auto"/>
+    </cs:fillRef>
+    <cs:effectRef idx="0"/>
+    <cs:fontRef idx="minor">
+      <a:schemeClr val="tx1"/>
+    </cs:fontRef>
+  </cs:dataPoint3D>
+  <cs:dataPointLine>
+    <cs:lnRef idx="0">
+      <cs:styleClr val="auto"/>
+    </cs:lnRef>
+    <cs:fillRef idx="1"/>
+    <cs:effectRef idx="0"/>
+    <cs:fontRef idx="minor">
+      <a:schemeClr val="tx1"/>
+    </cs:fontRef>
+    <cs:spPr>
+      <a:ln w="28575" cap="rnd">
+        <a:solidFill>
+          <a:schemeClr val="phClr"/>
+        </a:solidFill>
+        <a:round/>
+      </a:ln>
+    </cs:spPr>
+  </cs:dataPointLine>
+  <cs:dataPointMarker>
+    <cs:lnRef idx="0">
+      <cs:styleClr val="auto"/>
+    </cs:lnRef>
+    <cs:fillRef idx="1">
+      <cs:styleClr val="auto"/>
+    </cs:fillRef>
+    <cs:effectRef idx="0"/>
+    <cs:fontRef idx="minor">
+      <a:schemeClr val="tx1"/>
+    </cs:fontRef>
+    <cs:spPr>
+      <a:ln w="9525">
+        <a:solidFill>
+          <a:schemeClr val="phClr"/>
+        </a:solidFill>
+      </a:ln>
+    </cs:spPr>
+  </cs:dataPointMarker>
+  <cs:dataPointMarkerLayout symbol="circle" size="5"/>
+  <cs:dataPointWireframe>
+    <cs:lnRef idx="0">
+      <cs:styleClr val="auto"/>
+    </cs:lnRef>
+    <cs:fillRef idx="1"/>
+    <cs:effectRef idx="0"/>
+    <cs:fontRef idx="minor">
+      <a:schemeClr val="tx1"/>
+    </cs:fontRef>
+    <cs:spPr>
+      <a:ln w="9525" cap="rnd">
+        <a:solidFill>
+          <a:schemeClr val="phClr"/>
+        </a:solidFill>
+        <a:round/>
+      </a:ln>
+    </cs:spPr>
+  </cs:dataPointWireframe>
+  <cs:dataTable>
+    <cs:lnRef idx="0"/>
+    <cs:fillRef idx="0"/>
+    <cs:effectRef idx="0"/>
+    <cs:fontRef idx="minor">
+      <a:schemeClr val="tx1">
+        <a:lumMod val="65000"/>
+        <a:lumOff val="35000"/>
+      </a:schemeClr>
+    </cs:fontRef>
+    <cs:spPr>
+      <a:noFill/>
+      <a:ln w="9525" cap="flat" cmpd="sng" algn="ctr">
+        <a:solidFill>
+          <a:schemeClr val="tx1">
+            <a:lumMod val="15000"/>
+            <a:lumOff val="85000"/>
+          </a:schemeClr>
+        </a:solidFill>
+        <a:round/>
+      </a:ln>
+    </cs:spPr>
+    <cs:defRPr sz="1197" kern="1200"/>
+  </cs:dataTable>
+  <cs:downBar>
+    <cs:lnRef idx="0"/>
+    <cs:fillRef idx="0"/>
+    <cs:effectRef idx="0"/>
+    <cs:fontRef idx="minor">
+      <a:schemeClr val="dk1"/>
+    </cs:fontRef>
+    <cs:spPr>
+      <a:solidFill>
+        <a:schemeClr val="dk1">
+          <a:lumMod val="65000"/>
+          <a:lumOff val="35000"/>
+        </a:schemeClr>
+      </a:solidFill>
+      <a:ln w="9525">
+        <a:solidFill>
+          <a:schemeClr val="tx1">
+            <a:lumMod val="65000"/>
+            <a:lumOff val="35000"/>
+          </a:schemeClr>
+        </a:solidFill>
+      </a:ln>
+    </cs:spPr>
+  </cs:downBar>
+  <cs:dropLine>
+    <cs:lnRef idx="0"/>
+    <cs:fillRef idx="0"/>
+    <cs:effectRef idx="0"/>
+    <cs:fontRef idx="minor">
+      <a:schemeClr val="tx1"/>
+    </cs:fontRef>
+    <cs:spPr>
+      <a:ln w="9525" cap="flat" cmpd="sng" algn="ctr">
+        <a:solidFill>
+          <a:schemeClr val="tx1">
+            <a:lumMod val="35000"/>
+            <a:lumOff val="65000"/>
+          </a:schemeClr>
+        </a:solidFill>
+        <a:round/>
+      </a:ln>
+    </cs:spPr>
+  </cs:dropLine>
+  <cs:errorBar>
+    <cs:lnRef idx="0"/>
+    <cs:fillRef idx="0"/>
+    <cs:effectRef idx="0"/>
+    <cs:fontRef idx="minor">
+      <a:schemeClr val="tx1"/>
+    </cs:fontRef>
+    <cs:spPr>
+      <a:ln w="9525" cap="flat" cmpd="sng" algn="ctr">
+        <a:solidFill>
+          <a:schemeClr val="tx1">
+            <a:lumMod val="65000"/>
+            <a:lumOff val="35000"/>
+          </a:schemeClr>
+        </a:solidFill>
+        <a:round/>
+      </a:ln>
+    </cs:spPr>
+  </cs:errorBar>
+  <cs:floor>
+    <cs:lnRef idx="0"/>
+    <cs:fillRef idx="0"/>
+    <cs:effectRef idx="0"/>
+    <cs:fontRef idx="minor">
+      <a:schemeClr val="tx1"/>
+    </cs:fontRef>
+    <cs:spPr>
+      <a:noFill/>
+      <a:ln>
+        <a:noFill/>
+      </a:ln>
+    </cs:spPr>
+  </cs:floor>
+  <cs:gridlineMajor>
+    <cs:lnRef idx="0"/>
+    <cs:fillRef idx="0"/>
+    <cs:effectRef idx="0"/>
+    <cs:fontRef idx="minor">
+      <a:schemeClr val="tx1"/>
+    </cs:fontRef>
+    <cs:spPr>
+      <a:ln w="9525" cap="flat" cmpd="sng" algn="ctr">
+        <a:solidFill>
+          <a:schemeClr val="tx1">
+            <a:lumMod val="15000"/>
+            <a:lumOff val="85000"/>
+          </a:schemeClr>
+        </a:solidFill>
+        <a:round/>
+      </a:ln>
+    </cs:spPr>
+  </cs:gridlineMajor>
+  <cs:gridlineMinor>
+    <cs:lnRef idx="0"/>
+    <cs:fillRef idx="0"/>
+    <cs:effectRef idx="0"/>
+    <cs:fontRef idx="minor">
+      <a:schemeClr val="tx1"/>
+    </cs:fontRef>
+    <cs:spPr>
+      <a:ln w="9525" cap="flat" cmpd="sng" algn="ctr">
+        <a:solidFill>
+          <a:schemeClr val="tx1">
+            <a:lumMod val="5000"/>
+            <a:lumOff val="95000"/>
+          </a:schemeClr>
+        </a:solidFill>
+        <a:round/>
+      </a:ln>
+    </cs:spPr>
+  </cs:gridlineMinor>
+  <cs:hiLoLine>
+    <cs:lnRef idx="0"/>
+    <cs:fillRef idx="0"/>
+    <cs:effectRef idx="0"/>
+    <cs:fontRef idx="minor">
+      <a:schemeClr val="tx1"/>
+    </cs:fontRef>
+    <cs:spPr>
+      <a:ln w="9525" cap="flat" cmpd="sng" algn="ctr">
+        <a:solidFill>
+          <a:schemeClr val="tx1">
+            <a:lumMod val="75000"/>
+            <a:lumOff val="25000"/>
+          </a:schemeClr>
+        </a:solidFill>
+        <a:round/>
+      </a:ln>
+    </cs:spPr>
+  </cs:hiLoLine>
+  <cs:leaderLine>
+    <cs:lnRef idx="0"/>
+    <cs:fillRef idx="0"/>
+    <cs:effectRef idx="0"/>
+    <cs:fontRef idx="minor">
+      <a:schemeClr val="tx1"/>
+    </cs:fontRef>
+    <cs:spPr>
+      <a:ln w="9525" cap="flat" cmpd="sng" algn="ctr">
+        <a:solidFill>
+          <a:schemeClr val="tx1">
+            <a:lumMod val="35000"/>
+            <a:lumOff val="65000"/>
+          </a:schemeClr>
+        </a:solidFill>
+        <a:round/>
+      </a:ln>
+    </cs:spPr>
+  </cs:leaderLine>
+  <cs:legend>
+    <cs:lnRef idx="0"/>
+    <cs:fillRef idx="0"/>
+    <cs:effectRef idx="0"/>
+    <cs:fontRef idx="minor">
+      <a:schemeClr val="tx1">
+        <a:lumMod val="65000"/>
+        <a:lumOff val="35000"/>
+      </a:schemeClr>
+    </cs:fontRef>
+    <cs:defRPr sz="1197" kern="1200"/>
+  </cs:legend>
+  <cs:plotArea mods="allowNoFillOverride allowNoLineOverride">
+    <cs:lnRef idx="0"/>
+    <cs:fillRef idx="0"/>
+    <cs:effectRef idx="0"/>
+    <cs:fontRef idx="minor">
+      <a:schemeClr val="tx1"/>
+    </cs:fontRef>
+  </cs:plotArea>
+  <cs:plotArea3D mods="allowNoFillOverride allowNoLineOverride">
+    <cs:lnRef idx="0"/>
+    <cs:fillRef idx="0"/>
+    <cs:effectRef idx="0"/>
+    <cs:fontRef idx="minor">
+      <a:schemeClr val="tx1"/>
+    </cs:fontRef>
+  </cs:plotArea3D>
+  <cs:seriesAxis>
+    <cs:lnRef idx="0"/>
+    <cs:fillRef idx="0"/>
+    <cs:effectRef idx="0"/>
+    <cs:fontRef idx="minor">
+      <a:schemeClr val="tx1">
+        <a:lumMod val="65000"/>
+        <a:lumOff val="35000"/>
+      </a:schemeClr>
+    </cs:fontRef>
+    <cs:defRPr sz="1197" kern="1200"/>
+  </cs:seriesAxis>
+  <cs:seriesLine>
+    <cs:lnRef idx="0"/>
+    <cs:fillRef idx="0"/>
+    <cs:effectRef idx="0"/>
+    <cs:fontRef idx="minor">
+      <a:schemeClr val="tx1"/>
+    </cs:fontRef>
+    <cs:spPr>
+      <a:ln w="9525" cap="flat" cmpd="sng" algn="ctr">
+        <a:solidFill>
+          <a:schemeClr val="tx1">
+            <a:lumMod val="35000"/>
+            <a:lumOff val="65000"/>
+          </a:schemeClr>
+        </a:solidFill>
+        <a:round/>
+      </a:ln>
+    </cs:spPr>
+  </cs:seriesLine>
+  <cs:title>
+    <cs:lnRef idx="0"/>
+    <cs:fillRef idx="0"/>
+    <cs:effectRef idx="0"/>
+    <cs:fontRef idx="minor">
+      <a:schemeClr val="tx1">
+        <a:lumMod val="65000"/>
+        <a:lumOff val="35000"/>
+      </a:schemeClr>
+    </cs:fontRef>
+    <cs:defRPr sz="1862" b="0" kern="1200" spc="0" baseline="0"/>
+  </cs:title>
+  <cs:trendline>
+    <cs:lnRef idx="0">
+      <cs:styleClr val="auto"/>
+    </cs:lnRef>
+    <cs:fillRef idx="0"/>
+    <cs:effectRef idx="0"/>
+    <cs:fontRef idx="minor">
+      <a:schemeClr val="tx1"/>
+    </cs:fontRef>
+    <cs:spPr>
+      <a:ln w="19050" cap="rnd">
+        <a:solidFill>
+          <a:schemeClr val="phClr"/>
+        </a:solidFill>
+        <a:prstDash val="sysDot"/>
+      </a:ln>
+    </cs:spPr>
+  </cs:trendline>
+  <cs:trendlineLabel>
+    <cs:lnRef idx="0"/>
+    <cs:fillRef idx="0"/>
+    <cs:effectRef idx="0"/>
+    <cs:fontRef idx="minor">
+      <a:schemeClr val="tx1">
+        <a:lumMod val="65000"/>
+        <a:lumOff val="35000"/>
+      </a:schemeClr>
+    </cs:fontRef>
+    <cs:defRPr sz="1197" kern="1200"/>
+  </cs:trendlineLabel>
+  <cs:upBar>
+    <cs:lnRef idx="0"/>
+    <cs:fillRef idx="0"/>
+    <cs:effectRef idx="0"/>
+    <cs:fontRef idx="minor">
+      <a:schemeClr val="dk1"/>
+    </cs:fontRef>
+    <cs:spPr>
+      <a:solidFill>
+        <a:schemeClr val="lt1"/>
+      </a:solidFill>
+      <a:ln w="9525">
+        <a:solidFill>
+          <a:schemeClr val="tx1">
+            <a:lumMod val="15000"/>
+            <a:lumOff val="85000"/>
+          </a:schemeClr>
+        </a:solidFill>
+      </a:ln>
+    </cs:spPr>
+  </cs:upBar>
+  <cs:valueAxis>
+    <cs:lnRef idx="0"/>
+    <cs:fillRef idx="0"/>
+    <cs:effectRef idx="0"/>
+    <cs:fontRef idx="minor">
+      <a:schemeClr val="tx1">
+        <a:lumMod val="65000"/>
+        <a:lumOff val="35000"/>
+      </a:schemeClr>
+    </cs:fontRef>
+    <cs:defRPr sz="1197" kern="1200"/>
+  </cs:valueAxis>
+  <cs:wall>
+    <cs:lnRef idx="0"/>
+    <cs:fillRef idx="0"/>
+    <cs:effectRef idx="0"/>
+    <cs:fontRef idx="minor">
+      <a:schemeClr val="tx1"/>
+    </cs:fontRef>
+    <cs:spPr>
+      <a:noFill/>
+      <a:ln>
+        <a:noFill/>
+      </a:ln>
+    </cs:spPr>
+  </cs:wall>
+</cs:chartStyle>
+</file>
+
+<file path=ppt/charts/style2.xml><?xml version="1.0" encoding="utf-8"?>
+<cs:chartStyle xmlns:cs="http://schemas.microsoft.com/office/drawing/2012/chartStyle" xmlns:a="http://schemas.openxmlformats.org/drawingml/2006/main" id="201">
+  <cs:axisTitle>
+    <cs:lnRef idx="0"/>
+    <cs:fillRef idx="0"/>
+    <cs:effectRef idx="0"/>
+    <cs:fontRef idx="minor">
+      <a:schemeClr val="tx1">
+        <a:lumMod val="65000"/>
+        <a:lumOff val="35000"/>
+      </a:schemeClr>
+    </cs:fontRef>
+    <cs:defRPr sz="1330" kern="1200"/>
+  </cs:axisTitle>
+  <cs:categoryAxis>
+    <cs:lnRef idx="0"/>
+    <cs:fillRef idx="0"/>
+    <cs:effectRef idx="0"/>
+    <cs:fontRef idx="minor">
+      <a:schemeClr val="tx1">
+        <a:lumMod val="65000"/>
+        <a:lumOff val="35000"/>
+      </a:schemeClr>
+    </cs:fontRef>
+    <cs:spPr>
+      <a:ln w="9525" cap="flat" cmpd="sng" algn="ctr">
+        <a:solidFill>
+          <a:schemeClr val="tx1">
+            <a:lumMod val="15000"/>
+            <a:lumOff val="85000"/>
+          </a:schemeClr>
+        </a:solidFill>
+        <a:round/>
+      </a:ln>
+    </cs:spPr>
+    <cs:defRPr sz="1197" kern="1200"/>
+  </cs:categoryAxis>
+  <cs:chartArea mods="allowNoFillOverride allowNoLineOverride">
+    <cs:lnRef idx="0"/>
+    <cs:fillRef idx="0"/>
+    <cs:effectRef idx="0"/>
+    <cs:fontRef idx="minor">
+      <a:schemeClr val="tx1"/>
+    </cs:fontRef>
+    <cs:spPr>
+      <a:solidFill>
+        <a:schemeClr val="bg1"/>
+      </a:solidFill>
+      <a:ln w="9525" cap="flat" cmpd="sng" algn="ctr">
+        <a:solidFill>
+          <a:schemeClr val="tx1">
+            <a:lumMod val="15000"/>
+            <a:lumOff val="85000"/>
+          </a:schemeClr>
+        </a:solidFill>
+        <a:round/>
+      </a:ln>
+    </cs:spPr>
+    <cs:defRPr sz="1330" kern="1200"/>
+  </cs:chartArea>
+  <cs:dataLabel>
+    <cs:lnRef idx="0"/>
+    <cs:fillRef idx="0"/>
+    <cs:effectRef idx="0"/>
+    <cs:fontRef idx="minor">
+      <a:schemeClr val="tx1">
+        <a:lumMod val="75000"/>
+        <a:lumOff val="25000"/>
+      </a:schemeClr>
+    </cs:fontRef>
+    <cs:defRPr sz="1197" kern="1200"/>
+  </cs:dataLabel>
+  <cs:dataLabelCallout>
+    <cs:lnRef idx="0"/>
+    <cs:fillRef idx="0"/>
+    <cs:effectRef idx="0"/>
+    <cs:fontRef idx="minor">
+      <a:schemeClr val="dk1">
+        <a:lumMod val="65000"/>
+        <a:lumOff val="35000"/>
+      </a:schemeClr>
+    </cs:fontRef>
+    <cs:spPr>
+      <a:solidFill>
+        <a:schemeClr val="lt1"/>
+      </a:solidFill>
+      <a:ln>
+        <a:solidFill>
+          <a:schemeClr val="dk1">
+            <a:lumMod val="25000"/>
+            <a:lumOff val="75000"/>
+          </a:schemeClr>
+        </a:solidFill>
+      </a:ln>
+    </cs:spPr>
+    <cs:defRPr sz="1197" kern="1200"/>
+    <cs:bodyPr rot="0" spcFirstLastPara="1" vertOverflow="clip" horzOverflow="clip" vert="horz" wrap="square" lIns="36576" tIns="18288" rIns="36576" bIns="18288" anchor="ctr" anchorCtr="1">
+      <a:spAutoFit/>
+    </cs:bodyPr>
+  </cs:dataLabelCallout>
+  <cs:dataPoint>
+    <cs:lnRef idx="0"/>
+    <cs:fillRef idx="1">
+      <cs:styleClr val="auto"/>
+    </cs:fillRef>
+    <cs:effectRef idx="0"/>
+    <cs:fontRef idx="minor">
+      <a:schemeClr val="tx1"/>
+    </cs:fontRef>
+  </cs:dataPoint>
+  <cs:dataPoint3D>
+    <cs:lnRef idx="0"/>
+    <cs:fillRef idx="1">
+      <cs:styleClr val="auto"/>
+    </cs:fillRef>
+    <cs:effectRef idx="0"/>
+    <cs:fontRef idx="minor">
+      <a:schemeClr val="tx1"/>
+    </cs:fontRef>
+  </cs:dataPoint3D>
+  <cs:dataPointLine>
+    <cs:lnRef idx="0">
+      <cs:styleClr val="auto"/>
+    </cs:lnRef>
+    <cs:fillRef idx="1"/>
+    <cs:effectRef idx="0"/>
+    <cs:fontRef idx="minor">
+      <a:schemeClr val="tx1"/>
+    </cs:fontRef>
+    <cs:spPr>
+      <a:ln w="28575" cap="rnd">
+        <a:solidFill>
+          <a:schemeClr val="phClr"/>
+        </a:solidFill>
+        <a:round/>
+      </a:ln>
+    </cs:spPr>
+  </cs:dataPointLine>
+  <cs:dataPointMarker>
+    <cs:lnRef idx="0">
+      <cs:styleClr val="auto"/>
+    </cs:lnRef>
+    <cs:fillRef idx="1">
+      <cs:styleClr val="auto"/>
+    </cs:fillRef>
+    <cs:effectRef idx="0"/>
+    <cs:fontRef idx="minor">
+      <a:schemeClr val="tx1"/>
+    </cs:fontRef>
+    <cs:spPr>
+      <a:ln w="9525">
+        <a:solidFill>
+          <a:schemeClr val="phClr"/>
+        </a:solidFill>
+      </a:ln>
+    </cs:spPr>
+  </cs:dataPointMarker>
+  <cs:dataPointMarkerLayout symbol="circle" size="5"/>
+  <cs:dataPointWireframe>
+    <cs:lnRef idx="0">
+      <cs:styleClr val="auto"/>
+    </cs:lnRef>
+    <cs:fillRef idx="1"/>
+    <cs:effectRef idx="0"/>
+    <cs:fontRef idx="minor">
+      <a:schemeClr val="tx1"/>
+    </cs:fontRef>
+    <cs:spPr>
+      <a:ln w="9525" cap="rnd">
+        <a:solidFill>
+          <a:schemeClr val="phClr"/>
+        </a:solidFill>
+        <a:round/>
+      </a:ln>
+    </cs:spPr>
+  </cs:dataPointWireframe>
+  <cs:dataTable>
+    <cs:lnRef idx="0"/>
+    <cs:fillRef idx="0"/>
+    <cs:effectRef idx="0"/>
+    <cs:fontRef idx="minor">
+      <a:schemeClr val="tx1">
+        <a:lumMod val="65000"/>
+        <a:lumOff val="35000"/>
+      </a:schemeClr>
+    </cs:fontRef>
+    <cs:spPr>
+      <a:noFill/>
+      <a:ln w="9525" cap="flat" cmpd="sng" algn="ctr">
+        <a:solidFill>
+          <a:schemeClr val="tx1">
+            <a:lumMod val="15000"/>
+            <a:lumOff val="85000"/>
+          </a:schemeClr>
+        </a:solidFill>
+        <a:round/>
+      </a:ln>
+    </cs:spPr>
+    <cs:defRPr sz="1197" kern="1200"/>
+  </cs:dataTable>
+  <cs:downBar>
+    <cs:lnRef idx="0"/>
+    <cs:fillRef idx="0"/>
+    <cs:effectRef idx="0"/>
+    <cs:fontRef idx="minor">
+      <a:schemeClr val="dk1"/>
+    </cs:fontRef>
+    <cs:spPr>
+      <a:solidFill>
+        <a:schemeClr val="dk1">
+          <a:lumMod val="65000"/>
+          <a:lumOff val="35000"/>
+        </a:schemeClr>
+      </a:solidFill>
+      <a:ln w="9525">
+        <a:solidFill>
+          <a:schemeClr val="tx1">
+            <a:lumMod val="65000"/>
+            <a:lumOff val="35000"/>
+          </a:schemeClr>
+        </a:solidFill>
+      </a:ln>
+    </cs:spPr>
+  </cs:downBar>
+  <cs:dropLine>
+    <cs:lnRef idx="0"/>
+    <cs:fillRef idx="0"/>
+    <cs:effectRef idx="0"/>
+    <cs:fontRef idx="minor">
+      <a:schemeClr val="tx1"/>
+    </cs:fontRef>
+    <cs:spPr>
+      <a:ln w="9525" cap="flat" cmpd="sng" algn="ctr">
+        <a:solidFill>
+          <a:schemeClr val="tx1">
+            <a:lumMod val="35000"/>
+            <a:lumOff val="65000"/>
+          </a:schemeClr>
+        </a:solidFill>
+        <a:round/>
+      </a:ln>
+    </cs:spPr>
+  </cs:dropLine>
+  <cs:errorBar>
+    <cs:lnRef idx="0"/>
+    <cs:fillRef idx="0"/>
+    <cs:effectRef idx="0"/>
+    <cs:fontRef idx="minor">
+      <a:schemeClr val="tx1"/>
+    </cs:fontRef>
+    <cs:spPr>
+      <a:ln w="9525" cap="flat" cmpd="sng" algn="ctr">
+        <a:solidFill>
+          <a:schemeClr val="tx1">
+            <a:lumMod val="65000"/>
+            <a:lumOff val="35000"/>
+          </a:schemeClr>
+        </a:solidFill>
+        <a:round/>
+      </a:ln>
+    </cs:spPr>
+  </cs:errorBar>
+  <cs:floor>
+    <cs:lnRef idx="0"/>
+    <cs:fillRef idx="0"/>
+    <cs:effectRef idx="0"/>
+    <cs:fontRef idx="minor">
+      <a:schemeClr val="tx1"/>
+    </cs:fontRef>
+    <cs:spPr>
+      <a:noFill/>
+      <a:ln>
+        <a:noFill/>
+      </a:ln>
+    </cs:spPr>
+  </cs:floor>
+  <cs:gridlineMajor>
+    <cs:lnRef idx="0"/>
+    <cs:fillRef idx="0"/>
+    <cs:effectRef idx="0"/>
+    <cs:fontRef idx="minor">
+      <a:schemeClr val="tx1"/>
+    </cs:fontRef>
+    <cs:spPr>
+      <a:ln w="9525" cap="flat" cmpd="sng" algn="ctr">
+        <a:solidFill>
+          <a:schemeClr val="tx1">
+            <a:lumMod val="15000"/>
+            <a:lumOff val="85000"/>
+          </a:schemeClr>
+        </a:solidFill>
+        <a:round/>
+      </a:ln>
+    </cs:spPr>
+  </cs:gridlineMajor>
+  <cs:gridlineMinor>
+    <cs:lnRef idx="0"/>
+    <cs:fillRef idx="0"/>
+    <cs:effectRef idx="0"/>
+    <cs:fontRef idx="minor">
+      <a:schemeClr val="tx1"/>
+    </cs:fontRef>
+    <cs:spPr>
+      <a:ln w="9525" cap="flat" cmpd="sng" algn="ctr">
+        <a:solidFill>
+          <a:schemeClr val="tx1">
+            <a:lumMod val="5000"/>
+            <a:lumOff val="95000"/>
+          </a:schemeClr>
+        </a:solidFill>
+        <a:round/>
+      </a:ln>
+    </cs:spPr>
+  </cs:gridlineMinor>
+  <cs:hiLoLine>
+    <cs:lnRef idx="0"/>
+    <cs:fillRef idx="0"/>
+    <cs:effectRef idx="0"/>
+    <cs:fontRef idx="minor">
+      <a:schemeClr val="tx1"/>
+    </cs:fontRef>
+    <cs:spPr>
+      <a:ln w="9525" cap="flat" cmpd="sng" algn="ctr">
+        <a:solidFill>
+          <a:schemeClr val="tx1">
+            <a:lumMod val="75000"/>
+            <a:lumOff val="25000"/>
+          </a:schemeClr>
+        </a:solidFill>
+        <a:round/>
+      </a:ln>
+    </cs:spPr>
+  </cs:hiLoLine>
+  <cs:leaderLine>
+    <cs:lnRef idx="0"/>
+    <cs:fillRef idx="0"/>
+    <cs:effectRef idx="0"/>
+    <cs:fontRef idx="minor">
+      <a:schemeClr val="tx1"/>
+    </cs:fontRef>
+    <cs:spPr>
+      <a:ln w="9525" cap="flat" cmpd="sng" algn="ctr">
+        <a:solidFill>
+          <a:schemeClr val="tx1">
+            <a:lumMod val="35000"/>
+            <a:lumOff val="65000"/>
+          </a:schemeClr>
+        </a:solidFill>
+        <a:round/>
+      </a:ln>
+    </cs:spPr>
+  </cs:leaderLine>
+  <cs:legend>
+    <cs:lnRef idx="0"/>
+    <cs:fillRef idx="0"/>
+    <cs:effectRef idx="0"/>
+    <cs:fontRef idx="minor">
+      <a:schemeClr val="tx1">
+        <a:lumMod val="65000"/>
+        <a:lumOff val="35000"/>
+      </a:schemeClr>
+    </cs:fontRef>
+    <cs:defRPr sz="1197" kern="1200"/>
+  </cs:legend>
+  <cs:plotArea mods="allowNoFillOverride allowNoLineOverride">
+    <cs:lnRef idx="0"/>
+    <cs:fillRef idx="0"/>
+    <cs:effectRef idx="0"/>
+    <cs:fontRef idx="minor">
+      <a:schemeClr val="tx1"/>
+    </cs:fontRef>
+  </cs:plotArea>
+  <cs:plotArea3D mods="allowNoFillOverride allowNoLineOverride">
+    <cs:lnRef idx="0"/>
+    <cs:fillRef idx="0"/>
+    <cs:effectRef idx="0"/>
+    <cs:fontRef idx="minor">
+      <a:schemeClr val="tx1"/>
+    </cs:fontRef>
+  </cs:plotArea3D>
+  <cs:seriesAxis>
+    <cs:lnRef idx="0"/>
+    <cs:fillRef idx="0"/>
+    <cs:effectRef idx="0"/>
+    <cs:fontRef idx="minor">
+      <a:schemeClr val="tx1">
+        <a:lumMod val="65000"/>
+        <a:lumOff val="35000"/>
+      </a:schemeClr>
+    </cs:fontRef>
+    <cs:defRPr sz="1197" kern="1200"/>
+  </cs:seriesAxis>
+  <cs:seriesLine>
+    <cs:lnRef idx="0"/>
+    <cs:fillRef idx="0"/>
+    <cs:effectRef idx="0"/>
+    <cs:fontRef idx="minor">
+      <a:schemeClr val="tx1"/>
+    </cs:fontRef>
+    <cs:spPr>
+      <a:ln w="9525" cap="flat" cmpd="sng" algn="ctr">
+        <a:solidFill>
+          <a:schemeClr val="tx1">
+            <a:lumMod val="35000"/>
+            <a:lumOff val="65000"/>
+          </a:schemeClr>
+        </a:solidFill>
+        <a:round/>
+      </a:ln>
+    </cs:spPr>
+  </cs:seriesLine>
+  <cs:title>
+    <cs:lnRef idx="0"/>
+    <cs:fillRef idx="0"/>
+    <cs:effectRef idx="0"/>
+    <cs:fontRef idx="minor">
+      <a:schemeClr val="tx1">
+        <a:lumMod val="65000"/>
+        <a:lumOff val="35000"/>
+      </a:schemeClr>
+    </cs:fontRef>
+    <cs:defRPr sz="1862" b="0" kern="1200" spc="0" baseline="0"/>
+  </cs:title>
+  <cs:trendline>
+    <cs:lnRef idx="0">
+      <cs:styleClr val="auto"/>
+    </cs:lnRef>
+    <cs:fillRef idx="0"/>
+    <cs:effectRef idx="0"/>
+    <cs:fontRef idx="minor">
+      <a:schemeClr val="tx1"/>
+    </cs:fontRef>
+    <cs:spPr>
+      <a:ln w="19050" cap="rnd">
+        <a:solidFill>
+          <a:schemeClr val="phClr"/>
+        </a:solidFill>
+        <a:prstDash val="sysDot"/>
+      </a:ln>
+    </cs:spPr>
+  </cs:trendline>
+  <cs:trendlineLabel>
+    <cs:lnRef idx="0"/>
+    <cs:fillRef idx="0"/>
+    <cs:effectRef idx="0"/>
+    <cs:fontRef idx="minor">
+      <a:schemeClr val="tx1">
+        <a:lumMod val="65000"/>
+        <a:lumOff val="35000"/>
+      </a:schemeClr>
+    </cs:fontRef>
+    <cs:defRPr sz="1197" kern="1200"/>
+  </cs:trendlineLabel>
+  <cs:upBar>
+    <cs:lnRef idx="0"/>
+    <cs:fillRef idx="0"/>
+    <cs:effectRef idx="0"/>
+    <cs:fontRef idx="minor">
+      <a:schemeClr val="dk1"/>
+    </cs:fontRef>
+    <cs:spPr>
+      <a:solidFill>
+        <a:schemeClr val="lt1"/>
+      </a:solidFill>
+      <a:ln w="9525">
+        <a:solidFill>
+          <a:schemeClr val="tx1">
+            <a:lumMod val="15000"/>
+            <a:lumOff val="85000"/>
+          </a:schemeClr>
+        </a:solidFill>
+      </a:ln>
+    </cs:spPr>
+  </cs:upBar>
+  <cs:valueAxis>
+    <cs:lnRef idx="0"/>
+    <cs:fillRef idx="0"/>
+    <cs:effectRef idx="0"/>
+    <cs:fontRef idx="minor">
+      <a:schemeClr val="tx1">
+        <a:lumMod val="65000"/>
+        <a:lumOff val="35000"/>
+      </a:schemeClr>
+    </cs:fontRef>
+    <cs:defRPr sz="1197" kern="1200"/>
+  </cs:valueAxis>
+  <cs:wall>
+    <cs:lnRef idx="0"/>
+    <cs:fillRef idx="0"/>
+    <cs:effectRef idx="0"/>
+    <cs:fontRef idx="minor">
+      <a:schemeClr val="tx1"/>
+    </cs:fontRef>
+    <cs:spPr>
+      <a:noFill/>
+      <a:ln>
+        <a:noFill/>
+      </a:ln>
+    </cs:spPr>
+  </cs:wall>
+</cs:chartStyle>
 </file>
 
 <file path=ppt/diagrams/colors1.xml><?xml version="1.0" encoding="utf-8"?>
@@ -827,6 +2672,753 @@
   <dgm:styleLbl name="fgShp">
     <dgm:fillClrLst meth="repeat">
       <a:schemeClr val="accent1">
+        <a:tint val="60000"/>
+      </a:schemeClr>
+    </dgm:fillClrLst>
+    <dgm:linClrLst meth="repeat">
+      <a:schemeClr val="lt1"/>
+    </dgm:linClrLst>
+    <dgm:effectClrLst/>
+    <dgm:txLinClrLst/>
+    <dgm:txFillClrLst meth="repeat">
+      <a:schemeClr val="dk1"/>
+    </dgm:txFillClrLst>
+    <dgm:txEffectClrLst/>
+  </dgm:styleLbl>
+  <dgm:styleLbl name="revTx">
+    <dgm:fillClrLst meth="repeat">
+      <a:schemeClr val="lt1">
+        <a:alpha val="0"/>
+      </a:schemeClr>
+    </dgm:fillClrLst>
+    <dgm:linClrLst meth="repeat">
+      <a:schemeClr val="dk1">
+        <a:alpha val="0"/>
+      </a:schemeClr>
+    </dgm:linClrLst>
+    <dgm:effectClrLst/>
+    <dgm:txLinClrLst/>
+    <dgm:txFillClrLst meth="repeat">
+      <a:schemeClr val="tx1"/>
+    </dgm:txFillClrLst>
+    <dgm:txEffectClrLst/>
+  </dgm:styleLbl>
+</dgm:colorsDef>
+</file>
+
+<file path=ppt/diagrams/colors2.xml><?xml version="1.0" encoding="utf-8"?>
+<dgm:colorsDef xmlns:dgm="http://schemas.openxmlformats.org/drawingml/2006/diagram" xmlns:a="http://schemas.openxmlformats.org/drawingml/2006/main" uniqueId="urn:microsoft.com/office/officeart/2005/8/colors/accent6_2">
+  <dgm:title val=""/>
+  <dgm:desc val=""/>
+  <dgm:catLst>
+    <dgm:cat type="accent6" pri="11200"/>
+  </dgm:catLst>
+  <dgm:styleLbl name="node0">
+    <dgm:fillClrLst meth="repeat">
+      <a:schemeClr val="accent6"/>
+    </dgm:fillClrLst>
+    <dgm:linClrLst meth="repeat">
+      <a:schemeClr val="lt1"/>
+    </dgm:linClrLst>
+    <dgm:effectClrLst/>
+    <dgm:txLinClrLst/>
+    <dgm:txFillClrLst/>
+    <dgm:txEffectClrLst/>
+  </dgm:styleLbl>
+  <dgm:styleLbl name="node1">
+    <dgm:fillClrLst meth="repeat">
+      <a:schemeClr val="accent6"/>
+    </dgm:fillClrLst>
+    <dgm:linClrLst meth="repeat">
+      <a:schemeClr val="lt1"/>
+    </dgm:linClrLst>
+    <dgm:effectClrLst/>
+    <dgm:txLinClrLst/>
+    <dgm:txFillClrLst/>
+    <dgm:txEffectClrLst/>
+  </dgm:styleLbl>
+  <dgm:styleLbl name="alignNode1">
+    <dgm:fillClrLst meth="repeat">
+      <a:schemeClr val="accent6"/>
+    </dgm:fillClrLst>
+    <dgm:linClrLst meth="repeat">
+      <a:schemeClr val="accent6"/>
+    </dgm:linClrLst>
+    <dgm:effectClrLst/>
+    <dgm:txLinClrLst/>
+    <dgm:txFillClrLst/>
+    <dgm:txEffectClrLst/>
+  </dgm:styleLbl>
+  <dgm:styleLbl name="lnNode1">
+    <dgm:fillClrLst meth="repeat">
+      <a:schemeClr val="accent6"/>
+    </dgm:fillClrLst>
+    <dgm:linClrLst meth="repeat">
+      <a:schemeClr val="lt1"/>
+    </dgm:linClrLst>
+    <dgm:effectClrLst/>
+    <dgm:txLinClrLst/>
+    <dgm:txFillClrLst/>
+    <dgm:txEffectClrLst/>
+  </dgm:styleLbl>
+  <dgm:styleLbl name="vennNode1">
+    <dgm:fillClrLst meth="repeat">
+      <a:schemeClr val="accent6">
+        <a:alpha val="50000"/>
+      </a:schemeClr>
+    </dgm:fillClrLst>
+    <dgm:linClrLst meth="repeat">
+      <a:schemeClr val="lt1"/>
+    </dgm:linClrLst>
+    <dgm:effectClrLst/>
+    <dgm:txLinClrLst/>
+    <dgm:txFillClrLst/>
+    <dgm:txEffectClrLst/>
+  </dgm:styleLbl>
+  <dgm:styleLbl name="node2">
+    <dgm:fillClrLst meth="repeat">
+      <a:schemeClr val="accent6"/>
+    </dgm:fillClrLst>
+    <dgm:linClrLst meth="repeat">
+      <a:schemeClr val="lt1"/>
+    </dgm:linClrLst>
+    <dgm:effectClrLst/>
+    <dgm:txLinClrLst/>
+    <dgm:txFillClrLst/>
+    <dgm:txEffectClrLst/>
+  </dgm:styleLbl>
+  <dgm:styleLbl name="node3">
+    <dgm:fillClrLst meth="repeat">
+      <a:schemeClr val="accent6"/>
+    </dgm:fillClrLst>
+    <dgm:linClrLst meth="repeat">
+      <a:schemeClr val="lt1"/>
+    </dgm:linClrLst>
+    <dgm:effectClrLst/>
+    <dgm:txLinClrLst/>
+    <dgm:txFillClrLst/>
+    <dgm:txEffectClrLst/>
+  </dgm:styleLbl>
+  <dgm:styleLbl name="node4">
+    <dgm:fillClrLst meth="repeat">
+      <a:schemeClr val="accent6"/>
+    </dgm:fillClrLst>
+    <dgm:linClrLst meth="repeat">
+      <a:schemeClr val="lt1"/>
+    </dgm:linClrLst>
+    <dgm:effectClrLst/>
+    <dgm:txLinClrLst/>
+    <dgm:txFillClrLst/>
+    <dgm:txEffectClrLst/>
+  </dgm:styleLbl>
+  <dgm:styleLbl name="fgImgPlace1">
+    <dgm:fillClrLst meth="repeat">
+      <a:schemeClr val="accent6">
+        <a:tint val="50000"/>
+      </a:schemeClr>
+    </dgm:fillClrLst>
+    <dgm:linClrLst meth="repeat">
+      <a:schemeClr val="lt1"/>
+    </dgm:linClrLst>
+    <dgm:effectClrLst/>
+    <dgm:txLinClrLst/>
+    <dgm:txFillClrLst meth="repeat">
+      <a:schemeClr val="lt1"/>
+    </dgm:txFillClrLst>
+    <dgm:txEffectClrLst/>
+  </dgm:styleLbl>
+  <dgm:styleLbl name="alignImgPlace1">
+    <dgm:fillClrLst meth="repeat">
+      <a:schemeClr val="accent6">
+        <a:tint val="50000"/>
+      </a:schemeClr>
+    </dgm:fillClrLst>
+    <dgm:linClrLst meth="repeat">
+      <a:schemeClr val="lt1"/>
+    </dgm:linClrLst>
+    <dgm:effectClrLst/>
+    <dgm:txLinClrLst/>
+    <dgm:txFillClrLst meth="repeat">
+      <a:schemeClr val="lt1"/>
+    </dgm:txFillClrLst>
+    <dgm:txEffectClrLst/>
+  </dgm:styleLbl>
+  <dgm:styleLbl name="bgImgPlace1">
+    <dgm:fillClrLst meth="repeat">
+      <a:schemeClr val="accent6">
+        <a:tint val="50000"/>
+      </a:schemeClr>
+    </dgm:fillClrLst>
+    <dgm:linClrLst meth="repeat">
+      <a:schemeClr val="lt1"/>
+    </dgm:linClrLst>
+    <dgm:effectClrLst/>
+    <dgm:txLinClrLst/>
+    <dgm:txFillClrLst meth="repeat">
+      <a:schemeClr val="lt1"/>
+    </dgm:txFillClrLst>
+    <dgm:txEffectClrLst/>
+  </dgm:styleLbl>
+  <dgm:styleLbl name="sibTrans2D1">
+    <dgm:fillClrLst meth="repeat">
+      <a:schemeClr val="accent6">
+        <a:tint val="60000"/>
+      </a:schemeClr>
+    </dgm:fillClrLst>
+    <dgm:linClrLst meth="repeat">
+      <a:schemeClr val="accent6">
+        <a:tint val="60000"/>
+      </a:schemeClr>
+    </dgm:linClrLst>
+    <dgm:effectClrLst/>
+    <dgm:txLinClrLst/>
+    <dgm:txFillClrLst/>
+    <dgm:txEffectClrLst/>
+  </dgm:styleLbl>
+  <dgm:styleLbl name="fgSibTrans2D1">
+    <dgm:fillClrLst meth="repeat">
+      <a:schemeClr val="accent6">
+        <a:tint val="60000"/>
+      </a:schemeClr>
+    </dgm:fillClrLst>
+    <dgm:linClrLst meth="repeat">
+      <a:schemeClr val="accent6">
+        <a:tint val="60000"/>
+      </a:schemeClr>
+    </dgm:linClrLst>
+    <dgm:effectClrLst/>
+    <dgm:txLinClrLst/>
+    <dgm:txFillClrLst/>
+    <dgm:txEffectClrLst/>
+  </dgm:styleLbl>
+  <dgm:styleLbl name="bgSibTrans2D1">
+    <dgm:fillClrLst meth="repeat">
+      <a:schemeClr val="accent6">
+        <a:tint val="60000"/>
+      </a:schemeClr>
+    </dgm:fillClrLst>
+    <dgm:linClrLst meth="repeat">
+      <a:schemeClr val="accent6">
+        <a:tint val="60000"/>
+      </a:schemeClr>
+    </dgm:linClrLst>
+    <dgm:effectClrLst/>
+    <dgm:txLinClrLst/>
+    <dgm:txFillClrLst/>
+    <dgm:txEffectClrLst/>
+  </dgm:styleLbl>
+  <dgm:styleLbl name="sibTrans1D1">
+    <dgm:fillClrLst meth="repeat">
+      <a:schemeClr val="accent6"/>
+    </dgm:fillClrLst>
+    <dgm:linClrLst meth="repeat">
+      <a:schemeClr val="accent6"/>
+    </dgm:linClrLst>
+    <dgm:effectClrLst/>
+    <dgm:txLinClrLst/>
+    <dgm:txFillClrLst meth="repeat">
+      <a:schemeClr val="tx1"/>
+    </dgm:txFillClrLst>
+    <dgm:txEffectClrLst/>
+  </dgm:styleLbl>
+  <dgm:styleLbl name="callout">
+    <dgm:fillClrLst meth="repeat">
+      <a:schemeClr val="accent6"/>
+    </dgm:fillClrLst>
+    <dgm:linClrLst meth="repeat">
+      <a:schemeClr val="accent6">
+        <a:tint val="50000"/>
+      </a:schemeClr>
+    </dgm:linClrLst>
+    <dgm:effectClrLst/>
+    <dgm:txLinClrLst/>
+    <dgm:txFillClrLst meth="repeat">
+      <a:schemeClr val="tx1"/>
+    </dgm:txFillClrLst>
+    <dgm:txEffectClrLst/>
+  </dgm:styleLbl>
+  <dgm:styleLbl name="asst0">
+    <dgm:fillClrLst meth="repeat">
+      <a:schemeClr val="accent6"/>
+    </dgm:fillClrLst>
+    <dgm:linClrLst meth="repeat">
+      <a:schemeClr val="lt1"/>
+    </dgm:linClrLst>
+    <dgm:effectClrLst/>
+    <dgm:txLinClrLst/>
+    <dgm:txFillClrLst/>
+    <dgm:txEffectClrLst/>
+  </dgm:styleLbl>
+  <dgm:styleLbl name="asst1">
+    <dgm:fillClrLst meth="repeat">
+      <a:schemeClr val="accent6"/>
+    </dgm:fillClrLst>
+    <dgm:linClrLst meth="repeat">
+      <a:schemeClr val="lt1"/>
+    </dgm:linClrLst>
+    <dgm:effectClrLst/>
+    <dgm:txLinClrLst/>
+    <dgm:txFillClrLst/>
+    <dgm:txEffectClrLst/>
+  </dgm:styleLbl>
+  <dgm:styleLbl name="asst2">
+    <dgm:fillClrLst meth="repeat">
+      <a:schemeClr val="accent6"/>
+    </dgm:fillClrLst>
+    <dgm:linClrLst meth="repeat">
+      <a:schemeClr val="lt1"/>
+    </dgm:linClrLst>
+    <dgm:effectClrLst/>
+    <dgm:txLinClrLst/>
+    <dgm:txFillClrLst/>
+    <dgm:txEffectClrLst/>
+  </dgm:styleLbl>
+  <dgm:styleLbl name="asst3">
+    <dgm:fillClrLst meth="repeat">
+      <a:schemeClr val="accent6"/>
+    </dgm:fillClrLst>
+    <dgm:linClrLst meth="repeat">
+      <a:schemeClr val="lt1"/>
+    </dgm:linClrLst>
+    <dgm:effectClrLst/>
+    <dgm:txLinClrLst/>
+    <dgm:txFillClrLst/>
+    <dgm:txEffectClrLst/>
+  </dgm:styleLbl>
+  <dgm:styleLbl name="asst4">
+    <dgm:fillClrLst meth="repeat">
+      <a:schemeClr val="accent6"/>
+    </dgm:fillClrLst>
+    <dgm:linClrLst meth="repeat">
+      <a:schemeClr val="lt1"/>
+    </dgm:linClrLst>
+    <dgm:effectClrLst/>
+    <dgm:txLinClrLst/>
+    <dgm:txFillClrLst/>
+    <dgm:txEffectClrLst/>
+  </dgm:styleLbl>
+  <dgm:styleLbl name="parChTrans2D1">
+    <dgm:fillClrLst meth="repeat">
+      <a:schemeClr val="accent6">
+        <a:tint val="60000"/>
+      </a:schemeClr>
+    </dgm:fillClrLst>
+    <dgm:linClrLst meth="repeat">
+      <a:schemeClr val="accent6">
+        <a:tint val="60000"/>
+      </a:schemeClr>
+    </dgm:linClrLst>
+    <dgm:effectClrLst/>
+    <dgm:txLinClrLst/>
+    <dgm:txFillClrLst meth="repeat">
+      <a:schemeClr val="lt1"/>
+    </dgm:txFillClrLst>
+    <dgm:txEffectClrLst/>
+  </dgm:styleLbl>
+  <dgm:styleLbl name="parChTrans2D2">
+    <dgm:fillClrLst meth="repeat">
+      <a:schemeClr val="accent6"/>
+    </dgm:fillClrLst>
+    <dgm:linClrLst meth="repeat">
+      <a:schemeClr val="accent6"/>
+    </dgm:linClrLst>
+    <dgm:effectClrLst/>
+    <dgm:txLinClrLst/>
+    <dgm:txFillClrLst meth="repeat">
+      <a:schemeClr val="lt1"/>
+    </dgm:txFillClrLst>
+    <dgm:txEffectClrLst/>
+  </dgm:styleLbl>
+  <dgm:styleLbl name="parChTrans2D3">
+    <dgm:fillClrLst meth="repeat">
+      <a:schemeClr val="accent6"/>
+    </dgm:fillClrLst>
+    <dgm:linClrLst meth="repeat">
+      <a:schemeClr val="accent6"/>
+    </dgm:linClrLst>
+    <dgm:effectClrLst/>
+    <dgm:txLinClrLst/>
+    <dgm:txFillClrLst meth="repeat">
+      <a:schemeClr val="lt1"/>
+    </dgm:txFillClrLst>
+    <dgm:txEffectClrLst/>
+  </dgm:styleLbl>
+  <dgm:styleLbl name="parChTrans2D4">
+    <dgm:fillClrLst meth="repeat">
+      <a:schemeClr val="accent6"/>
+    </dgm:fillClrLst>
+    <dgm:linClrLst meth="repeat">
+      <a:schemeClr val="accent6"/>
+    </dgm:linClrLst>
+    <dgm:effectClrLst/>
+    <dgm:txLinClrLst/>
+    <dgm:txFillClrLst meth="repeat">
+      <a:schemeClr val="lt1"/>
+    </dgm:txFillClrLst>
+    <dgm:txEffectClrLst/>
+  </dgm:styleLbl>
+  <dgm:styleLbl name="parChTrans1D1">
+    <dgm:fillClrLst meth="repeat">
+      <a:schemeClr val="accent6"/>
+    </dgm:fillClrLst>
+    <dgm:linClrLst meth="repeat">
+      <a:schemeClr val="accent6">
+        <a:shade val="60000"/>
+      </a:schemeClr>
+    </dgm:linClrLst>
+    <dgm:effectClrLst/>
+    <dgm:txLinClrLst/>
+    <dgm:txFillClrLst meth="repeat">
+      <a:schemeClr val="tx1"/>
+    </dgm:txFillClrLst>
+    <dgm:txEffectClrLst/>
+  </dgm:styleLbl>
+  <dgm:styleLbl name="parChTrans1D2">
+    <dgm:fillClrLst meth="repeat">
+      <a:schemeClr val="accent6"/>
+    </dgm:fillClrLst>
+    <dgm:linClrLst meth="repeat">
+      <a:schemeClr val="accent6">
+        <a:shade val="60000"/>
+      </a:schemeClr>
+    </dgm:linClrLst>
+    <dgm:effectClrLst/>
+    <dgm:txLinClrLst/>
+    <dgm:txFillClrLst meth="repeat">
+      <a:schemeClr val="tx1"/>
+    </dgm:txFillClrLst>
+    <dgm:txEffectClrLst/>
+  </dgm:styleLbl>
+  <dgm:styleLbl name="parChTrans1D3">
+    <dgm:fillClrLst meth="repeat">
+      <a:schemeClr val="accent6"/>
+    </dgm:fillClrLst>
+    <dgm:linClrLst meth="repeat">
+      <a:schemeClr val="accent6">
+        <a:shade val="80000"/>
+      </a:schemeClr>
+    </dgm:linClrLst>
+    <dgm:effectClrLst/>
+    <dgm:txLinClrLst/>
+    <dgm:txFillClrLst meth="repeat">
+      <a:schemeClr val="tx1"/>
+    </dgm:txFillClrLst>
+    <dgm:txEffectClrLst/>
+  </dgm:styleLbl>
+  <dgm:styleLbl name="parChTrans1D4">
+    <dgm:fillClrLst meth="repeat">
+      <a:schemeClr val="accent6"/>
+    </dgm:fillClrLst>
+    <dgm:linClrLst meth="repeat">
+      <a:schemeClr val="accent6">
+        <a:shade val="80000"/>
+      </a:schemeClr>
+    </dgm:linClrLst>
+    <dgm:effectClrLst/>
+    <dgm:txLinClrLst/>
+    <dgm:txFillClrLst meth="repeat">
+      <a:schemeClr val="tx1"/>
+    </dgm:txFillClrLst>
+    <dgm:txEffectClrLst/>
+  </dgm:styleLbl>
+  <dgm:styleLbl name="fgAcc1">
+    <dgm:fillClrLst meth="repeat">
+      <a:schemeClr val="lt1">
+        <a:alpha val="90000"/>
+      </a:schemeClr>
+    </dgm:fillClrLst>
+    <dgm:linClrLst meth="repeat">
+      <a:schemeClr val="accent6"/>
+    </dgm:linClrLst>
+    <dgm:effectClrLst/>
+    <dgm:txLinClrLst/>
+    <dgm:txFillClrLst meth="repeat">
+      <a:schemeClr val="dk1"/>
+    </dgm:txFillClrLst>
+    <dgm:txEffectClrLst/>
+  </dgm:styleLbl>
+  <dgm:styleLbl name="conFgAcc1">
+    <dgm:fillClrLst meth="repeat">
+      <a:schemeClr val="lt1">
+        <a:alpha val="90000"/>
+      </a:schemeClr>
+    </dgm:fillClrLst>
+    <dgm:linClrLst meth="repeat">
+      <a:schemeClr val="accent6"/>
+    </dgm:linClrLst>
+    <dgm:effectClrLst/>
+    <dgm:txLinClrLst/>
+    <dgm:txFillClrLst meth="repeat">
+      <a:schemeClr val="dk1"/>
+    </dgm:txFillClrLst>
+    <dgm:txEffectClrLst/>
+  </dgm:styleLbl>
+  <dgm:styleLbl name="alignAcc1">
+    <dgm:fillClrLst meth="repeat">
+      <a:schemeClr val="lt1">
+        <a:alpha val="90000"/>
+      </a:schemeClr>
+    </dgm:fillClrLst>
+    <dgm:linClrLst meth="repeat">
+      <a:schemeClr val="accent6"/>
+    </dgm:linClrLst>
+    <dgm:effectClrLst/>
+    <dgm:txLinClrLst/>
+    <dgm:txFillClrLst meth="repeat">
+      <a:schemeClr val="dk1"/>
+    </dgm:txFillClrLst>
+    <dgm:txEffectClrLst/>
+  </dgm:styleLbl>
+  <dgm:styleLbl name="trAlignAcc1">
+    <dgm:fillClrLst meth="repeat">
+      <a:schemeClr val="lt1">
+        <a:alpha val="40000"/>
+      </a:schemeClr>
+    </dgm:fillClrLst>
+    <dgm:linClrLst meth="repeat">
+      <a:schemeClr val="accent6"/>
+    </dgm:linClrLst>
+    <dgm:effectClrLst/>
+    <dgm:txLinClrLst/>
+    <dgm:txFillClrLst meth="repeat">
+      <a:schemeClr val="dk1"/>
+    </dgm:txFillClrLst>
+    <dgm:txEffectClrLst/>
+  </dgm:styleLbl>
+  <dgm:styleLbl name="bgAcc1">
+    <dgm:fillClrLst meth="repeat">
+      <a:schemeClr val="lt1">
+        <a:alpha val="90000"/>
+      </a:schemeClr>
+    </dgm:fillClrLst>
+    <dgm:linClrLst meth="repeat">
+      <a:schemeClr val="accent6"/>
+    </dgm:linClrLst>
+    <dgm:effectClrLst/>
+    <dgm:txLinClrLst/>
+    <dgm:txFillClrLst meth="repeat">
+      <a:schemeClr val="dk1"/>
+    </dgm:txFillClrLst>
+    <dgm:txEffectClrLst/>
+  </dgm:styleLbl>
+  <dgm:styleLbl name="solidFgAcc1">
+    <dgm:fillClrLst meth="repeat">
+      <a:schemeClr val="lt1"/>
+    </dgm:fillClrLst>
+    <dgm:linClrLst meth="repeat">
+      <a:schemeClr val="accent6"/>
+    </dgm:linClrLst>
+    <dgm:effectClrLst/>
+    <dgm:txLinClrLst/>
+    <dgm:txFillClrLst meth="repeat">
+      <a:schemeClr val="dk1"/>
+    </dgm:txFillClrLst>
+    <dgm:txEffectClrLst/>
+  </dgm:styleLbl>
+  <dgm:styleLbl name="solidAlignAcc1">
+    <dgm:fillClrLst meth="repeat">
+      <a:schemeClr val="lt1"/>
+    </dgm:fillClrLst>
+    <dgm:linClrLst meth="repeat">
+      <a:schemeClr val="accent6"/>
+    </dgm:linClrLst>
+    <dgm:effectClrLst/>
+    <dgm:txLinClrLst/>
+    <dgm:txFillClrLst meth="repeat">
+      <a:schemeClr val="dk1"/>
+    </dgm:txFillClrLst>
+    <dgm:txEffectClrLst/>
+  </dgm:styleLbl>
+  <dgm:styleLbl name="solidBgAcc1">
+    <dgm:fillClrLst meth="repeat">
+      <a:schemeClr val="lt1"/>
+    </dgm:fillClrLst>
+    <dgm:linClrLst meth="repeat">
+      <a:schemeClr val="accent6"/>
+    </dgm:linClrLst>
+    <dgm:effectClrLst/>
+    <dgm:txLinClrLst/>
+    <dgm:txFillClrLst meth="repeat">
+      <a:schemeClr val="dk1"/>
+    </dgm:txFillClrLst>
+    <dgm:txEffectClrLst/>
+  </dgm:styleLbl>
+  <dgm:styleLbl name="fgAccFollowNode1">
+    <dgm:fillClrLst meth="repeat">
+      <a:schemeClr val="accent6">
+        <a:alpha val="90000"/>
+        <a:tint val="40000"/>
+      </a:schemeClr>
+    </dgm:fillClrLst>
+    <dgm:linClrLst meth="repeat">
+      <a:schemeClr val="accent6">
+        <a:alpha val="90000"/>
+        <a:tint val="40000"/>
+      </a:schemeClr>
+    </dgm:linClrLst>
+    <dgm:effectClrLst/>
+    <dgm:txLinClrLst/>
+    <dgm:txFillClrLst meth="repeat">
+      <a:schemeClr val="dk1"/>
+    </dgm:txFillClrLst>
+    <dgm:txEffectClrLst/>
+  </dgm:styleLbl>
+  <dgm:styleLbl name="alignAccFollowNode1">
+    <dgm:fillClrLst meth="repeat">
+      <a:schemeClr val="accent6">
+        <a:alpha val="90000"/>
+        <a:tint val="40000"/>
+      </a:schemeClr>
+    </dgm:fillClrLst>
+    <dgm:linClrLst meth="repeat">
+      <a:schemeClr val="accent6">
+        <a:alpha val="90000"/>
+        <a:tint val="40000"/>
+      </a:schemeClr>
+    </dgm:linClrLst>
+    <dgm:effectClrLst/>
+    <dgm:txLinClrLst/>
+    <dgm:txFillClrLst meth="repeat">
+      <a:schemeClr val="dk1"/>
+    </dgm:txFillClrLst>
+    <dgm:txEffectClrLst/>
+  </dgm:styleLbl>
+  <dgm:styleLbl name="bgAccFollowNode1">
+    <dgm:fillClrLst meth="repeat">
+      <a:schemeClr val="accent6">
+        <a:alpha val="90000"/>
+        <a:tint val="40000"/>
+      </a:schemeClr>
+    </dgm:fillClrLst>
+    <dgm:linClrLst meth="repeat">
+      <a:schemeClr val="accent6">
+        <a:alpha val="90000"/>
+        <a:tint val="40000"/>
+      </a:schemeClr>
+    </dgm:linClrLst>
+    <dgm:effectClrLst/>
+    <dgm:txLinClrLst/>
+    <dgm:txFillClrLst meth="repeat">
+      <a:schemeClr val="dk1"/>
+    </dgm:txFillClrLst>
+    <dgm:txEffectClrLst/>
+  </dgm:styleLbl>
+  <dgm:styleLbl name="fgAcc0">
+    <dgm:fillClrLst meth="repeat">
+      <a:schemeClr val="lt1">
+        <a:alpha val="90000"/>
+      </a:schemeClr>
+    </dgm:fillClrLst>
+    <dgm:linClrLst meth="repeat">
+      <a:schemeClr val="accent6"/>
+    </dgm:linClrLst>
+    <dgm:effectClrLst/>
+    <dgm:txLinClrLst/>
+    <dgm:txFillClrLst meth="repeat">
+      <a:schemeClr val="dk1"/>
+    </dgm:txFillClrLst>
+    <dgm:txEffectClrLst/>
+  </dgm:styleLbl>
+  <dgm:styleLbl name="fgAcc2">
+    <dgm:fillClrLst meth="repeat">
+      <a:schemeClr val="lt1">
+        <a:alpha val="90000"/>
+      </a:schemeClr>
+    </dgm:fillClrLst>
+    <dgm:linClrLst meth="repeat">
+      <a:schemeClr val="accent6"/>
+    </dgm:linClrLst>
+    <dgm:effectClrLst/>
+    <dgm:txLinClrLst/>
+    <dgm:txFillClrLst meth="repeat">
+      <a:schemeClr val="dk1"/>
+    </dgm:txFillClrLst>
+    <dgm:txEffectClrLst/>
+  </dgm:styleLbl>
+  <dgm:styleLbl name="fgAcc3">
+    <dgm:fillClrLst meth="repeat">
+      <a:schemeClr val="lt1">
+        <a:alpha val="90000"/>
+      </a:schemeClr>
+    </dgm:fillClrLst>
+    <dgm:linClrLst meth="repeat">
+      <a:schemeClr val="accent6"/>
+    </dgm:linClrLst>
+    <dgm:effectClrLst/>
+    <dgm:txLinClrLst/>
+    <dgm:txFillClrLst meth="repeat">
+      <a:schemeClr val="dk1"/>
+    </dgm:txFillClrLst>
+    <dgm:txEffectClrLst/>
+  </dgm:styleLbl>
+  <dgm:styleLbl name="fgAcc4">
+    <dgm:fillClrLst meth="repeat">
+      <a:schemeClr val="lt1">
+        <a:alpha val="90000"/>
+      </a:schemeClr>
+    </dgm:fillClrLst>
+    <dgm:linClrLst meth="repeat">
+      <a:schemeClr val="accent6"/>
+    </dgm:linClrLst>
+    <dgm:effectClrLst/>
+    <dgm:txLinClrLst/>
+    <dgm:txFillClrLst meth="repeat">
+      <a:schemeClr val="dk1"/>
+    </dgm:txFillClrLst>
+    <dgm:txEffectClrLst/>
+  </dgm:styleLbl>
+  <dgm:styleLbl name="bgShp">
+    <dgm:fillClrLst meth="repeat">
+      <a:schemeClr val="accent6">
+        <a:tint val="40000"/>
+      </a:schemeClr>
+    </dgm:fillClrLst>
+    <dgm:linClrLst meth="repeat">
+      <a:schemeClr val="accent6"/>
+    </dgm:linClrLst>
+    <dgm:effectClrLst/>
+    <dgm:txLinClrLst/>
+    <dgm:txFillClrLst meth="repeat">
+      <a:schemeClr val="dk1"/>
+    </dgm:txFillClrLst>
+    <dgm:txEffectClrLst/>
+  </dgm:styleLbl>
+  <dgm:styleLbl name="dkBgShp">
+    <dgm:fillClrLst meth="repeat">
+      <a:schemeClr val="accent6">
+        <a:shade val="80000"/>
+      </a:schemeClr>
+    </dgm:fillClrLst>
+    <dgm:linClrLst meth="repeat">
+      <a:schemeClr val="accent6"/>
+    </dgm:linClrLst>
+    <dgm:effectClrLst/>
+    <dgm:txLinClrLst/>
+    <dgm:txFillClrLst meth="repeat">
+      <a:schemeClr val="lt1"/>
+    </dgm:txFillClrLst>
+    <dgm:txEffectClrLst/>
+  </dgm:styleLbl>
+  <dgm:styleLbl name="trBgShp">
+    <dgm:fillClrLst meth="repeat">
+      <a:schemeClr val="accent6">
+        <a:tint val="50000"/>
+        <a:alpha val="40000"/>
+      </a:schemeClr>
+    </dgm:fillClrLst>
+    <dgm:linClrLst meth="repeat">
+      <a:schemeClr val="accent6"/>
+    </dgm:linClrLst>
+    <dgm:effectClrLst/>
+    <dgm:txLinClrLst/>
+    <dgm:txFillClrLst meth="repeat">
+      <a:schemeClr val="lt1"/>
+    </dgm:txFillClrLst>
+    <dgm:txEffectClrLst/>
+  </dgm:styleLbl>
+  <dgm:styleLbl name="fgShp">
+    <dgm:fillClrLst meth="repeat">
+      <a:schemeClr val="accent6">
         <a:tint val="60000"/>
       </a:schemeClr>
     </dgm:fillClrLst>
@@ -1004,6 +3596,181 @@
   <dgm:extLst>
     <a:ext uri="http://schemas.microsoft.com/office/drawing/2008/diagram">
       <dsp:dataModelExt xmlns:dsp="http://schemas.microsoft.com/office/drawing/2008/diagram" relId="rId6" minVer="http://schemas.openxmlformats.org/drawingml/2006/diagram"/>
+    </a:ext>
+  </dgm:extLst>
+</dgm:dataModel>
+</file>
+
+<file path=ppt/diagrams/data2.xml><?xml version="1.0" encoding="utf-8"?>
+<dgm:dataModel xmlns:dgm="http://schemas.openxmlformats.org/drawingml/2006/diagram" xmlns:a="http://schemas.openxmlformats.org/drawingml/2006/main">
+  <dgm:ptLst>
+    <dgm:pt modelId="{075C881B-F4B1-4099-BA0A-9A2A4D95A08B}" type="doc">
+      <dgm:prSet loTypeId="urn:microsoft.com/office/officeart/2008/layout/LinedList" loCatId="list" qsTypeId="urn:microsoft.com/office/officeart/2005/8/quickstyle/simple4" qsCatId="simple" csTypeId="urn:microsoft.com/office/officeart/2005/8/colors/accent6_2" csCatId="accent6" phldr="1"/>
+      <dgm:spPr/>
+      <dgm:t>
+        <a:bodyPr/>
+        <a:lstStyle/>
+        <a:p>
+          <a:endParaRPr lang="en-US"/>
+        </a:p>
+      </dgm:t>
+    </dgm:pt>
+    <dgm:pt modelId="{B2DAD84C-CB4A-407F-998F-B832FEC8F7D8}">
+      <dgm:prSet/>
+      <dgm:spPr/>
+      <dgm:t>
+        <a:bodyPr/>
+        <a:lstStyle/>
+        <a:p>
+          <a:r>
+            <a:rPr lang="en-US" dirty="0"/>
+            <a:t>Used the video game based music therapy </a:t>
+          </a:r>
+          <a:r>
+            <a:rPr lang="en-US" dirty="0" err="1"/>
+            <a:t>MINWii</a:t>
+          </a:r>
+          <a:r>
+            <a:rPr lang="en-US" dirty="0"/>
+            <a:t> where users can either play notes themselves or follow notes as indicated to play a popular song.</a:t>
+          </a:r>
+        </a:p>
+        <a:p>
+          <a:r>
+            <a:rPr lang="en-US" dirty="0"/>
+            <a:t>Focus of study was on the QoL.</a:t>
+          </a:r>
+        </a:p>
+      </dgm:t>
+    </dgm:pt>
+    <dgm:pt modelId="{6F55388E-2FD9-4F71-9273-C7A5B5912151}" type="parTrans" cxnId="{62FDA1CE-F2D7-492B-84A8-4F813779085A}">
+      <dgm:prSet/>
+      <dgm:spPr/>
+      <dgm:t>
+        <a:bodyPr/>
+        <a:lstStyle/>
+        <a:p>
+          <a:endParaRPr lang="en-US"/>
+        </a:p>
+      </dgm:t>
+    </dgm:pt>
+    <dgm:pt modelId="{82A4181A-77EA-435E-BBCF-E80259050FDF}" type="sibTrans" cxnId="{62FDA1CE-F2D7-492B-84A8-4F813779085A}">
+      <dgm:prSet/>
+      <dgm:spPr/>
+      <dgm:t>
+        <a:bodyPr/>
+        <a:lstStyle/>
+        <a:p>
+          <a:endParaRPr lang="en-US"/>
+        </a:p>
+      </dgm:t>
+    </dgm:pt>
+    <dgm:pt modelId="{B43A8F16-41EF-45B6-B584-4A7D3D2EC861}">
+      <dgm:prSet/>
+      <dgm:spPr/>
+      <dgm:t>
+        <a:bodyPr/>
+        <a:lstStyle/>
+        <a:p>
+          <a:r>
+            <a:rPr lang="en-US" dirty="0"/>
+            <a:t>Acceptance/Enjoyment:</a:t>
+          </a:r>
+          <a:br>
+            <a:rPr lang="en-US" dirty="0"/>
+          </a:br>
+          <a:r>
+            <a:rPr lang="en-US" dirty="0"/>
+            <a:t>Participants experienced great fun when playing together with other patients or their family</a:t>
+          </a:r>
+        </a:p>
+      </dgm:t>
+    </dgm:pt>
+    <dgm:pt modelId="{F65222A6-CCBB-407F-B205-719F59805D14}" type="parTrans" cxnId="{A22DC92C-6FD4-4919-AF21-F10864AA6A6A}">
+      <dgm:prSet/>
+      <dgm:spPr/>
+      <dgm:t>
+        <a:bodyPr/>
+        <a:lstStyle/>
+        <a:p>
+          <a:endParaRPr lang="en-US"/>
+        </a:p>
+      </dgm:t>
+    </dgm:pt>
+    <dgm:pt modelId="{98F92AB3-1057-448F-AB60-04FC5A5DB28D}" type="sibTrans" cxnId="{A22DC92C-6FD4-4919-AF21-F10864AA6A6A}">
+      <dgm:prSet/>
+      <dgm:spPr/>
+      <dgm:t>
+        <a:bodyPr/>
+        <a:lstStyle/>
+        <a:p>
+          <a:endParaRPr lang="en-US"/>
+        </a:p>
+      </dgm:t>
+    </dgm:pt>
+    <dgm:pt modelId="{BED7BE90-7646-4519-B809-2084241F9D02}" type="pres">
+      <dgm:prSet presAssocID="{075C881B-F4B1-4099-BA0A-9A2A4D95A08B}" presName="vert0" presStyleCnt="0">
+        <dgm:presLayoutVars>
+          <dgm:dir/>
+          <dgm:animOne val="branch"/>
+          <dgm:animLvl val="lvl"/>
+        </dgm:presLayoutVars>
+      </dgm:prSet>
+      <dgm:spPr/>
+    </dgm:pt>
+    <dgm:pt modelId="{C2AD9B9B-778E-4BD9-9704-6E8B4FFD5C2F}" type="pres">
+      <dgm:prSet presAssocID="{B2DAD84C-CB4A-407F-998F-B832FEC8F7D8}" presName="thickLine" presStyleLbl="alignNode1" presStyleIdx="0" presStyleCnt="2"/>
+      <dgm:spPr/>
+    </dgm:pt>
+    <dgm:pt modelId="{3BC94CA8-F4B1-4F68-ADD7-E6C610F7B02B}" type="pres">
+      <dgm:prSet presAssocID="{B2DAD84C-CB4A-407F-998F-B832FEC8F7D8}" presName="horz1" presStyleCnt="0"/>
+      <dgm:spPr/>
+    </dgm:pt>
+    <dgm:pt modelId="{A030B350-0569-43D6-8AB1-D5536F006A55}" type="pres">
+      <dgm:prSet presAssocID="{B2DAD84C-CB4A-407F-998F-B832FEC8F7D8}" presName="tx1" presStyleLbl="revTx" presStyleIdx="0" presStyleCnt="2"/>
+      <dgm:spPr/>
+    </dgm:pt>
+    <dgm:pt modelId="{BA744A14-E26E-488D-A3D7-746D76548B7E}" type="pres">
+      <dgm:prSet presAssocID="{B2DAD84C-CB4A-407F-998F-B832FEC8F7D8}" presName="vert1" presStyleCnt="0"/>
+      <dgm:spPr/>
+    </dgm:pt>
+    <dgm:pt modelId="{505C03C6-1F1D-4603-A64E-C5B5735C8559}" type="pres">
+      <dgm:prSet presAssocID="{B43A8F16-41EF-45B6-B584-4A7D3D2EC861}" presName="thickLine" presStyleLbl="alignNode1" presStyleIdx="1" presStyleCnt="2"/>
+      <dgm:spPr/>
+    </dgm:pt>
+    <dgm:pt modelId="{161D23F5-8ACC-4BF9-B7F7-E3F3818E6A40}" type="pres">
+      <dgm:prSet presAssocID="{B43A8F16-41EF-45B6-B584-4A7D3D2EC861}" presName="horz1" presStyleCnt="0"/>
+      <dgm:spPr/>
+    </dgm:pt>
+    <dgm:pt modelId="{50B953BE-1EB8-4231-8A20-78FA9483097D}" type="pres">
+      <dgm:prSet presAssocID="{B43A8F16-41EF-45B6-B584-4A7D3D2EC861}" presName="tx1" presStyleLbl="revTx" presStyleIdx="1" presStyleCnt="2"/>
+      <dgm:spPr/>
+    </dgm:pt>
+    <dgm:pt modelId="{87245250-C1C1-42EC-B0DC-0CCA5A8F6101}" type="pres">
+      <dgm:prSet presAssocID="{B43A8F16-41EF-45B6-B584-4A7D3D2EC861}" presName="vert1" presStyleCnt="0"/>
+      <dgm:spPr/>
+    </dgm:pt>
+  </dgm:ptLst>
+  <dgm:cxnLst>
+    <dgm:cxn modelId="{29692226-B48F-43B5-B8AF-742FF1840DC7}" type="presOf" srcId="{075C881B-F4B1-4099-BA0A-9A2A4D95A08B}" destId="{BED7BE90-7646-4519-B809-2084241F9D02}" srcOrd="0" destOrd="0" presId="urn:microsoft.com/office/officeart/2008/layout/LinedList"/>
+    <dgm:cxn modelId="{40885B2A-2AED-439D-A151-1823408C9766}" type="presOf" srcId="{B43A8F16-41EF-45B6-B584-4A7D3D2EC861}" destId="{50B953BE-1EB8-4231-8A20-78FA9483097D}" srcOrd="0" destOrd="0" presId="urn:microsoft.com/office/officeart/2008/layout/LinedList"/>
+    <dgm:cxn modelId="{A22DC92C-6FD4-4919-AF21-F10864AA6A6A}" srcId="{075C881B-F4B1-4099-BA0A-9A2A4D95A08B}" destId="{B43A8F16-41EF-45B6-B584-4A7D3D2EC861}" srcOrd="1" destOrd="0" parTransId="{F65222A6-CCBB-407F-B205-719F59805D14}" sibTransId="{98F92AB3-1057-448F-AB60-04FC5A5DB28D}"/>
+    <dgm:cxn modelId="{7EE356CB-20BE-4981-B7FE-BE8BC40775F2}" type="presOf" srcId="{B2DAD84C-CB4A-407F-998F-B832FEC8F7D8}" destId="{A030B350-0569-43D6-8AB1-D5536F006A55}" srcOrd="0" destOrd="0" presId="urn:microsoft.com/office/officeart/2008/layout/LinedList"/>
+    <dgm:cxn modelId="{62FDA1CE-F2D7-492B-84A8-4F813779085A}" srcId="{075C881B-F4B1-4099-BA0A-9A2A4D95A08B}" destId="{B2DAD84C-CB4A-407F-998F-B832FEC8F7D8}" srcOrd="0" destOrd="0" parTransId="{6F55388E-2FD9-4F71-9273-C7A5B5912151}" sibTransId="{82A4181A-77EA-435E-BBCF-E80259050FDF}"/>
+    <dgm:cxn modelId="{96B74CDA-7344-4106-AEA2-5874642E5ED2}" type="presParOf" srcId="{BED7BE90-7646-4519-B809-2084241F9D02}" destId="{C2AD9B9B-778E-4BD9-9704-6E8B4FFD5C2F}" srcOrd="0" destOrd="0" presId="urn:microsoft.com/office/officeart/2008/layout/LinedList"/>
+    <dgm:cxn modelId="{9CE4A3B8-0ED8-4E25-8969-242552FA746D}" type="presParOf" srcId="{BED7BE90-7646-4519-B809-2084241F9D02}" destId="{3BC94CA8-F4B1-4F68-ADD7-E6C610F7B02B}" srcOrd="1" destOrd="0" presId="urn:microsoft.com/office/officeart/2008/layout/LinedList"/>
+    <dgm:cxn modelId="{F4E3DEE2-619E-40B9-A343-711FE27CA308}" type="presParOf" srcId="{3BC94CA8-F4B1-4F68-ADD7-E6C610F7B02B}" destId="{A030B350-0569-43D6-8AB1-D5536F006A55}" srcOrd="0" destOrd="0" presId="urn:microsoft.com/office/officeart/2008/layout/LinedList"/>
+    <dgm:cxn modelId="{91E754CB-C438-4D88-B694-F1F071BEC013}" type="presParOf" srcId="{3BC94CA8-F4B1-4F68-ADD7-E6C610F7B02B}" destId="{BA744A14-E26E-488D-A3D7-746D76548B7E}" srcOrd="1" destOrd="0" presId="urn:microsoft.com/office/officeart/2008/layout/LinedList"/>
+    <dgm:cxn modelId="{218127C4-5B9D-4FBD-858B-5836F704C441}" type="presParOf" srcId="{BED7BE90-7646-4519-B809-2084241F9D02}" destId="{505C03C6-1F1D-4603-A64E-C5B5735C8559}" srcOrd="2" destOrd="0" presId="urn:microsoft.com/office/officeart/2008/layout/LinedList"/>
+    <dgm:cxn modelId="{C1D17CF1-9D64-4433-A7FF-8664D072E2A5}" type="presParOf" srcId="{BED7BE90-7646-4519-B809-2084241F9D02}" destId="{161D23F5-8ACC-4BF9-B7F7-E3F3818E6A40}" srcOrd="3" destOrd="0" presId="urn:microsoft.com/office/officeart/2008/layout/LinedList"/>
+    <dgm:cxn modelId="{408FC1AF-49E3-4C25-8273-0E1B3725C260}" type="presParOf" srcId="{161D23F5-8ACC-4BF9-B7F7-E3F3818E6A40}" destId="{50B953BE-1EB8-4231-8A20-78FA9483097D}" srcOrd="0" destOrd="0" presId="urn:microsoft.com/office/officeart/2008/layout/LinedList"/>
+    <dgm:cxn modelId="{64322428-8A86-4F0E-BD8D-79CE0738F68C}" type="presParOf" srcId="{161D23F5-8ACC-4BF9-B7F7-E3F3818E6A40}" destId="{87245250-C1C1-42EC-B0DC-0CCA5A8F6101}" srcOrd="1" destOrd="0" presId="urn:microsoft.com/office/officeart/2008/layout/LinedList"/>
+  </dgm:cxnLst>
+  <dgm:bg/>
+  <dgm:whole/>
+  <dgm:extLst>
+    <a:ext uri="http://schemas.microsoft.com/office/drawing/2008/diagram">
+      <dsp:dataModelExt xmlns:dsp="http://schemas.microsoft.com/office/drawing/2008/diagram" relId="rId7" minVer="http://schemas.openxmlformats.org/drawingml/2006/diagram"/>
     </a:ext>
   </dgm:extLst>
 </dgm:dataModel>
@@ -1178,6 +3945,329 @@
       <dsp:txXfrm rot="10800000">
         <a:off x="0" y="1623"/>
         <a:ext cx="9613860" cy="1424383"/>
+      </dsp:txXfrm>
+    </dsp:sp>
+  </dsp:spTree>
+</dsp:drawing>
+</file>
+
+<file path=ppt/diagrams/drawing2.xml><?xml version="1.0" encoding="utf-8"?>
+<dsp:drawing xmlns:dgm="http://schemas.openxmlformats.org/drawingml/2006/diagram" xmlns:dsp="http://schemas.microsoft.com/office/drawing/2008/diagram" xmlns:a="http://schemas.openxmlformats.org/drawingml/2006/main">
+  <dsp:spTree>
+    <dsp:nvGrpSpPr>
+      <dsp:cNvPr id="0" name=""/>
+      <dsp:cNvGrpSpPr/>
+    </dsp:nvGrpSpPr>
+    <dsp:grpSpPr/>
+    <dsp:sp modelId="{C2AD9B9B-778E-4BD9-9704-6E8B4FFD5C2F}">
+      <dsp:nvSpPr>
+        <dsp:cNvPr id="0" name=""/>
+        <dsp:cNvSpPr/>
+      </dsp:nvSpPr>
+      <dsp:spPr>
+        <a:xfrm>
+          <a:off x="0" y="0"/>
+          <a:ext cx="5141980" cy="0"/>
+        </a:xfrm>
+        <a:prstGeom prst="line">
+          <a:avLst/>
+        </a:prstGeom>
+        <a:gradFill rotWithShape="0">
+          <a:gsLst>
+            <a:gs pos="0">
+              <a:schemeClr val="accent6">
+                <a:hueOff val="0"/>
+                <a:satOff val="0"/>
+                <a:lumOff val="0"/>
+                <a:alphaOff val="0"/>
+                <a:tint val="94000"/>
+                <a:satMod val="103000"/>
+                <a:lumMod val="102000"/>
+              </a:schemeClr>
+            </a:gs>
+            <a:gs pos="50000">
+              <a:schemeClr val="accent6">
+                <a:hueOff val="0"/>
+                <a:satOff val="0"/>
+                <a:lumOff val="0"/>
+                <a:alphaOff val="0"/>
+                <a:shade val="100000"/>
+                <a:satMod val="110000"/>
+                <a:lumMod val="100000"/>
+              </a:schemeClr>
+            </a:gs>
+            <a:gs pos="100000">
+              <a:schemeClr val="accent6">
+                <a:hueOff val="0"/>
+                <a:satOff val="0"/>
+                <a:lumOff val="0"/>
+                <a:alphaOff val="0"/>
+                <a:shade val="78000"/>
+                <a:satMod val="120000"/>
+                <a:lumMod val="99000"/>
+              </a:schemeClr>
+            </a:gs>
+          </a:gsLst>
+          <a:lin ang="5400000" scaled="0"/>
+        </a:gradFill>
+        <a:ln w="9525" cap="flat" cmpd="sng" algn="ctr">
+          <a:solidFill>
+            <a:schemeClr val="accent6">
+              <a:hueOff val="0"/>
+              <a:satOff val="0"/>
+              <a:lumOff val="0"/>
+              <a:alphaOff val="0"/>
+            </a:schemeClr>
+          </a:solidFill>
+          <a:prstDash val="solid"/>
+        </a:ln>
+        <a:effectLst/>
+      </dsp:spPr>
+      <dsp:style>
+        <a:lnRef idx="1">
+          <a:scrgbClr r="0" g="0" b="0"/>
+        </a:lnRef>
+        <a:fillRef idx="3">
+          <a:scrgbClr r="0" g="0" b="0"/>
+        </a:fillRef>
+        <a:effectRef idx="2">
+          <a:scrgbClr r="0" g="0" b="0"/>
+        </a:effectRef>
+        <a:fontRef idx="minor">
+          <a:schemeClr val="lt1"/>
+        </a:fontRef>
+      </dsp:style>
+    </dsp:sp>
+    <dsp:sp modelId="{A030B350-0569-43D6-8AB1-D5536F006A55}">
+      <dsp:nvSpPr>
+        <dsp:cNvPr id="0" name=""/>
+        <dsp:cNvSpPr/>
+      </dsp:nvSpPr>
+      <dsp:spPr>
+        <a:xfrm>
+          <a:off x="0" y="0"/>
+          <a:ext cx="5141980" cy="1883950"/>
+        </a:xfrm>
+        <a:prstGeom prst="rect">
+          <a:avLst/>
+        </a:prstGeom>
+        <a:noFill/>
+        <a:ln>
+          <a:noFill/>
+        </a:ln>
+        <a:effectLst/>
+      </dsp:spPr>
+      <dsp:style>
+        <a:lnRef idx="0">
+          <a:scrgbClr r="0" g="0" b="0"/>
+        </a:lnRef>
+        <a:fillRef idx="0">
+          <a:scrgbClr r="0" g="0" b="0"/>
+        </a:fillRef>
+        <a:effectRef idx="0">
+          <a:scrgbClr r="0" g="0" b="0"/>
+        </a:effectRef>
+        <a:fontRef idx="minor"/>
+      </dsp:style>
+      <dsp:txBody>
+        <a:bodyPr spcFirstLastPara="0" vert="horz" wrap="square" lIns="83820" tIns="83820" rIns="83820" bIns="83820" numCol="1" spcCol="1270" anchor="t" anchorCtr="0">
+          <a:noAutofit/>
+        </a:bodyPr>
+        <a:lstStyle/>
+        <a:p>
+          <a:pPr marL="0" lvl="0" indent="0" algn="l" defTabSz="977900">
+            <a:lnSpc>
+              <a:spcPct val="90000"/>
+            </a:lnSpc>
+            <a:spcBef>
+              <a:spcPct val="0"/>
+            </a:spcBef>
+            <a:spcAft>
+              <a:spcPct val="35000"/>
+            </a:spcAft>
+            <a:buNone/>
+          </a:pPr>
+          <a:r>
+            <a:rPr lang="en-US" sz="2200" kern="1200" dirty="0"/>
+            <a:t>Used the video game based music therapy </a:t>
+          </a:r>
+          <a:r>
+            <a:rPr lang="en-US" sz="2200" kern="1200" dirty="0" err="1"/>
+            <a:t>MINWii</a:t>
+          </a:r>
+          <a:r>
+            <a:rPr lang="en-US" sz="2200" kern="1200" dirty="0"/>
+            <a:t> where users can either play notes themselves or follow notes as indicated to play a popular song.</a:t>
+          </a:r>
+        </a:p>
+        <a:p>
+          <a:pPr marL="0" lvl="0" indent="0" algn="l" defTabSz="977900">
+            <a:lnSpc>
+              <a:spcPct val="90000"/>
+            </a:lnSpc>
+            <a:spcBef>
+              <a:spcPct val="0"/>
+            </a:spcBef>
+            <a:spcAft>
+              <a:spcPct val="35000"/>
+            </a:spcAft>
+            <a:buNone/>
+          </a:pPr>
+          <a:r>
+            <a:rPr lang="en-US" sz="2200" kern="1200" dirty="0"/>
+            <a:t>Focus of study was on the QoL.</a:t>
+          </a:r>
+        </a:p>
+      </dsp:txBody>
+      <dsp:txXfrm>
+        <a:off x="0" y="0"/>
+        <a:ext cx="5141980" cy="1883950"/>
+      </dsp:txXfrm>
+    </dsp:sp>
+    <dsp:sp modelId="{505C03C6-1F1D-4603-A64E-C5B5735C8559}">
+      <dsp:nvSpPr>
+        <dsp:cNvPr id="0" name=""/>
+        <dsp:cNvSpPr/>
+      </dsp:nvSpPr>
+      <dsp:spPr>
+        <a:xfrm>
+          <a:off x="0" y="1883950"/>
+          <a:ext cx="5141980" cy="0"/>
+        </a:xfrm>
+        <a:prstGeom prst="line">
+          <a:avLst/>
+        </a:prstGeom>
+        <a:gradFill rotWithShape="0">
+          <a:gsLst>
+            <a:gs pos="0">
+              <a:schemeClr val="accent6">
+                <a:hueOff val="0"/>
+                <a:satOff val="0"/>
+                <a:lumOff val="0"/>
+                <a:alphaOff val="0"/>
+                <a:tint val="94000"/>
+                <a:satMod val="103000"/>
+                <a:lumMod val="102000"/>
+              </a:schemeClr>
+            </a:gs>
+            <a:gs pos="50000">
+              <a:schemeClr val="accent6">
+                <a:hueOff val="0"/>
+                <a:satOff val="0"/>
+                <a:lumOff val="0"/>
+                <a:alphaOff val="0"/>
+                <a:shade val="100000"/>
+                <a:satMod val="110000"/>
+                <a:lumMod val="100000"/>
+              </a:schemeClr>
+            </a:gs>
+            <a:gs pos="100000">
+              <a:schemeClr val="accent6">
+                <a:hueOff val="0"/>
+                <a:satOff val="0"/>
+                <a:lumOff val="0"/>
+                <a:alphaOff val="0"/>
+                <a:shade val="78000"/>
+                <a:satMod val="120000"/>
+                <a:lumMod val="99000"/>
+              </a:schemeClr>
+            </a:gs>
+          </a:gsLst>
+          <a:lin ang="5400000" scaled="0"/>
+        </a:gradFill>
+        <a:ln w="9525" cap="flat" cmpd="sng" algn="ctr">
+          <a:solidFill>
+            <a:schemeClr val="accent6">
+              <a:hueOff val="0"/>
+              <a:satOff val="0"/>
+              <a:lumOff val="0"/>
+              <a:alphaOff val="0"/>
+            </a:schemeClr>
+          </a:solidFill>
+          <a:prstDash val="solid"/>
+        </a:ln>
+        <a:effectLst/>
+      </dsp:spPr>
+      <dsp:style>
+        <a:lnRef idx="1">
+          <a:scrgbClr r="0" g="0" b="0"/>
+        </a:lnRef>
+        <a:fillRef idx="3">
+          <a:scrgbClr r="0" g="0" b="0"/>
+        </a:fillRef>
+        <a:effectRef idx="2">
+          <a:scrgbClr r="0" g="0" b="0"/>
+        </a:effectRef>
+        <a:fontRef idx="minor">
+          <a:schemeClr val="lt1"/>
+        </a:fontRef>
+      </dsp:style>
+    </dsp:sp>
+    <dsp:sp modelId="{50B953BE-1EB8-4231-8A20-78FA9483097D}">
+      <dsp:nvSpPr>
+        <dsp:cNvPr id="0" name=""/>
+        <dsp:cNvSpPr/>
+      </dsp:nvSpPr>
+      <dsp:spPr>
+        <a:xfrm>
+          <a:off x="0" y="1883950"/>
+          <a:ext cx="5141980" cy="1883950"/>
+        </a:xfrm>
+        <a:prstGeom prst="rect">
+          <a:avLst/>
+        </a:prstGeom>
+        <a:noFill/>
+        <a:ln>
+          <a:noFill/>
+        </a:ln>
+        <a:effectLst/>
+      </dsp:spPr>
+      <dsp:style>
+        <a:lnRef idx="0">
+          <a:scrgbClr r="0" g="0" b="0"/>
+        </a:lnRef>
+        <a:fillRef idx="0">
+          <a:scrgbClr r="0" g="0" b="0"/>
+        </a:fillRef>
+        <a:effectRef idx="0">
+          <a:scrgbClr r="0" g="0" b="0"/>
+        </a:effectRef>
+        <a:fontRef idx="minor"/>
+      </dsp:style>
+      <dsp:txBody>
+        <a:bodyPr spcFirstLastPara="0" vert="horz" wrap="square" lIns="83820" tIns="83820" rIns="83820" bIns="83820" numCol="1" spcCol="1270" anchor="t" anchorCtr="0">
+          <a:noAutofit/>
+        </a:bodyPr>
+        <a:lstStyle/>
+        <a:p>
+          <a:pPr marL="0" lvl="0" indent="0" algn="l" defTabSz="977900">
+            <a:lnSpc>
+              <a:spcPct val="90000"/>
+            </a:lnSpc>
+            <a:spcBef>
+              <a:spcPct val="0"/>
+            </a:spcBef>
+            <a:spcAft>
+              <a:spcPct val="35000"/>
+            </a:spcAft>
+            <a:buNone/>
+          </a:pPr>
+          <a:r>
+            <a:rPr lang="en-US" sz="2200" kern="1200" dirty="0"/>
+            <a:t>Acceptance/Enjoyment:</a:t>
+          </a:r>
+          <a:br>
+            <a:rPr lang="en-US" sz="2200" kern="1200" dirty="0"/>
+          </a:br>
+          <a:r>
+            <a:rPr lang="en-US" sz="2200" kern="1200" dirty="0"/>
+            <a:t>Participants experienced great fun when playing together with other patients or their family</a:t>
+          </a:r>
+        </a:p>
+      </dsp:txBody>
+      <dsp:txXfrm>
+        <a:off x="0" y="1883950"/>
+        <a:ext cx="5141980" cy="1883950"/>
       </dsp:txXfrm>
     </dsp:sp>
   </dsp:spTree>
@@ -1537,6 +4627,472 @@
 </dgm:layoutDef>
 </file>
 
+<file path=ppt/diagrams/layout2.xml><?xml version="1.0" encoding="utf-8"?>
+<dgm:layoutDef xmlns:dgm="http://schemas.openxmlformats.org/drawingml/2006/diagram" xmlns:a="http://schemas.openxmlformats.org/drawingml/2006/main" uniqueId="urn:microsoft.com/office/officeart/2008/layout/LinedList">
+  <dgm:title val=""/>
+  <dgm:desc val=""/>
+  <dgm:catLst>
+    <dgm:cat type="hierarchy" pri="8000"/>
+    <dgm:cat type="list" pri="2500"/>
+  </dgm:catLst>
+  <dgm:sampData>
+    <dgm:dataModel>
+      <dgm:ptLst>
+        <dgm:pt modelId="0" type="doc"/>
+        <dgm:pt modelId="1">
+          <dgm:prSet phldr="1"/>
+        </dgm:pt>
+        <dgm:pt modelId="11">
+          <dgm:prSet phldr="1"/>
+        </dgm:pt>
+        <dgm:pt modelId="12">
+          <dgm:prSet phldr="1"/>
+        </dgm:pt>
+        <dgm:pt modelId="13">
+          <dgm:prSet phldr="1"/>
+        </dgm:pt>
+      </dgm:ptLst>
+      <dgm:cxnLst>
+        <dgm:cxn modelId="2" srcId="0" destId="1" srcOrd="0" destOrd="0"/>
+        <dgm:cxn modelId="3" srcId="1" destId="11" srcOrd="0" destOrd="0"/>
+        <dgm:cxn modelId="4" srcId="1" destId="12" srcOrd="1" destOrd="0"/>
+        <dgm:cxn modelId="5" srcId="1" destId="13" srcOrd="2" destOrd="0"/>
+      </dgm:cxnLst>
+      <dgm:bg/>
+      <dgm:whole/>
+    </dgm:dataModel>
+  </dgm:sampData>
+  <dgm:styleData>
+    <dgm:dataModel>
+      <dgm:ptLst>
+        <dgm:pt modelId="0" type="doc"/>
+        <dgm:pt modelId="1">
+          <dgm:prSet phldr="1"/>
+        </dgm:pt>
+        <dgm:pt modelId="11">
+          <dgm:prSet phldr="1"/>
+        </dgm:pt>
+        <dgm:pt modelId="12">
+          <dgm:prSet phldr="1"/>
+        </dgm:pt>
+      </dgm:ptLst>
+      <dgm:cxnLst>
+        <dgm:cxn modelId="2" srcId="0" destId="1" srcOrd="0" destOrd="0"/>
+        <dgm:cxn modelId="3" srcId="1" destId="11" srcOrd="0" destOrd="0"/>
+        <dgm:cxn modelId="4" srcId="1" destId="12" srcOrd="1" destOrd="0"/>
+      </dgm:cxnLst>
+      <dgm:bg/>
+      <dgm:whole/>
+    </dgm:dataModel>
+  </dgm:styleData>
+  <dgm:clrData>
+    <dgm:dataModel>
+      <dgm:ptLst>
+        <dgm:pt modelId="0" type="doc"/>
+        <dgm:pt modelId="1">
+          <dgm:prSet phldr="1"/>
+        </dgm:pt>
+        <dgm:pt modelId="11">
+          <dgm:prSet phldr="1"/>
+        </dgm:pt>
+        <dgm:pt modelId="12">
+          <dgm:prSet phldr="1"/>
+        </dgm:pt>
+      </dgm:ptLst>
+      <dgm:cxnLst>
+        <dgm:cxn modelId="2" srcId="0" destId="1" srcOrd="0" destOrd="0"/>
+        <dgm:cxn modelId="3" srcId="1" destId="11" srcOrd="0" destOrd="0"/>
+        <dgm:cxn modelId="4" srcId="1" destId="12" srcOrd="1" destOrd="0"/>
+      </dgm:cxnLst>
+      <dgm:bg/>
+      <dgm:whole/>
+    </dgm:dataModel>
+  </dgm:clrData>
+  <dgm:layoutNode name="vert0">
+    <dgm:varLst>
+      <dgm:dir/>
+      <dgm:animOne val="branch"/>
+      <dgm:animLvl val="lvl"/>
+    </dgm:varLst>
+    <dgm:choose name="Name0">
+      <dgm:if name="Name1" func="var" arg="dir" op="equ" val="norm">
+        <dgm:alg type="lin">
+          <dgm:param type="linDir" val="fromT"/>
+          <dgm:param type="nodeHorzAlign" val="l"/>
+        </dgm:alg>
+      </dgm:if>
+      <dgm:else name="Name2">
+        <dgm:alg type="lin">
+          <dgm:param type="linDir" val="fromT"/>
+          <dgm:param type="nodeHorzAlign" val="r"/>
+        </dgm:alg>
+      </dgm:else>
+    </dgm:choose>
+    <dgm:shape xmlns:r="http://schemas.openxmlformats.org/officeDocument/2006/relationships" r:blip="">
+      <dgm:adjLst/>
+    </dgm:shape>
+    <dgm:presOf/>
+    <dgm:constrLst>
+      <dgm:constr type="w" for="ch" forName="horz1" refType="w"/>
+      <dgm:constr type="h" for="ch" forName="horz1" refType="h"/>
+      <dgm:constr type="h" for="des" forName="vert1" refType="h"/>
+      <dgm:constr type="h" for="des" forName="tx1" refType="h"/>
+      <dgm:constr type="h" for="des" forName="horz2" refType="h"/>
+      <dgm:constr type="h" for="des" forName="vert2" refType="h"/>
+      <dgm:constr type="h" for="des" forName="horz3" refType="h"/>
+      <dgm:constr type="h" for="des" forName="vert3" refType="h"/>
+      <dgm:constr type="h" for="des" forName="horz4" refType="h"/>
+      <dgm:constr type="h" for="des" ptType="node" refType="h"/>
+      <dgm:constr type="primFontSz" for="des" forName="tx1" op="equ" val="65"/>
+      <dgm:constr type="primFontSz" for="des" forName="tx2" op="equ" val="65"/>
+      <dgm:constr type="primFontSz" for="des" forName="tx3" op="equ" val="65"/>
+      <dgm:constr type="primFontSz" for="des" forName="tx4" op="equ" val="65"/>
+      <dgm:constr type="w" for="des" forName="thickLine" refType="w"/>
+      <dgm:constr type="h" for="des" forName="thickLine"/>
+      <dgm:constr type="h" for="des" forName="thinLine1"/>
+      <dgm:constr type="h" for="des" forName="thinLine2b"/>
+      <dgm:constr type="h" for="des" forName="thinLine3"/>
+      <dgm:constr type="h" for="des" forName="vertSpace2a" refType="h" fact="0.05"/>
+      <dgm:constr type="h" for="des" forName="vertSpace2b" refType="h" refFor="des" refForName="vertSpace2a"/>
+    </dgm:constrLst>
+    <dgm:forEach name="Name3" axis="ch" ptType="node">
+      <dgm:layoutNode name="thickLine" styleLbl="alignNode1">
+        <dgm:alg type="sp"/>
+        <dgm:shape xmlns:r="http://schemas.openxmlformats.org/officeDocument/2006/relationships" type="line" r:blip="">
+          <dgm:adjLst/>
+        </dgm:shape>
+        <dgm:presOf/>
+      </dgm:layoutNode>
+      <dgm:layoutNode name="horz1">
+        <dgm:choose name="Name4">
+          <dgm:if name="Name5" func="var" arg="dir" op="equ" val="norm">
+            <dgm:alg type="lin">
+              <dgm:param type="linDir" val="fromL"/>
+              <dgm:param type="nodeVertAlign" val="t"/>
+            </dgm:alg>
+          </dgm:if>
+          <dgm:else name="Name6">
+            <dgm:alg type="lin">
+              <dgm:param type="linDir" val="fromR"/>
+              <dgm:param type="nodeVertAlign" val="t"/>
+            </dgm:alg>
+          </dgm:else>
+        </dgm:choose>
+        <dgm:shape xmlns:r="http://schemas.openxmlformats.org/officeDocument/2006/relationships" r:blip="">
+          <dgm:adjLst/>
+        </dgm:shape>
+        <dgm:presOf/>
+        <dgm:choose name="Name7">
+          <dgm:if name="Name8" axis="root des" func="maxDepth" op="equ" val="1">
+            <dgm:constrLst>
+              <dgm:constr type="w" for="ch" forName="tx1" refType="w"/>
+            </dgm:constrLst>
+          </dgm:if>
+          <dgm:if name="Name9" axis="root des" func="maxDepth" op="equ" val="2">
+            <dgm:constrLst>
+              <dgm:constr type="w" for="ch" forName="tx1" refType="w" fact="0.2"/>
+              <dgm:constr type="w" for="des" forName="tx2" refType="w" fact="0.785"/>
+              <dgm:constr type="w" for="des" forName="horzSpace2" refType="w" fact="0.015"/>
+              <dgm:constr type="w" for="des" forName="thinLine2b" refType="w" fact="0.8"/>
+            </dgm:constrLst>
+          </dgm:if>
+          <dgm:if name="Name10" axis="root des" func="maxDepth" op="equ" val="3">
+            <dgm:constrLst>
+              <dgm:constr type="w" for="ch" forName="tx1" refType="w" fact="0.2"/>
+              <dgm:constr type="w" for="des" forName="tx2" refType="w" fact="0.385"/>
+              <dgm:constr type="w" for="des" forName="tx3" refType="w" fact="0.385"/>
+              <dgm:constr type="w" for="des" forName="horzSpace2" refType="w" fact="0.015"/>
+              <dgm:constr type="w" for="des" forName="horzSpace3" refType="w" fact="0.015"/>
+              <dgm:constr type="w" for="des" forName="thinLine2b" refType="w" fact="0.8"/>
+              <dgm:constr type="w" for="des" forName="thinLine3" refType="w" fact="0.385"/>
+            </dgm:constrLst>
+          </dgm:if>
+          <dgm:if name="Name11" axis="root des" func="maxDepth" op="gte" val="4">
+            <dgm:constrLst>
+              <dgm:constr type="w" for="ch" forName="tx1" refType="w" fact="0.2"/>
+              <dgm:constr type="w" for="des" forName="tx2" refType="w" fact="0.2516"/>
+              <dgm:constr type="w" for="des" forName="tx3" refType="w" fact="0.2516"/>
+              <dgm:constr type="w" for="des" forName="tx4" refType="w" fact="0.2516"/>
+              <dgm:constr type="w" for="des" forName="horzSpace2" refType="w" fact="0.015"/>
+              <dgm:constr type="w" for="des" forName="horzSpace3" refType="w" fact="0.015"/>
+              <dgm:constr type="w" for="des" forName="horzSpace4" refType="w" fact="0.015"/>
+              <dgm:constr type="w" for="des" forName="thinLine2b" refType="w" fact="0.8"/>
+              <dgm:constr type="w" for="des" forName="thinLine3" refType="w" fact="0.5332"/>
+            </dgm:constrLst>
+          </dgm:if>
+          <dgm:else name="Name12"/>
+        </dgm:choose>
+        <dgm:layoutNode name="tx1" styleLbl="revTx">
+          <dgm:alg type="tx">
+            <dgm:param type="parTxLTRAlign" val="l"/>
+            <dgm:param type="parTxRTLAlign" val="r"/>
+            <dgm:param type="txAnchorVert" val="t"/>
+          </dgm:alg>
+          <dgm:shape xmlns:r="http://schemas.openxmlformats.org/officeDocument/2006/relationships" type="rect" r:blip="">
+            <dgm:adjLst/>
+          </dgm:shape>
+          <dgm:presOf axis="self"/>
+          <dgm:constrLst>
+            <dgm:constr type="tMarg" refType="primFontSz" fact="0.3"/>
+            <dgm:constr type="bMarg" refType="primFontSz" fact="0.3"/>
+            <dgm:constr type="lMarg" refType="primFontSz" fact="0.3"/>
+            <dgm:constr type="rMarg" refType="primFontSz" fact="0.3"/>
+          </dgm:constrLst>
+          <dgm:ruleLst>
+            <dgm:rule type="primFontSz" val="5" fact="NaN" max="NaN"/>
+          </dgm:ruleLst>
+        </dgm:layoutNode>
+        <dgm:layoutNode name="vert1">
+          <dgm:choose name="Name13">
+            <dgm:if name="Name14" func="var" arg="dir" op="equ" val="norm">
+              <dgm:alg type="lin">
+                <dgm:param type="linDir" val="fromT"/>
+                <dgm:param type="nodeHorzAlign" val="l"/>
+              </dgm:alg>
+            </dgm:if>
+            <dgm:else name="Name15">
+              <dgm:alg type="lin">
+                <dgm:param type="linDir" val="fromT"/>
+                <dgm:param type="nodeHorzAlign" val="r"/>
+              </dgm:alg>
+            </dgm:else>
+          </dgm:choose>
+          <dgm:shape xmlns:r="http://schemas.openxmlformats.org/officeDocument/2006/relationships" r:blip="">
+            <dgm:adjLst/>
+          </dgm:shape>
+          <dgm:presOf/>
+          <dgm:forEach name="Name16" axis="ch" ptType="node">
+            <dgm:choose name="Name17">
+              <dgm:if name="Name18" axis="self" ptType="node" func="pos" op="equ" val="1">
+                <dgm:layoutNode name="vertSpace2a">
+                  <dgm:alg type="sp"/>
+                  <dgm:shape xmlns:r="http://schemas.openxmlformats.org/officeDocument/2006/relationships" r:blip="">
+                    <dgm:adjLst/>
+                  </dgm:shape>
+                  <dgm:presOf/>
+                </dgm:layoutNode>
+              </dgm:if>
+              <dgm:else name="Name19"/>
+            </dgm:choose>
+            <dgm:layoutNode name="horz2">
+              <dgm:choose name="Name20">
+                <dgm:if name="Name21" func="var" arg="dir" op="equ" val="norm">
+                  <dgm:alg type="lin">
+                    <dgm:param type="linDir" val="fromL"/>
+                    <dgm:param type="nodeVertAlign" val="t"/>
+                  </dgm:alg>
+                </dgm:if>
+                <dgm:else name="Name22">
+                  <dgm:alg type="lin">
+                    <dgm:param type="linDir" val="fromR"/>
+                    <dgm:param type="nodeVertAlign" val="t"/>
+                  </dgm:alg>
+                </dgm:else>
+              </dgm:choose>
+              <dgm:shape xmlns:r="http://schemas.openxmlformats.org/officeDocument/2006/relationships" r:blip="">
+                <dgm:adjLst/>
+              </dgm:shape>
+              <dgm:presOf/>
+              <dgm:layoutNode name="horzSpace2">
+                <dgm:alg type="sp"/>
+                <dgm:shape xmlns:r="http://schemas.openxmlformats.org/officeDocument/2006/relationships" r:blip="">
+                  <dgm:adjLst/>
+                </dgm:shape>
+                <dgm:presOf/>
+              </dgm:layoutNode>
+              <dgm:layoutNode name="tx2" styleLbl="revTx">
+                <dgm:alg type="tx">
+                  <dgm:param type="parTxLTRAlign" val="l"/>
+                  <dgm:param type="parTxRTLAlign" val="r"/>
+                  <dgm:param type="txAnchorVert" val="t"/>
+                </dgm:alg>
+                <dgm:shape xmlns:r="http://schemas.openxmlformats.org/officeDocument/2006/relationships" type="rect" r:blip="">
+                  <dgm:adjLst/>
+                </dgm:shape>
+                <dgm:presOf axis="self"/>
+                <dgm:constrLst>
+                  <dgm:constr type="tMarg" refType="primFontSz" fact="0.3"/>
+                  <dgm:constr type="bMarg" refType="primFontSz" fact="0.3"/>
+                  <dgm:constr type="lMarg" refType="primFontSz" fact="0.3"/>
+                  <dgm:constr type="rMarg" refType="primFontSz" fact="0.3"/>
+                </dgm:constrLst>
+                <dgm:ruleLst>
+                  <dgm:rule type="primFontSz" val="5" fact="NaN" max="NaN"/>
+                </dgm:ruleLst>
+              </dgm:layoutNode>
+              <dgm:layoutNode name="vert2">
+                <dgm:choose name="Name23">
+                  <dgm:if name="Name24" func="var" arg="dir" op="equ" val="norm">
+                    <dgm:alg type="lin">
+                      <dgm:param type="linDir" val="fromT"/>
+                      <dgm:param type="nodeHorzAlign" val="l"/>
+                    </dgm:alg>
+                  </dgm:if>
+                  <dgm:else name="Name25">
+                    <dgm:alg type="lin">
+                      <dgm:param type="linDir" val="fromT"/>
+                      <dgm:param type="nodeHorzAlign" val="r"/>
+                    </dgm:alg>
+                  </dgm:else>
+                </dgm:choose>
+                <dgm:shape xmlns:r="http://schemas.openxmlformats.org/officeDocument/2006/relationships" r:blip="">
+                  <dgm:adjLst/>
+                </dgm:shape>
+                <dgm:presOf/>
+                <dgm:forEach name="Name26" axis="ch" ptType="node">
+                  <dgm:layoutNode name="horz3">
+                    <dgm:choose name="Name27">
+                      <dgm:if name="Name28" func="var" arg="dir" op="equ" val="norm">
+                        <dgm:alg type="lin">
+                          <dgm:param type="linDir" val="fromL"/>
+                          <dgm:param type="nodeVertAlign" val="t"/>
+                        </dgm:alg>
+                      </dgm:if>
+                      <dgm:else name="Name29">
+                        <dgm:alg type="lin">
+                          <dgm:param type="linDir" val="fromR"/>
+                          <dgm:param type="nodeVertAlign" val="t"/>
+                        </dgm:alg>
+                      </dgm:else>
+                    </dgm:choose>
+                    <dgm:shape xmlns:r="http://schemas.openxmlformats.org/officeDocument/2006/relationships" r:blip="">
+                      <dgm:adjLst/>
+                    </dgm:shape>
+                    <dgm:presOf/>
+                    <dgm:layoutNode name="horzSpace3">
+                      <dgm:alg type="sp"/>
+                      <dgm:shape xmlns:r="http://schemas.openxmlformats.org/officeDocument/2006/relationships" r:blip="">
+                        <dgm:adjLst/>
+                      </dgm:shape>
+                      <dgm:presOf/>
+                    </dgm:layoutNode>
+                    <dgm:layoutNode name="tx3" styleLbl="revTx">
+                      <dgm:alg type="tx">
+                        <dgm:param type="parTxLTRAlign" val="l"/>
+                        <dgm:param type="parTxRTLAlign" val="r"/>
+                        <dgm:param type="txAnchorVert" val="t"/>
+                      </dgm:alg>
+                      <dgm:shape xmlns:r="http://schemas.openxmlformats.org/officeDocument/2006/relationships" type="rect" r:blip="">
+                        <dgm:adjLst/>
+                      </dgm:shape>
+                      <dgm:presOf axis="self"/>
+                      <dgm:constrLst>
+                        <dgm:constr type="tMarg" refType="primFontSz" fact="0.3"/>
+                        <dgm:constr type="bMarg" refType="primFontSz" fact="0.3"/>
+                        <dgm:constr type="lMarg" refType="primFontSz" fact="0.3"/>
+                        <dgm:constr type="rMarg" refType="primFontSz" fact="0.3"/>
+                      </dgm:constrLst>
+                      <dgm:ruleLst>
+                        <dgm:rule type="primFontSz" val="5" fact="NaN" max="NaN"/>
+                      </dgm:ruleLst>
+                    </dgm:layoutNode>
+                    <dgm:layoutNode name="vert3">
+                      <dgm:choose name="Name30">
+                        <dgm:if name="Name31" func="var" arg="dir" op="equ" val="norm">
+                          <dgm:alg type="lin">
+                            <dgm:param type="linDir" val="fromT"/>
+                            <dgm:param type="nodeHorzAlign" val="l"/>
+                          </dgm:alg>
+                        </dgm:if>
+                        <dgm:else name="Name32">
+                          <dgm:alg type="lin">
+                            <dgm:param type="linDir" val="fromT"/>
+                            <dgm:param type="nodeHorzAlign" val="r"/>
+                          </dgm:alg>
+                        </dgm:else>
+                      </dgm:choose>
+                      <dgm:shape xmlns:r="http://schemas.openxmlformats.org/officeDocument/2006/relationships" r:blip="">
+                        <dgm:adjLst/>
+                      </dgm:shape>
+                      <dgm:presOf/>
+                      <dgm:forEach name="Name33" axis="ch" ptType="node">
+                        <dgm:layoutNode name="horz4">
+                          <dgm:choose name="Name34">
+                            <dgm:if name="Name35" func="var" arg="dir" op="equ" val="norm">
+                              <dgm:alg type="lin">
+                                <dgm:param type="linDir" val="fromL"/>
+                                <dgm:param type="nodeVertAlign" val="t"/>
+                              </dgm:alg>
+                            </dgm:if>
+                            <dgm:else name="Name36">
+                              <dgm:alg type="lin">
+                                <dgm:param type="linDir" val="fromR"/>
+                                <dgm:param type="nodeVertAlign" val="t"/>
+                              </dgm:alg>
+                            </dgm:else>
+                          </dgm:choose>
+                          <dgm:shape xmlns:r="http://schemas.openxmlformats.org/officeDocument/2006/relationships" r:blip="">
+                            <dgm:adjLst/>
+                          </dgm:shape>
+                          <dgm:presOf/>
+                          <dgm:layoutNode name="horzSpace4">
+                            <dgm:alg type="sp"/>
+                            <dgm:shape xmlns:r="http://schemas.openxmlformats.org/officeDocument/2006/relationships" r:blip="">
+                              <dgm:adjLst/>
+                            </dgm:shape>
+                            <dgm:presOf/>
+                          </dgm:layoutNode>
+                          <dgm:layoutNode name="tx4" styleLbl="revTx">
+                            <dgm:varLst>
+                              <dgm:bulletEnabled val="1"/>
+                            </dgm:varLst>
+                            <dgm:alg type="tx">
+                              <dgm:param type="parTxLTRAlign" val="l"/>
+                              <dgm:param type="parTxRTLAlign" val="r"/>
+                              <dgm:param type="txAnchorVert" val="t"/>
+                            </dgm:alg>
+                            <dgm:shape xmlns:r="http://schemas.openxmlformats.org/officeDocument/2006/relationships" type="rect" r:blip="">
+                              <dgm:adjLst/>
+                            </dgm:shape>
+                            <dgm:presOf axis="desOrSelf" ptType="node"/>
+                            <dgm:constrLst>
+                              <dgm:constr type="tMarg" refType="primFontSz" fact="0.3"/>
+                              <dgm:constr type="bMarg" refType="primFontSz" fact="0.3"/>
+                              <dgm:constr type="lMarg" refType="primFontSz" fact="0.3"/>
+                              <dgm:constr type="rMarg" refType="primFontSz" fact="0.3"/>
+                            </dgm:constrLst>
+                            <dgm:ruleLst>
+                              <dgm:rule type="primFontSz" val="5" fact="NaN" max="NaN"/>
+                            </dgm:ruleLst>
+                          </dgm:layoutNode>
+                        </dgm:layoutNode>
+                      </dgm:forEach>
+                    </dgm:layoutNode>
+                  </dgm:layoutNode>
+                  <dgm:forEach name="Name37" axis="followSib" ptType="sibTrans" cnt="1">
+                    <dgm:layoutNode name="thinLine3" styleLbl="callout">
+                      <dgm:alg type="sp"/>
+                      <dgm:shape xmlns:r="http://schemas.openxmlformats.org/officeDocument/2006/relationships" type="line" r:blip="">
+                        <dgm:adjLst/>
+                      </dgm:shape>
+                      <dgm:presOf/>
+                    </dgm:layoutNode>
+                  </dgm:forEach>
+                </dgm:forEach>
+              </dgm:layoutNode>
+            </dgm:layoutNode>
+            <dgm:layoutNode name="thinLine2b" styleLbl="callout">
+              <dgm:alg type="sp"/>
+              <dgm:shape xmlns:r="http://schemas.openxmlformats.org/officeDocument/2006/relationships" type="line" r:blip="">
+                <dgm:adjLst/>
+              </dgm:shape>
+              <dgm:presOf/>
+            </dgm:layoutNode>
+            <dgm:layoutNode name="vertSpace2b">
+              <dgm:alg type="sp"/>
+              <dgm:shape xmlns:r="http://schemas.openxmlformats.org/officeDocument/2006/relationships" r:blip="">
+                <dgm:adjLst/>
+              </dgm:shape>
+              <dgm:presOf/>
+            </dgm:layoutNode>
+          </dgm:forEach>
+        </dgm:layoutNode>
+      </dgm:layoutNode>
+    </dgm:forEach>
+  </dgm:layoutNode>
+</dgm:layoutDef>
+</file>
+
 <file path=ppt/diagrams/quickStyle1.xml><?xml version="1.0" encoding="utf-8"?>
 <dgm:styleDef xmlns:dgm="http://schemas.openxmlformats.org/drawingml/2006/diagram" xmlns:a="http://schemas.openxmlformats.org/drawingml/2006/main" uniqueId="urn:microsoft.com/office/officeart/2005/8/quickstyle/simple1">
   <dgm:title val=""/>
@@ -2543,6 +6099,1040 @@
         <a:scrgbClr r="0" g="0" b="0"/>
       </a:fillRef>
       <a:effectRef idx="0">
+        <a:scrgbClr r="0" g="0" b="0"/>
+      </a:effectRef>
+      <a:fontRef idx="minor"/>
+    </dgm:style>
+  </dgm:styleLbl>
+  <dgm:styleLbl name="revTx">
+    <dgm:scene3d>
+      <a:camera prst="orthographicFront"/>
+      <a:lightRig rig="threePt" dir="t"/>
+    </dgm:scene3d>
+    <dgm:sp3d/>
+    <dgm:txPr/>
+    <dgm:style>
+      <a:lnRef idx="0">
+        <a:scrgbClr r="0" g="0" b="0"/>
+      </a:lnRef>
+      <a:fillRef idx="0">
+        <a:scrgbClr r="0" g="0" b="0"/>
+      </a:fillRef>
+      <a:effectRef idx="0">
+        <a:scrgbClr r="0" g="0" b="0"/>
+      </a:effectRef>
+      <a:fontRef idx="minor"/>
+    </dgm:style>
+  </dgm:styleLbl>
+</dgm:styleDef>
+</file>
+
+<file path=ppt/diagrams/quickStyle2.xml><?xml version="1.0" encoding="utf-8"?>
+<dgm:styleDef xmlns:dgm="http://schemas.openxmlformats.org/drawingml/2006/diagram" xmlns:a="http://schemas.openxmlformats.org/drawingml/2006/main" uniqueId="urn:microsoft.com/office/officeart/2005/8/quickstyle/simple4">
+  <dgm:title val=""/>
+  <dgm:desc val=""/>
+  <dgm:catLst>
+    <dgm:cat type="simple" pri="10400"/>
+  </dgm:catLst>
+  <dgm:scene3d>
+    <a:camera prst="orthographicFront"/>
+    <a:lightRig rig="threePt" dir="t"/>
+  </dgm:scene3d>
+  <dgm:styleLbl name="node0">
+    <dgm:scene3d>
+      <a:camera prst="orthographicFront"/>
+      <a:lightRig rig="threePt" dir="t"/>
+    </dgm:scene3d>
+    <dgm:sp3d/>
+    <dgm:txPr/>
+    <dgm:style>
+      <a:lnRef idx="0">
+        <a:scrgbClr r="0" g="0" b="0"/>
+      </a:lnRef>
+      <a:fillRef idx="3">
+        <a:scrgbClr r="0" g="0" b="0"/>
+      </a:fillRef>
+      <a:effectRef idx="2">
+        <a:scrgbClr r="0" g="0" b="0"/>
+      </a:effectRef>
+      <a:fontRef idx="minor">
+        <a:schemeClr val="lt1"/>
+      </a:fontRef>
+    </dgm:style>
+  </dgm:styleLbl>
+  <dgm:styleLbl name="lnNode1">
+    <dgm:scene3d>
+      <a:camera prst="orthographicFront"/>
+      <a:lightRig rig="threePt" dir="t"/>
+    </dgm:scene3d>
+    <dgm:sp3d/>
+    <dgm:txPr/>
+    <dgm:style>
+      <a:lnRef idx="1">
+        <a:scrgbClr r="0" g="0" b="0"/>
+      </a:lnRef>
+      <a:fillRef idx="3">
+        <a:scrgbClr r="0" g="0" b="0"/>
+      </a:fillRef>
+      <a:effectRef idx="2">
+        <a:scrgbClr r="0" g="0" b="0"/>
+      </a:effectRef>
+      <a:fontRef idx="minor">
+        <a:schemeClr val="lt1"/>
+      </a:fontRef>
+    </dgm:style>
+  </dgm:styleLbl>
+  <dgm:styleLbl name="vennNode1">
+    <dgm:scene3d>
+      <a:camera prst="orthographicFront"/>
+      <a:lightRig rig="threePt" dir="t"/>
+    </dgm:scene3d>
+    <dgm:sp3d/>
+    <dgm:txPr/>
+    <dgm:style>
+      <a:lnRef idx="0">
+        <a:scrgbClr r="0" g="0" b="0"/>
+      </a:lnRef>
+      <a:fillRef idx="3">
+        <a:scrgbClr r="0" g="0" b="0"/>
+      </a:fillRef>
+      <a:effectRef idx="0">
+        <a:scrgbClr r="0" g="0" b="0"/>
+      </a:effectRef>
+      <a:fontRef idx="minor">
+        <a:schemeClr val="tx1"/>
+      </a:fontRef>
+    </dgm:style>
+  </dgm:styleLbl>
+  <dgm:styleLbl name="alignNode1">
+    <dgm:scene3d>
+      <a:camera prst="orthographicFront"/>
+      <a:lightRig rig="threePt" dir="t"/>
+    </dgm:scene3d>
+    <dgm:sp3d/>
+    <dgm:txPr/>
+    <dgm:style>
+      <a:lnRef idx="1">
+        <a:scrgbClr r="0" g="0" b="0"/>
+      </a:lnRef>
+      <a:fillRef idx="3">
+        <a:scrgbClr r="0" g="0" b="0"/>
+      </a:fillRef>
+      <a:effectRef idx="2">
+        <a:scrgbClr r="0" g="0" b="0"/>
+      </a:effectRef>
+      <a:fontRef idx="minor">
+        <a:schemeClr val="lt1"/>
+      </a:fontRef>
+    </dgm:style>
+  </dgm:styleLbl>
+  <dgm:styleLbl name="node1">
+    <dgm:scene3d>
+      <a:camera prst="orthographicFront"/>
+      <a:lightRig rig="threePt" dir="t"/>
+    </dgm:scene3d>
+    <dgm:sp3d/>
+    <dgm:txPr/>
+    <dgm:style>
+      <a:lnRef idx="0">
+        <a:scrgbClr r="0" g="0" b="0"/>
+      </a:lnRef>
+      <a:fillRef idx="3">
+        <a:scrgbClr r="0" g="0" b="0"/>
+      </a:fillRef>
+      <a:effectRef idx="2">
+        <a:scrgbClr r="0" g="0" b="0"/>
+      </a:effectRef>
+      <a:fontRef idx="minor">
+        <a:schemeClr val="lt1"/>
+      </a:fontRef>
+    </dgm:style>
+  </dgm:styleLbl>
+  <dgm:styleLbl name="node2">
+    <dgm:scene3d>
+      <a:camera prst="orthographicFront"/>
+      <a:lightRig rig="threePt" dir="t"/>
+    </dgm:scene3d>
+    <dgm:sp3d/>
+    <dgm:txPr/>
+    <dgm:style>
+      <a:lnRef idx="0">
+        <a:scrgbClr r="0" g="0" b="0"/>
+      </a:lnRef>
+      <a:fillRef idx="3">
+        <a:scrgbClr r="0" g="0" b="0"/>
+      </a:fillRef>
+      <a:effectRef idx="2">
+        <a:scrgbClr r="0" g="0" b="0"/>
+      </a:effectRef>
+      <a:fontRef idx="minor">
+        <a:schemeClr val="lt1"/>
+      </a:fontRef>
+    </dgm:style>
+  </dgm:styleLbl>
+  <dgm:styleLbl name="node3">
+    <dgm:scene3d>
+      <a:camera prst="orthographicFront"/>
+      <a:lightRig rig="threePt" dir="t"/>
+    </dgm:scene3d>
+    <dgm:sp3d/>
+    <dgm:txPr/>
+    <dgm:style>
+      <a:lnRef idx="0">
+        <a:scrgbClr r="0" g="0" b="0"/>
+      </a:lnRef>
+      <a:fillRef idx="3">
+        <a:scrgbClr r="0" g="0" b="0"/>
+      </a:fillRef>
+      <a:effectRef idx="2">
+        <a:scrgbClr r="0" g="0" b="0"/>
+      </a:effectRef>
+      <a:fontRef idx="minor">
+        <a:schemeClr val="lt1"/>
+      </a:fontRef>
+    </dgm:style>
+  </dgm:styleLbl>
+  <dgm:styleLbl name="node4">
+    <dgm:scene3d>
+      <a:camera prst="orthographicFront"/>
+      <a:lightRig rig="threePt" dir="t"/>
+    </dgm:scene3d>
+    <dgm:sp3d/>
+    <dgm:txPr/>
+    <dgm:style>
+      <a:lnRef idx="0">
+        <a:scrgbClr r="0" g="0" b="0"/>
+      </a:lnRef>
+      <a:fillRef idx="3">
+        <a:scrgbClr r="0" g="0" b="0"/>
+      </a:fillRef>
+      <a:effectRef idx="2">
+        <a:scrgbClr r="0" g="0" b="0"/>
+      </a:effectRef>
+      <a:fontRef idx="minor">
+        <a:schemeClr val="lt1"/>
+      </a:fontRef>
+    </dgm:style>
+  </dgm:styleLbl>
+  <dgm:styleLbl name="fgImgPlace1">
+    <dgm:scene3d>
+      <a:camera prst="orthographicFront"/>
+      <a:lightRig rig="threePt" dir="t"/>
+    </dgm:scene3d>
+    <dgm:sp3d/>
+    <dgm:txPr/>
+    <dgm:style>
+      <a:lnRef idx="0">
+        <a:scrgbClr r="0" g="0" b="0"/>
+      </a:lnRef>
+      <a:fillRef idx="1">
+        <a:scrgbClr r="0" g="0" b="0"/>
+      </a:fillRef>
+      <a:effectRef idx="2">
+        <a:scrgbClr r="0" g="0" b="0"/>
+      </a:effectRef>
+      <a:fontRef idx="minor"/>
+    </dgm:style>
+  </dgm:styleLbl>
+  <dgm:styleLbl name="alignImgPlace1">
+    <dgm:scene3d>
+      <a:camera prst="orthographicFront"/>
+      <a:lightRig rig="threePt" dir="t"/>
+    </dgm:scene3d>
+    <dgm:sp3d/>
+    <dgm:txPr/>
+    <dgm:style>
+      <a:lnRef idx="0">
+        <a:scrgbClr r="0" g="0" b="0"/>
+      </a:lnRef>
+      <a:fillRef idx="1">
+        <a:scrgbClr r="0" g="0" b="0"/>
+      </a:fillRef>
+      <a:effectRef idx="2">
+        <a:scrgbClr r="0" g="0" b="0"/>
+      </a:effectRef>
+      <a:fontRef idx="minor"/>
+    </dgm:style>
+  </dgm:styleLbl>
+  <dgm:styleLbl name="bgImgPlace1">
+    <dgm:scene3d>
+      <a:camera prst="orthographicFront"/>
+      <a:lightRig rig="threePt" dir="t"/>
+    </dgm:scene3d>
+    <dgm:sp3d/>
+    <dgm:txPr/>
+    <dgm:style>
+      <a:lnRef idx="0">
+        <a:scrgbClr r="0" g="0" b="0"/>
+      </a:lnRef>
+      <a:fillRef idx="1">
+        <a:scrgbClr r="0" g="0" b="0"/>
+      </a:fillRef>
+      <a:effectRef idx="2">
+        <a:scrgbClr r="0" g="0" b="0"/>
+      </a:effectRef>
+      <a:fontRef idx="minor"/>
+    </dgm:style>
+  </dgm:styleLbl>
+  <dgm:styleLbl name="sibTrans2D1">
+    <dgm:scene3d>
+      <a:camera prst="orthographicFront"/>
+      <a:lightRig rig="threePt" dir="t"/>
+    </dgm:scene3d>
+    <dgm:sp3d/>
+    <dgm:txPr/>
+    <dgm:style>
+      <a:lnRef idx="0">
+        <a:scrgbClr r="0" g="0" b="0"/>
+      </a:lnRef>
+      <a:fillRef idx="3">
+        <a:scrgbClr r="0" g="0" b="0"/>
+      </a:fillRef>
+      <a:effectRef idx="2">
+        <a:scrgbClr r="0" g="0" b="0"/>
+      </a:effectRef>
+      <a:fontRef idx="minor">
+        <a:schemeClr val="lt1"/>
+      </a:fontRef>
+    </dgm:style>
+  </dgm:styleLbl>
+  <dgm:styleLbl name="fgSibTrans2D1">
+    <dgm:scene3d>
+      <a:camera prst="orthographicFront"/>
+      <a:lightRig rig="threePt" dir="t"/>
+    </dgm:scene3d>
+    <dgm:sp3d/>
+    <dgm:txPr/>
+    <dgm:style>
+      <a:lnRef idx="0">
+        <a:scrgbClr r="0" g="0" b="0"/>
+      </a:lnRef>
+      <a:fillRef idx="3">
+        <a:scrgbClr r="0" g="0" b="0"/>
+      </a:fillRef>
+      <a:effectRef idx="2">
+        <a:scrgbClr r="0" g="0" b="0"/>
+      </a:effectRef>
+      <a:fontRef idx="minor">
+        <a:schemeClr val="lt1"/>
+      </a:fontRef>
+    </dgm:style>
+  </dgm:styleLbl>
+  <dgm:styleLbl name="bgSibTrans2D1">
+    <dgm:scene3d>
+      <a:camera prst="orthographicFront"/>
+      <a:lightRig rig="threePt" dir="t"/>
+    </dgm:scene3d>
+    <dgm:sp3d/>
+    <dgm:txPr/>
+    <dgm:style>
+      <a:lnRef idx="0">
+        <a:scrgbClr r="0" g="0" b="0"/>
+      </a:lnRef>
+      <a:fillRef idx="3">
+        <a:scrgbClr r="0" g="0" b="0"/>
+      </a:fillRef>
+      <a:effectRef idx="2">
+        <a:scrgbClr r="0" g="0" b="0"/>
+      </a:effectRef>
+      <a:fontRef idx="minor">
+        <a:schemeClr val="lt1"/>
+      </a:fontRef>
+    </dgm:style>
+  </dgm:styleLbl>
+  <dgm:styleLbl name="sibTrans1D1">
+    <dgm:scene3d>
+      <a:camera prst="orthographicFront"/>
+      <a:lightRig rig="threePt" dir="t"/>
+    </dgm:scene3d>
+    <dgm:sp3d/>
+    <dgm:txPr/>
+    <dgm:style>
+      <a:lnRef idx="1">
+        <a:scrgbClr r="0" g="0" b="0"/>
+      </a:lnRef>
+      <a:fillRef idx="0">
+        <a:scrgbClr r="0" g="0" b="0"/>
+      </a:fillRef>
+      <a:effectRef idx="0">
+        <a:scrgbClr r="0" g="0" b="0"/>
+      </a:effectRef>
+      <a:fontRef idx="minor"/>
+    </dgm:style>
+  </dgm:styleLbl>
+  <dgm:styleLbl name="callout">
+    <dgm:scene3d>
+      <a:camera prst="orthographicFront"/>
+      <a:lightRig rig="threePt" dir="t"/>
+    </dgm:scene3d>
+    <dgm:sp3d/>
+    <dgm:txPr/>
+    <dgm:style>
+      <a:lnRef idx="2">
+        <a:scrgbClr r="0" g="0" b="0"/>
+      </a:lnRef>
+      <a:fillRef idx="1">
+        <a:scrgbClr r="0" g="0" b="0"/>
+      </a:fillRef>
+      <a:effectRef idx="1">
+        <a:scrgbClr r="0" g="0" b="0"/>
+      </a:effectRef>
+      <a:fontRef idx="minor"/>
+    </dgm:style>
+  </dgm:styleLbl>
+  <dgm:styleLbl name="asst0">
+    <dgm:scene3d>
+      <a:camera prst="orthographicFront"/>
+      <a:lightRig rig="threePt" dir="t"/>
+    </dgm:scene3d>
+    <dgm:sp3d/>
+    <dgm:txPr/>
+    <dgm:style>
+      <a:lnRef idx="0">
+        <a:scrgbClr r="0" g="0" b="0"/>
+      </a:lnRef>
+      <a:fillRef idx="3">
+        <a:scrgbClr r="0" g="0" b="0"/>
+      </a:fillRef>
+      <a:effectRef idx="2">
+        <a:scrgbClr r="0" g="0" b="0"/>
+      </a:effectRef>
+      <a:fontRef idx="minor">
+        <a:schemeClr val="lt1"/>
+      </a:fontRef>
+    </dgm:style>
+  </dgm:styleLbl>
+  <dgm:styleLbl name="asst1">
+    <dgm:scene3d>
+      <a:camera prst="orthographicFront"/>
+      <a:lightRig rig="threePt" dir="t"/>
+    </dgm:scene3d>
+    <dgm:sp3d/>
+    <dgm:txPr/>
+    <dgm:style>
+      <a:lnRef idx="0">
+        <a:scrgbClr r="0" g="0" b="0"/>
+      </a:lnRef>
+      <a:fillRef idx="3">
+        <a:scrgbClr r="0" g="0" b="0"/>
+      </a:fillRef>
+      <a:effectRef idx="2">
+        <a:scrgbClr r="0" g="0" b="0"/>
+      </a:effectRef>
+      <a:fontRef idx="minor">
+        <a:schemeClr val="lt1"/>
+      </a:fontRef>
+    </dgm:style>
+  </dgm:styleLbl>
+  <dgm:styleLbl name="asst2">
+    <dgm:scene3d>
+      <a:camera prst="orthographicFront"/>
+      <a:lightRig rig="threePt" dir="t"/>
+    </dgm:scene3d>
+    <dgm:sp3d/>
+    <dgm:txPr/>
+    <dgm:style>
+      <a:lnRef idx="0">
+        <a:scrgbClr r="0" g="0" b="0"/>
+      </a:lnRef>
+      <a:fillRef idx="3">
+        <a:scrgbClr r="0" g="0" b="0"/>
+      </a:fillRef>
+      <a:effectRef idx="2">
+        <a:scrgbClr r="0" g="0" b="0"/>
+      </a:effectRef>
+      <a:fontRef idx="minor">
+        <a:schemeClr val="lt1"/>
+      </a:fontRef>
+    </dgm:style>
+  </dgm:styleLbl>
+  <dgm:styleLbl name="asst3">
+    <dgm:scene3d>
+      <a:camera prst="orthographicFront"/>
+      <a:lightRig rig="threePt" dir="t"/>
+    </dgm:scene3d>
+    <dgm:sp3d/>
+    <dgm:txPr/>
+    <dgm:style>
+      <a:lnRef idx="0">
+        <a:scrgbClr r="0" g="0" b="0"/>
+      </a:lnRef>
+      <a:fillRef idx="3">
+        <a:scrgbClr r="0" g="0" b="0"/>
+      </a:fillRef>
+      <a:effectRef idx="2">
+        <a:scrgbClr r="0" g="0" b="0"/>
+      </a:effectRef>
+      <a:fontRef idx="minor">
+        <a:schemeClr val="lt1"/>
+      </a:fontRef>
+    </dgm:style>
+  </dgm:styleLbl>
+  <dgm:styleLbl name="asst4">
+    <dgm:scene3d>
+      <a:camera prst="orthographicFront"/>
+      <a:lightRig rig="threePt" dir="t"/>
+    </dgm:scene3d>
+    <dgm:sp3d/>
+    <dgm:txPr/>
+    <dgm:style>
+      <a:lnRef idx="0">
+        <a:scrgbClr r="0" g="0" b="0"/>
+      </a:lnRef>
+      <a:fillRef idx="3">
+        <a:scrgbClr r="0" g="0" b="0"/>
+      </a:fillRef>
+      <a:effectRef idx="2">
+        <a:scrgbClr r="0" g="0" b="0"/>
+      </a:effectRef>
+      <a:fontRef idx="minor">
+        <a:schemeClr val="lt1"/>
+      </a:fontRef>
+    </dgm:style>
+  </dgm:styleLbl>
+  <dgm:styleLbl name="parChTrans2D1">
+    <dgm:scene3d>
+      <a:camera prst="orthographicFront"/>
+      <a:lightRig rig="threePt" dir="t"/>
+    </dgm:scene3d>
+    <dgm:sp3d/>
+    <dgm:txPr/>
+    <dgm:style>
+      <a:lnRef idx="0">
+        <a:scrgbClr r="0" g="0" b="0"/>
+      </a:lnRef>
+      <a:fillRef idx="3">
+        <a:scrgbClr r="0" g="0" b="0"/>
+      </a:fillRef>
+      <a:effectRef idx="2">
+        <a:scrgbClr r="0" g="0" b="0"/>
+      </a:effectRef>
+      <a:fontRef idx="minor">
+        <a:schemeClr val="lt1"/>
+      </a:fontRef>
+    </dgm:style>
+  </dgm:styleLbl>
+  <dgm:styleLbl name="parChTrans2D2">
+    <dgm:scene3d>
+      <a:camera prst="orthographicFront"/>
+      <a:lightRig rig="threePt" dir="t"/>
+    </dgm:scene3d>
+    <dgm:sp3d/>
+    <dgm:txPr/>
+    <dgm:style>
+      <a:lnRef idx="0">
+        <a:scrgbClr r="0" g="0" b="0"/>
+      </a:lnRef>
+      <a:fillRef idx="3">
+        <a:scrgbClr r="0" g="0" b="0"/>
+      </a:fillRef>
+      <a:effectRef idx="2">
+        <a:scrgbClr r="0" g="0" b="0"/>
+      </a:effectRef>
+      <a:fontRef idx="minor">
+        <a:schemeClr val="lt1"/>
+      </a:fontRef>
+    </dgm:style>
+  </dgm:styleLbl>
+  <dgm:styleLbl name="parChTrans2D3">
+    <dgm:scene3d>
+      <a:camera prst="orthographicFront"/>
+      <a:lightRig rig="threePt" dir="t"/>
+    </dgm:scene3d>
+    <dgm:sp3d/>
+    <dgm:txPr/>
+    <dgm:style>
+      <a:lnRef idx="1">
+        <a:scrgbClr r="0" g="0" b="0"/>
+      </a:lnRef>
+      <a:fillRef idx="3">
+        <a:scrgbClr r="0" g="0" b="0"/>
+      </a:fillRef>
+      <a:effectRef idx="2">
+        <a:scrgbClr r="0" g="0" b="0"/>
+      </a:effectRef>
+      <a:fontRef idx="minor">
+        <a:schemeClr val="lt1"/>
+      </a:fontRef>
+    </dgm:style>
+  </dgm:styleLbl>
+  <dgm:styleLbl name="parChTrans2D4">
+    <dgm:scene3d>
+      <a:camera prst="orthographicFront"/>
+      <a:lightRig rig="threePt" dir="t"/>
+    </dgm:scene3d>
+    <dgm:sp3d/>
+    <dgm:txPr/>
+    <dgm:style>
+      <a:lnRef idx="1">
+        <a:scrgbClr r="0" g="0" b="0"/>
+      </a:lnRef>
+      <a:fillRef idx="3">
+        <a:scrgbClr r="0" g="0" b="0"/>
+      </a:fillRef>
+      <a:effectRef idx="2">
+        <a:scrgbClr r="0" g="0" b="0"/>
+      </a:effectRef>
+      <a:fontRef idx="minor">
+        <a:schemeClr val="lt1"/>
+      </a:fontRef>
+    </dgm:style>
+  </dgm:styleLbl>
+  <dgm:styleLbl name="parChTrans1D1">
+    <dgm:scene3d>
+      <a:camera prst="orthographicFront"/>
+      <a:lightRig rig="threePt" dir="t"/>
+    </dgm:scene3d>
+    <dgm:sp3d/>
+    <dgm:txPr/>
+    <dgm:style>
+      <a:lnRef idx="1">
+        <a:scrgbClr r="0" g="0" b="0"/>
+      </a:lnRef>
+      <a:fillRef idx="0">
+        <a:scrgbClr r="0" g="0" b="0"/>
+      </a:fillRef>
+      <a:effectRef idx="0">
+        <a:scrgbClr r="0" g="0" b="0"/>
+      </a:effectRef>
+      <a:fontRef idx="minor"/>
+    </dgm:style>
+  </dgm:styleLbl>
+  <dgm:styleLbl name="parChTrans1D2">
+    <dgm:scene3d>
+      <a:camera prst="orthographicFront"/>
+      <a:lightRig rig="threePt" dir="t"/>
+    </dgm:scene3d>
+    <dgm:sp3d/>
+    <dgm:txPr/>
+    <dgm:style>
+      <a:lnRef idx="1">
+        <a:scrgbClr r="0" g="0" b="0"/>
+      </a:lnRef>
+      <a:fillRef idx="0">
+        <a:scrgbClr r="0" g="0" b="0"/>
+      </a:fillRef>
+      <a:effectRef idx="0">
+        <a:scrgbClr r="0" g="0" b="0"/>
+      </a:effectRef>
+      <a:fontRef idx="minor"/>
+    </dgm:style>
+  </dgm:styleLbl>
+  <dgm:styleLbl name="parChTrans1D3">
+    <dgm:scene3d>
+      <a:camera prst="orthographicFront"/>
+      <a:lightRig rig="threePt" dir="t"/>
+    </dgm:scene3d>
+    <dgm:sp3d/>
+    <dgm:txPr/>
+    <dgm:style>
+      <a:lnRef idx="1">
+        <a:scrgbClr r="0" g="0" b="0"/>
+      </a:lnRef>
+      <a:fillRef idx="0">
+        <a:scrgbClr r="0" g="0" b="0"/>
+      </a:fillRef>
+      <a:effectRef idx="0">
+        <a:scrgbClr r="0" g="0" b="0"/>
+      </a:effectRef>
+      <a:fontRef idx="minor"/>
+    </dgm:style>
+  </dgm:styleLbl>
+  <dgm:styleLbl name="parChTrans1D4">
+    <dgm:scene3d>
+      <a:camera prst="orthographicFront"/>
+      <a:lightRig rig="threePt" dir="t"/>
+    </dgm:scene3d>
+    <dgm:sp3d/>
+    <dgm:txPr/>
+    <dgm:style>
+      <a:lnRef idx="1">
+        <a:scrgbClr r="0" g="0" b="0"/>
+      </a:lnRef>
+      <a:fillRef idx="0">
+        <a:scrgbClr r="0" g="0" b="0"/>
+      </a:fillRef>
+      <a:effectRef idx="0">
+        <a:scrgbClr r="0" g="0" b="0"/>
+      </a:effectRef>
+      <a:fontRef idx="minor"/>
+    </dgm:style>
+  </dgm:styleLbl>
+  <dgm:styleLbl name="fgAcc1">
+    <dgm:scene3d>
+      <a:camera prst="orthographicFront"/>
+      <a:lightRig rig="threePt" dir="t"/>
+    </dgm:scene3d>
+    <dgm:sp3d/>
+    <dgm:txPr/>
+    <dgm:style>
+      <a:lnRef idx="1">
+        <a:scrgbClr r="0" g="0" b="0"/>
+      </a:lnRef>
+      <a:fillRef idx="1">
+        <a:scrgbClr r="0" g="0" b="0"/>
+      </a:fillRef>
+      <a:effectRef idx="0">
+        <a:scrgbClr r="0" g="0" b="0"/>
+      </a:effectRef>
+      <a:fontRef idx="minor"/>
+    </dgm:style>
+  </dgm:styleLbl>
+  <dgm:styleLbl name="conFgAcc1">
+    <dgm:scene3d>
+      <a:camera prst="orthographicFront"/>
+      <a:lightRig rig="threePt" dir="t"/>
+    </dgm:scene3d>
+    <dgm:sp3d/>
+    <dgm:txPr/>
+    <dgm:style>
+      <a:lnRef idx="1">
+        <a:scrgbClr r="0" g="0" b="0"/>
+      </a:lnRef>
+      <a:fillRef idx="1">
+        <a:scrgbClr r="0" g="0" b="0"/>
+      </a:fillRef>
+      <a:effectRef idx="0">
+        <a:scrgbClr r="0" g="0" b="0"/>
+      </a:effectRef>
+      <a:fontRef idx="minor"/>
+    </dgm:style>
+  </dgm:styleLbl>
+  <dgm:styleLbl name="alignAcc1">
+    <dgm:scene3d>
+      <a:camera prst="orthographicFront"/>
+      <a:lightRig rig="threePt" dir="t"/>
+    </dgm:scene3d>
+    <dgm:sp3d/>
+    <dgm:txPr/>
+    <dgm:style>
+      <a:lnRef idx="1">
+        <a:scrgbClr r="0" g="0" b="0"/>
+      </a:lnRef>
+      <a:fillRef idx="1">
+        <a:scrgbClr r="0" g="0" b="0"/>
+      </a:fillRef>
+      <a:effectRef idx="0">
+        <a:scrgbClr r="0" g="0" b="0"/>
+      </a:effectRef>
+      <a:fontRef idx="minor"/>
+    </dgm:style>
+  </dgm:styleLbl>
+  <dgm:styleLbl name="trAlignAcc1">
+    <dgm:scene3d>
+      <a:camera prst="orthographicFront"/>
+      <a:lightRig rig="threePt" dir="t"/>
+    </dgm:scene3d>
+    <dgm:sp3d/>
+    <dgm:txPr/>
+    <dgm:style>
+      <a:lnRef idx="1">
+        <a:scrgbClr r="0" g="0" b="0"/>
+      </a:lnRef>
+      <a:fillRef idx="1">
+        <a:scrgbClr r="0" g="0" b="0"/>
+      </a:fillRef>
+      <a:effectRef idx="0">
+        <a:scrgbClr r="0" g="0" b="0"/>
+      </a:effectRef>
+      <a:fontRef idx="minor"/>
+    </dgm:style>
+  </dgm:styleLbl>
+  <dgm:styleLbl name="bgAcc1">
+    <dgm:scene3d>
+      <a:camera prst="orthographicFront"/>
+      <a:lightRig rig="threePt" dir="t"/>
+    </dgm:scene3d>
+    <dgm:sp3d/>
+    <dgm:txPr/>
+    <dgm:style>
+      <a:lnRef idx="1">
+        <a:scrgbClr r="0" g="0" b="0"/>
+      </a:lnRef>
+      <a:fillRef idx="1">
+        <a:scrgbClr r="0" g="0" b="0"/>
+      </a:fillRef>
+      <a:effectRef idx="0">
+        <a:scrgbClr r="0" g="0" b="0"/>
+      </a:effectRef>
+      <a:fontRef idx="minor"/>
+    </dgm:style>
+  </dgm:styleLbl>
+  <dgm:styleLbl name="solidFgAcc1">
+    <dgm:scene3d>
+      <a:camera prst="orthographicFront"/>
+      <a:lightRig rig="threePt" dir="t"/>
+    </dgm:scene3d>
+    <dgm:sp3d/>
+    <dgm:txPr/>
+    <dgm:style>
+      <a:lnRef idx="1">
+        <a:scrgbClr r="0" g="0" b="0"/>
+      </a:lnRef>
+      <a:fillRef idx="1">
+        <a:scrgbClr r="0" g="0" b="0"/>
+      </a:fillRef>
+      <a:effectRef idx="0">
+        <a:scrgbClr r="0" g="0" b="0"/>
+      </a:effectRef>
+      <a:fontRef idx="minor"/>
+    </dgm:style>
+  </dgm:styleLbl>
+  <dgm:styleLbl name="solidAlignAcc1">
+    <dgm:scene3d>
+      <a:camera prst="orthographicFront"/>
+      <a:lightRig rig="threePt" dir="t"/>
+    </dgm:scene3d>
+    <dgm:sp3d/>
+    <dgm:txPr/>
+    <dgm:style>
+      <a:lnRef idx="1">
+        <a:scrgbClr r="0" g="0" b="0"/>
+      </a:lnRef>
+      <a:fillRef idx="1">
+        <a:scrgbClr r="0" g="0" b="0"/>
+      </a:fillRef>
+      <a:effectRef idx="0">
+        <a:scrgbClr r="0" g="0" b="0"/>
+      </a:effectRef>
+      <a:fontRef idx="minor"/>
+    </dgm:style>
+  </dgm:styleLbl>
+  <dgm:styleLbl name="solidBgAcc1">
+    <dgm:scene3d>
+      <a:camera prst="orthographicFront"/>
+      <a:lightRig rig="threePt" dir="t"/>
+    </dgm:scene3d>
+    <dgm:sp3d/>
+    <dgm:txPr/>
+    <dgm:style>
+      <a:lnRef idx="1">
+        <a:scrgbClr r="0" g="0" b="0"/>
+      </a:lnRef>
+      <a:fillRef idx="1">
+        <a:scrgbClr r="0" g="0" b="0"/>
+      </a:fillRef>
+      <a:effectRef idx="0">
+        <a:scrgbClr r="0" g="0" b="0"/>
+      </a:effectRef>
+      <a:fontRef idx="minor"/>
+    </dgm:style>
+  </dgm:styleLbl>
+  <dgm:styleLbl name="fgAccFollowNode1">
+    <dgm:scene3d>
+      <a:camera prst="orthographicFront"/>
+      <a:lightRig rig="threePt" dir="t"/>
+    </dgm:scene3d>
+    <dgm:sp3d/>
+    <dgm:txPr/>
+    <dgm:style>
+      <a:lnRef idx="1">
+        <a:scrgbClr r="0" g="0" b="0"/>
+      </a:lnRef>
+      <a:fillRef idx="1">
+        <a:scrgbClr r="0" g="0" b="0"/>
+      </a:fillRef>
+      <a:effectRef idx="0">
+        <a:scrgbClr r="0" g="0" b="0"/>
+      </a:effectRef>
+      <a:fontRef idx="minor"/>
+    </dgm:style>
+  </dgm:styleLbl>
+  <dgm:styleLbl name="alignAccFollowNode1">
+    <dgm:scene3d>
+      <a:camera prst="orthographicFront"/>
+      <a:lightRig rig="threePt" dir="t"/>
+    </dgm:scene3d>
+    <dgm:sp3d/>
+    <dgm:txPr/>
+    <dgm:style>
+      <a:lnRef idx="1">
+        <a:scrgbClr r="0" g="0" b="0"/>
+      </a:lnRef>
+      <a:fillRef idx="1">
+        <a:scrgbClr r="0" g="0" b="0"/>
+      </a:fillRef>
+      <a:effectRef idx="0">
+        <a:scrgbClr r="0" g="0" b="0"/>
+      </a:effectRef>
+      <a:fontRef idx="minor"/>
+    </dgm:style>
+  </dgm:styleLbl>
+  <dgm:styleLbl name="bgAccFollowNode1">
+    <dgm:scene3d>
+      <a:camera prst="orthographicFront"/>
+      <a:lightRig rig="threePt" dir="t"/>
+    </dgm:scene3d>
+    <dgm:sp3d/>
+    <dgm:txPr/>
+    <dgm:style>
+      <a:lnRef idx="1">
+        <a:scrgbClr r="0" g="0" b="0"/>
+      </a:lnRef>
+      <a:fillRef idx="1">
+        <a:scrgbClr r="0" g="0" b="0"/>
+      </a:fillRef>
+      <a:effectRef idx="0">
+        <a:scrgbClr r="0" g="0" b="0"/>
+      </a:effectRef>
+      <a:fontRef idx="minor"/>
+    </dgm:style>
+  </dgm:styleLbl>
+  <dgm:styleLbl name="fgAcc0">
+    <dgm:scene3d>
+      <a:camera prst="orthographicFront"/>
+      <a:lightRig rig="threePt" dir="t"/>
+    </dgm:scene3d>
+    <dgm:sp3d/>
+    <dgm:txPr/>
+    <dgm:style>
+      <a:lnRef idx="1">
+        <a:scrgbClr r="0" g="0" b="0"/>
+      </a:lnRef>
+      <a:fillRef idx="1">
+        <a:scrgbClr r="0" g="0" b="0"/>
+      </a:fillRef>
+      <a:effectRef idx="0">
+        <a:scrgbClr r="0" g="0" b="0"/>
+      </a:effectRef>
+      <a:fontRef idx="minor"/>
+    </dgm:style>
+  </dgm:styleLbl>
+  <dgm:styleLbl name="fgAcc2">
+    <dgm:scene3d>
+      <a:camera prst="orthographicFront"/>
+      <a:lightRig rig="threePt" dir="t"/>
+    </dgm:scene3d>
+    <dgm:sp3d/>
+    <dgm:txPr/>
+    <dgm:style>
+      <a:lnRef idx="1">
+        <a:scrgbClr r="0" g="0" b="0"/>
+      </a:lnRef>
+      <a:fillRef idx="1">
+        <a:scrgbClr r="0" g="0" b="0"/>
+      </a:fillRef>
+      <a:effectRef idx="0">
+        <a:scrgbClr r="0" g="0" b="0"/>
+      </a:effectRef>
+      <a:fontRef idx="minor"/>
+    </dgm:style>
+  </dgm:styleLbl>
+  <dgm:styleLbl name="fgAcc3">
+    <dgm:scene3d>
+      <a:camera prst="orthographicFront"/>
+      <a:lightRig rig="threePt" dir="t"/>
+    </dgm:scene3d>
+    <dgm:sp3d/>
+    <dgm:txPr/>
+    <dgm:style>
+      <a:lnRef idx="1">
+        <a:scrgbClr r="0" g="0" b="0"/>
+      </a:lnRef>
+      <a:fillRef idx="1">
+        <a:scrgbClr r="0" g="0" b="0"/>
+      </a:fillRef>
+      <a:effectRef idx="0">
+        <a:scrgbClr r="0" g="0" b="0"/>
+      </a:effectRef>
+      <a:fontRef idx="minor"/>
+    </dgm:style>
+  </dgm:styleLbl>
+  <dgm:styleLbl name="fgAcc4">
+    <dgm:scene3d>
+      <a:camera prst="orthographicFront"/>
+      <a:lightRig rig="threePt" dir="t"/>
+    </dgm:scene3d>
+    <dgm:sp3d/>
+    <dgm:txPr/>
+    <dgm:style>
+      <a:lnRef idx="1">
+        <a:scrgbClr r="0" g="0" b="0"/>
+      </a:lnRef>
+      <a:fillRef idx="1">
+        <a:scrgbClr r="0" g="0" b="0"/>
+      </a:fillRef>
+      <a:effectRef idx="0">
+        <a:scrgbClr r="0" g="0" b="0"/>
+      </a:effectRef>
+      <a:fontRef idx="minor"/>
+    </dgm:style>
+  </dgm:styleLbl>
+  <dgm:styleLbl name="bgShp">
+    <dgm:scene3d>
+      <a:camera prst="orthographicFront"/>
+      <a:lightRig rig="threePt" dir="t"/>
+    </dgm:scene3d>
+    <dgm:sp3d/>
+    <dgm:txPr/>
+    <dgm:style>
+      <a:lnRef idx="0">
+        <a:scrgbClr r="0" g="0" b="0"/>
+      </a:lnRef>
+      <a:fillRef idx="1">
+        <a:scrgbClr r="0" g="0" b="0"/>
+      </a:fillRef>
+      <a:effectRef idx="2">
+        <a:scrgbClr r="0" g="0" b="0"/>
+      </a:effectRef>
+      <a:fontRef idx="minor"/>
+    </dgm:style>
+  </dgm:styleLbl>
+  <dgm:styleLbl name="dkBgShp">
+    <dgm:scene3d>
+      <a:camera prst="orthographicFront"/>
+      <a:lightRig rig="threePt" dir="t"/>
+    </dgm:scene3d>
+    <dgm:sp3d/>
+    <dgm:txPr/>
+    <dgm:style>
+      <a:lnRef idx="0">
+        <a:scrgbClr r="0" g="0" b="0"/>
+      </a:lnRef>
+      <a:fillRef idx="1">
+        <a:scrgbClr r="0" g="0" b="0"/>
+      </a:fillRef>
+      <a:effectRef idx="2">
+        <a:scrgbClr r="0" g="0" b="0"/>
+      </a:effectRef>
+      <a:fontRef idx="minor"/>
+    </dgm:style>
+  </dgm:styleLbl>
+  <dgm:styleLbl name="trBgShp">
+    <dgm:scene3d>
+      <a:camera prst="orthographicFront"/>
+      <a:lightRig rig="threePt" dir="t"/>
+    </dgm:scene3d>
+    <dgm:sp3d/>
+    <dgm:txPr/>
+    <dgm:style>
+      <a:lnRef idx="0">
+        <a:scrgbClr r="0" g="0" b="0"/>
+      </a:lnRef>
+      <a:fillRef idx="1">
+        <a:scrgbClr r="0" g="0" b="0"/>
+      </a:fillRef>
+      <a:effectRef idx="0">
+        <a:scrgbClr r="0" g="0" b="0"/>
+      </a:effectRef>
+      <a:fontRef idx="minor"/>
+    </dgm:style>
+  </dgm:styleLbl>
+  <dgm:styleLbl name="fgShp">
+    <dgm:scene3d>
+      <a:camera prst="orthographicFront"/>
+      <a:lightRig rig="threePt" dir="t"/>
+    </dgm:scene3d>
+    <dgm:sp3d/>
+    <dgm:txPr/>
+    <dgm:style>
+      <a:lnRef idx="0">
+        <a:scrgbClr r="0" g="0" b="0"/>
+      </a:lnRef>
+      <a:fillRef idx="3">
+        <a:scrgbClr r="0" g="0" b="0"/>
+      </a:fillRef>
+      <a:effectRef idx="2">
         <a:scrgbClr r="0" g="0" b="0"/>
       </a:effectRef>
       <a:fontRef idx="minor"/>
@@ -10357,6 +14947,1107 @@
 </p:sld>
 </file>
 
+<file path=ppt/slides/slide10.xml><?xml version="1.0" encoding="utf-8"?>
+<p:sld xmlns:a="http://schemas.openxmlformats.org/drawingml/2006/main" xmlns:r="http://schemas.openxmlformats.org/officeDocument/2006/relationships" xmlns:p="http://schemas.openxmlformats.org/presentationml/2006/main">
+  <p:cSld>
+    <p:spTree>
+      <p:nvGrpSpPr>
+        <p:cNvPr id="1" name=""/>
+        <p:cNvGrpSpPr/>
+        <p:nvPr/>
+      </p:nvGrpSpPr>
+      <p:grpSpPr>
+        <a:xfrm>
+          <a:off x="0" y="0"/>
+          <a:ext cx="0" cy="0"/>
+          <a:chOff x="0" y="0"/>
+          <a:chExt cx="0" cy="0"/>
+        </a:xfrm>
+      </p:grpSpPr>
+      <p:sp>
+        <p:nvSpPr>
+          <p:cNvPr id="2" name="Title 1">
+            <a:extLst>
+              <a:ext uri="{FF2B5EF4-FFF2-40B4-BE49-F238E27FC236}">
+                <a16:creationId xmlns:a16="http://schemas.microsoft.com/office/drawing/2014/main" id="{427C294E-6AAC-7684-3B3F-DCFD7B304AE5}"/>
+              </a:ext>
+            </a:extLst>
+          </p:cNvPr>
+          <p:cNvSpPr>
+            <a:spLocks noGrp="1"/>
+          </p:cNvSpPr>
+          <p:nvPr>
+            <p:ph type="title"/>
+          </p:nvPr>
+        </p:nvSpPr>
+        <p:spPr/>
+        <p:txBody>
+          <a:bodyPr/>
+          <a:lstStyle/>
+          <a:p>
+            <a:r>
+              <a:rPr lang="en-US" dirty="0"/>
+              <a:t>Studies used</a:t>
+            </a:r>
+            <a:endParaRPr lang="en-ZA" dirty="0"/>
+          </a:p>
+        </p:txBody>
+      </p:sp>
+      <p:graphicFrame>
+        <p:nvGraphicFramePr>
+          <p:cNvPr id="6" name="Content Placeholder 5">
+            <a:extLst>
+              <a:ext uri="{FF2B5EF4-FFF2-40B4-BE49-F238E27FC236}">
+                <a16:creationId xmlns:a16="http://schemas.microsoft.com/office/drawing/2014/main" id="{67A4DA51-BFC4-4D21-4164-7C58DB6079FA}"/>
+              </a:ext>
+            </a:extLst>
+          </p:cNvPr>
+          <p:cNvGraphicFramePr>
+            <a:graphicFrameLocks noGrp="1"/>
+          </p:cNvGraphicFramePr>
+          <p:nvPr>
+            <p:ph idx="1"/>
+            <p:extLst>
+              <p:ext uri="{D42A27DB-BD31-4B8C-83A1-F6EECF244321}">
+                <p14:modId xmlns:p14="http://schemas.microsoft.com/office/powerpoint/2010/main" val="535129023"/>
+              </p:ext>
+            </p:extLst>
+          </p:nvPr>
+        </p:nvGraphicFramePr>
+        <p:xfrm>
+          <a:off x="681038" y="2336800"/>
+          <a:ext cx="9613900" cy="3598863"/>
+        </p:xfrm>
+        <a:graphic>
+          <a:graphicData uri="http://schemas.openxmlformats.org/drawingml/2006/chart">
+            <c:chart xmlns:c="http://schemas.openxmlformats.org/drawingml/2006/chart" xmlns:r="http://schemas.openxmlformats.org/officeDocument/2006/relationships" r:id="rId2"/>
+          </a:graphicData>
+        </a:graphic>
+      </p:graphicFrame>
+    </p:spTree>
+    <p:extLst>
+      <p:ext uri="{BB962C8B-B14F-4D97-AF65-F5344CB8AC3E}">
+        <p14:creationId xmlns:p14="http://schemas.microsoft.com/office/powerpoint/2010/main" val="4185902406"/>
+      </p:ext>
+    </p:extLst>
+  </p:cSld>
+  <p:clrMapOvr>
+    <a:masterClrMapping/>
+  </p:clrMapOvr>
+</p:sld>
+</file>
+
+<file path=ppt/slides/slide11.xml><?xml version="1.0" encoding="utf-8"?>
+<p:sld xmlns:a="http://schemas.openxmlformats.org/drawingml/2006/main" xmlns:r="http://schemas.openxmlformats.org/officeDocument/2006/relationships" xmlns:p="http://schemas.openxmlformats.org/presentationml/2006/main">
+  <p:cSld>
+    <p:spTree>
+      <p:nvGrpSpPr>
+        <p:cNvPr id="1" name=""/>
+        <p:cNvGrpSpPr/>
+        <p:nvPr/>
+      </p:nvGrpSpPr>
+      <p:grpSpPr>
+        <a:xfrm>
+          <a:off x="0" y="0"/>
+          <a:ext cx="0" cy="0"/>
+          <a:chOff x="0" y="0"/>
+          <a:chExt cx="0" cy="0"/>
+        </a:xfrm>
+      </p:grpSpPr>
+      <p:sp>
+        <p:nvSpPr>
+          <p:cNvPr id="2" name="Title 1">
+            <a:extLst>
+              <a:ext uri="{FF2B5EF4-FFF2-40B4-BE49-F238E27FC236}">
+                <a16:creationId xmlns:a16="http://schemas.microsoft.com/office/drawing/2014/main" id="{427C294E-6AAC-7684-3B3F-DCFD7B304AE5}"/>
+              </a:ext>
+            </a:extLst>
+          </p:cNvPr>
+          <p:cNvSpPr>
+            <a:spLocks noGrp="1"/>
+          </p:cNvSpPr>
+          <p:nvPr>
+            <p:ph type="title"/>
+          </p:nvPr>
+        </p:nvSpPr>
+        <p:spPr/>
+        <p:txBody>
+          <a:bodyPr/>
+          <a:lstStyle/>
+          <a:p>
+            <a:r>
+              <a:rPr lang="en-US" dirty="0"/>
+              <a:t>Studies focused on</a:t>
+            </a:r>
+            <a:endParaRPr lang="en-ZA" dirty="0"/>
+          </a:p>
+        </p:txBody>
+      </p:sp>
+      <p:graphicFrame>
+        <p:nvGraphicFramePr>
+          <p:cNvPr id="6" name="Content Placeholder 5">
+            <a:extLst>
+              <a:ext uri="{FF2B5EF4-FFF2-40B4-BE49-F238E27FC236}">
+                <a16:creationId xmlns:a16="http://schemas.microsoft.com/office/drawing/2014/main" id="{67A4DA51-BFC4-4D21-4164-7C58DB6079FA}"/>
+              </a:ext>
+            </a:extLst>
+          </p:cNvPr>
+          <p:cNvGraphicFramePr>
+            <a:graphicFrameLocks noGrp="1"/>
+          </p:cNvGraphicFramePr>
+          <p:nvPr>
+            <p:ph idx="1"/>
+            <p:extLst>
+              <p:ext uri="{D42A27DB-BD31-4B8C-83A1-F6EECF244321}">
+                <p14:modId xmlns:p14="http://schemas.microsoft.com/office/powerpoint/2010/main" val="624135405"/>
+              </p:ext>
+            </p:extLst>
+          </p:nvPr>
+        </p:nvGraphicFramePr>
+        <p:xfrm>
+          <a:off x="681038" y="2336800"/>
+          <a:ext cx="9613900" cy="3598863"/>
+        </p:xfrm>
+        <a:graphic>
+          <a:graphicData uri="http://schemas.openxmlformats.org/drawingml/2006/chart">
+            <c:chart xmlns:c="http://schemas.openxmlformats.org/drawingml/2006/chart" xmlns:r="http://schemas.openxmlformats.org/officeDocument/2006/relationships" r:id="rId2"/>
+          </a:graphicData>
+        </a:graphic>
+      </p:graphicFrame>
+    </p:spTree>
+    <p:extLst>
+      <p:ext uri="{BB962C8B-B14F-4D97-AF65-F5344CB8AC3E}">
+        <p14:creationId xmlns:p14="http://schemas.microsoft.com/office/powerpoint/2010/main" val="1999634658"/>
+      </p:ext>
+    </p:extLst>
+  </p:cSld>
+  <p:clrMapOvr>
+    <a:masterClrMapping/>
+  </p:clrMapOvr>
+</p:sld>
+</file>
+
+<file path=ppt/slides/slide12.xml><?xml version="1.0" encoding="utf-8"?>
+<p:sld xmlns:a="http://schemas.openxmlformats.org/drawingml/2006/main" xmlns:r="http://schemas.openxmlformats.org/officeDocument/2006/relationships" xmlns:p="http://schemas.openxmlformats.org/presentationml/2006/main">
+  <p:cSld>
+    <p:bg>
+      <p:bgPr>
+        <a:gradFill rotWithShape="1">
+          <a:gsLst>
+            <a:gs pos="0">
+              <a:schemeClr val="bg2">
+                <a:tint val="96000"/>
+                <a:shade val="100000"/>
+                <a:hueMod val="270000"/>
+                <a:satMod val="200000"/>
+                <a:lumMod val="128000"/>
+              </a:schemeClr>
+            </a:gs>
+            <a:gs pos="50000">
+              <a:schemeClr val="bg2">
+                <a:shade val="100000"/>
+                <a:hueMod val="100000"/>
+                <a:satMod val="110000"/>
+                <a:lumMod val="130000"/>
+              </a:schemeClr>
+            </a:gs>
+            <a:gs pos="100000">
+              <a:schemeClr val="bg2">
+                <a:shade val="78000"/>
+                <a:hueMod val="44000"/>
+                <a:satMod val="200000"/>
+                <a:lumMod val="69000"/>
+              </a:schemeClr>
+            </a:gs>
+          </a:gsLst>
+          <a:lin ang="2520000" scaled="0"/>
+        </a:gradFill>
+        <a:effectLst/>
+      </p:bgPr>
+    </p:bg>
+    <p:spTree>
+      <p:nvGrpSpPr>
+        <p:cNvPr id="1" name=""/>
+        <p:cNvGrpSpPr/>
+        <p:nvPr/>
+      </p:nvGrpSpPr>
+      <p:grpSpPr>
+        <a:xfrm>
+          <a:off x="0" y="0"/>
+          <a:ext cx="0" cy="0"/>
+          <a:chOff x="0" y="0"/>
+          <a:chExt cx="0" cy="0"/>
+        </a:xfrm>
+      </p:grpSpPr>
+      <p:sp>
+        <p:nvSpPr>
+          <p:cNvPr id="2" name="Title 1">
+            <a:extLst>
+              <a:ext uri="{FF2B5EF4-FFF2-40B4-BE49-F238E27FC236}">
+                <a16:creationId xmlns:a16="http://schemas.microsoft.com/office/drawing/2014/main" id="{4ABFFA48-5FC2-7C25-AD3F-FC4D1E87C621}"/>
+              </a:ext>
+            </a:extLst>
+          </p:cNvPr>
+          <p:cNvSpPr>
+            <a:spLocks noGrp="1"/>
+          </p:cNvSpPr>
+          <p:nvPr>
+            <p:ph type="title"/>
+          </p:nvPr>
+        </p:nvSpPr>
+        <p:spPr>
+          <a:xfrm>
+            <a:off x="680321" y="753228"/>
+            <a:ext cx="9613861" cy="1080938"/>
+          </a:xfrm>
+        </p:spPr>
+        <p:txBody>
+          <a:bodyPr>
+            <a:normAutofit/>
+          </a:bodyPr>
+          <a:lstStyle/>
+          <a:p>
+            <a:r>
+              <a:rPr lang="en-US"/>
+              <a:t>Benveniste et al. 2010</a:t>
+            </a:r>
+            <a:endParaRPr lang="en-ZA"/>
+          </a:p>
+        </p:txBody>
+      </p:sp>
+      <p:pic>
+        <p:nvPicPr>
+          <p:cNvPr id="6" name="Picture 5" descr="Chart&#10;&#10;Description automatically generated">
+            <a:extLst>
+              <a:ext uri="{FF2B5EF4-FFF2-40B4-BE49-F238E27FC236}">
+                <a16:creationId xmlns:a16="http://schemas.microsoft.com/office/drawing/2014/main" id="{AB6019D3-EA5B-3CE7-DB50-D347A704C3E1}"/>
+              </a:ext>
+            </a:extLst>
+          </p:cNvPr>
+          <p:cNvPicPr>
+            <a:picLocks noChangeAspect="1"/>
+          </p:cNvPicPr>
+          <p:nvPr/>
+        </p:nvPicPr>
+        <p:blipFill>
+          <a:blip r:embed="rId2">
+            <a:extLst>
+              <a:ext uri="{28A0092B-C50C-407E-A947-70E740481C1C}">
+                <a14:useLocalDpi xmlns:a14="http://schemas.microsoft.com/office/drawing/2010/main" val="0"/>
+              </a:ext>
+            </a:extLst>
+          </a:blip>
+          <a:stretch>
+            <a:fillRect/>
+          </a:stretch>
+        </p:blipFill>
+        <p:spPr>
+          <a:xfrm>
+            <a:off x="6096000" y="2599662"/>
+            <a:ext cx="5639886" cy="3073737"/>
+          </a:xfrm>
+          <a:prstGeom prst="rect">
+            <a:avLst/>
+          </a:prstGeom>
+          <a:ln>
+            <a:noFill/>
+          </a:ln>
+          <a:effectLst>
+            <a:outerShdw blurRad="76200" dist="63500" dir="5040000" algn="tl" rotWithShape="0">
+              <a:srgbClr val="000000">
+                <a:alpha val="41000"/>
+              </a:srgbClr>
+            </a:outerShdw>
+          </a:effectLst>
+        </p:spPr>
+      </p:pic>
+      <p:graphicFrame>
+        <p:nvGraphicFramePr>
+          <p:cNvPr id="5" name="Content Placeholder 2">
+            <a:extLst>
+              <a:ext uri="{FF2B5EF4-FFF2-40B4-BE49-F238E27FC236}">
+                <a16:creationId xmlns:a16="http://schemas.microsoft.com/office/drawing/2014/main" id="{BBD13F56-8DD5-0897-F9F9-72383ED10C35}"/>
+              </a:ext>
+            </a:extLst>
+          </p:cNvPr>
+          <p:cNvGraphicFramePr>
+            <a:graphicFrameLocks noGrp="1"/>
+          </p:cNvGraphicFramePr>
+          <p:nvPr>
+            <p:ph idx="1"/>
+            <p:extLst>
+              <p:ext uri="{D42A27DB-BD31-4B8C-83A1-F6EECF244321}">
+                <p14:modId xmlns:p14="http://schemas.microsoft.com/office/powerpoint/2010/main" val="3752394417"/>
+              </p:ext>
+            </p:extLst>
+          </p:nvPr>
+        </p:nvGraphicFramePr>
+        <p:xfrm>
+          <a:off x="680322" y="2336872"/>
+          <a:ext cx="5141980" cy="3767900"/>
+        </p:xfrm>
+        <a:graphic>
+          <a:graphicData uri="http://schemas.openxmlformats.org/drawingml/2006/diagram">
+            <dgm:relIds xmlns:dgm="http://schemas.openxmlformats.org/drawingml/2006/diagram" xmlns:r="http://schemas.openxmlformats.org/officeDocument/2006/relationships" r:dm="rId3" r:lo="rId4" r:qs="rId5" r:cs="rId6"/>
+          </a:graphicData>
+        </a:graphic>
+      </p:graphicFrame>
+    </p:spTree>
+    <p:extLst>
+      <p:ext uri="{BB962C8B-B14F-4D97-AF65-F5344CB8AC3E}">
+        <p14:creationId xmlns:p14="http://schemas.microsoft.com/office/powerpoint/2010/main" val="1896132236"/>
+      </p:ext>
+    </p:extLst>
+  </p:cSld>
+  <p:clrMapOvr>
+    <a:masterClrMapping/>
+  </p:clrMapOvr>
+</p:sld>
+</file>
+
+<file path=ppt/slides/slide13.xml><?xml version="1.0" encoding="utf-8"?>
+<p:sld xmlns:a="http://schemas.openxmlformats.org/drawingml/2006/main" xmlns:r="http://schemas.openxmlformats.org/officeDocument/2006/relationships" xmlns:p="http://schemas.openxmlformats.org/presentationml/2006/main">
+  <p:cSld>
+    <p:spTree>
+      <p:nvGrpSpPr>
+        <p:cNvPr id="1" name=""/>
+        <p:cNvGrpSpPr/>
+        <p:nvPr/>
+      </p:nvGrpSpPr>
+      <p:grpSpPr>
+        <a:xfrm>
+          <a:off x="0" y="0"/>
+          <a:ext cx="0" cy="0"/>
+          <a:chOff x="0" y="0"/>
+          <a:chExt cx="0" cy="0"/>
+        </a:xfrm>
+      </p:grpSpPr>
+      <p:sp>
+        <p:nvSpPr>
+          <p:cNvPr id="2" name="Title 1">
+            <a:extLst>
+              <a:ext uri="{FF2B5EF4-FFF2-40B4-BE49-F238E27FC236}">
+                <a16:creationId xmlns:a16="http://schemas.microsoft.com/office/drawing/2014/main" id="{71CF0206-8842-BCB7-9186-1381BCB2C4C4}"/>
+              </a:ext>
+            </a:extLst>
+          </p:cNvPr>
+          <p:cNvSpPr>
+            <a:spLocks noGrp="1"/>
+          </p:cNvSpPr>
+          <p:nvPr>
+            <p:ph type="title"/>
+          </p:nvPr>
+        </p:nvSpPr>
+        <p:spPr/>
+        <p:txBody>
+          <a:bodyPr/>
+          <a:lstStyle/>
+          <a:p>
+            <a:r>
+              <a:rPr lang="en-US" dirty="0"/>
+              <a:t>Cutler et al. 2015</a:t>
+            </a:r>
+            <a:endParaRPr lang="en-ZA" dirty="0"/>
+          </a:p>
+        </p:txBody>
+      </p:sp>
+      <p:sp>
+        <p:nvSpPr>
+          <p:cNvPr id="3" name="Content Placeholder 2">
+            <a:extLst>
+              <a:ext uri="{FF2B5EF4-FFF2-40B4-BE49-F238E27FC236}">
+                <a16:creationId xmlns:a16="http://schemas.microsoft.com/office/drawing/2014/main" id="{DBB7E62C-53A3-AC8F-6187-21F7A6B9E5C4}"/>
+              </a:ext>
+            </a:extLst>
+          </p:cNvPr>
+          <p:cNvSpPr>
+            <a:spLocks noGrp="1"/>
+          </p:cNvSpPr>
+          <p:nvPr>
+            <p:ph idx="1"/>
+          </p:nvPr>
+        </p:nvSpPr>
+        <p:spPr/>
+        <p:txBody>
+          <a:bodyPr/>
+          <a:lstStyle/>
+          <a:p>
+            <a:pPr marL="0" indent="0">
+              <a:buNone/>
+            </a:pPr>
+            <a:r>
+              <a:rPr lang="en-US" dirty="0"/>
+              <a:t>Games on Nintendo DS, apple iPad and other devices playing musical/instrumental games as well as other games.</a:t>
+            </a:r>
+          </a:p>
+          <a:p>
+            <a:pPr marL="0" indent="0">
+              <a:buNone/>
+            </a:pPr>
+            <a:endParaRPr lang="en-ZA" dirty="0"/>
+          </a:p>
+          <a:p>
+            <a:pPr marL="0" indent="0">
+              <a:buNone/>
+            </a:pPr>
+            <a:r>
+              <a:rPr lang="en-ZA" dirty="0"/>
+              <a:t>Acceptance/Enjoyment:</a:t>
+            </a:r>
+          </a:p>
+          <a:p>
+            <a:pPr marL="0" indent="0">
+              <a:buNone/>
+            </a:pPr>
+            <a:r>
+              <a:rPr lang="en-ZA" dirty="0"/>
+              <a:t>Learning to use new technology was the most enjoyable aspect of the sessions.</a:t>
+            </a:r>
+            <a:br>
+              <a:rPr lang="en-ZA" dirty="0"/>
+            </a:br>
+            <a:r>
+              <a:rPr lang="en-ZA" dirty="0"/>
+              <a:t>Participants feel highly motivated to learn new skills.</a:t>
+            </a:r>
+            <a:br>
+              <a:rPr lang="en-ZA" dirty="0"/>
+            </a:br>
+            <a:r>
+              <a:rPr lang="en-ZA" dirty="0"/>
+              <a:t>Digital physical activity games were found to be enjoyable.</a:t>
+            </a:r>
+          </a:p>
+        </p:txBody>
+      </p:sp>
+    </p:spTree>
+    <p:extLst>
+      <p:ext uri="{BB962C8B-B14F-4D97-AF65-F5344CB8AC3E}">
+        <p14:creationId xmlns:p14="http://schemas.microsoft.com/office/powerpoint/2010/main" val="1910592795"/>
+      </p:ext>
+    </p:extLst>
+  </p:cSld>
+  <p:clrMapOvr>
+    <a:masterClrMapping/>
+  </p:clrMapOvr>
+</p:sld>
+</file>
+
+<file path=ppt/slides/slide14.xml><?xml version="1.0" encoding="utf-8"?>
+<p:sld xmlns:a="http://schemas.openxmlformats.org/drawingml/2006/main" xmlns:r="http://schemas.openxmlformats.org/officeDocument/2006/relationships" xmlns:p="http://schemas.openxmlformats.org/presentationml/2006/main">
+  <p:cSld>
+    <p:spTree>
+      <p:nvGrpSpPr>
+        <p:cNvPr id="1" name=""/>
+        <p:cNvGrpSpPr/>
+        <p:nvPr/>
+      </p:nvGrpSpPr>
+      <p:grpSpPr>
+        <a:xfrm>
+          <a:off x="0" y="0"/>
+          <a:ext cx="0" cy="0"/>
+          <a:chOff x="0" y="0"/>
+          <a:chExt cx="0" cy="0"/>
+        </a:xfrm>
+      </p:grpSpPr>
+      <p:sp>
+        <p:nvSpPr>
+          <p:cNvPr id="2" name="Title 1">
+            <a:extLst>
+              <a:ext uri="{FF2B5EF4-FFF2-40B4-BE49-F238E27FC236}">
+                <a16:creationId xmlns:a16="http://schemas.microsoft.com/office/drawing/2014/main" id="{6A6F2A55-B7B1-5874-B665-8B2D1C540F9A}"/>
+              </a:ext>
+            </a:extLst>
+          </p:cNvPr>
+          <p:cNvSpPr>
+            <a:spLocks noGrp="1"/>
+          </p:cNvSpPr>
+          <p:nvPr>
+            <p:ph type="title"/>
+          </p:nvPr>
+        </p:nvSpPr>
+        <p:spPr/>
+        <p:txBody>
+          <a:bodyPr/>
+          <a:lstStyle/>
+          <a:p>
+            <a:r>
+              <a:rPr lang="en-US"/>
+              <a:t>Lee et al. 2013</a:t>
+            </a:r>
+            <a:endParaRPr lang="en-ZA" dirty="0"/>
+          </a:p>
+        </p:txBody>
+      </p:sp>
+      <p:sp>
+        <p:nvSpPr>
+          <p:cNvPr id="3" name="Content Placeholder 2">
+            <a:extLst>
+              <a:ext uri="{FF2B5EF4-FFF2-40B4-BE49-F238E27FC236}">
+                <a16:creationId xmlns:a16="http://schemas.microsoft.com/office/drawing/2014/main" id="{ED86FE2E-6C17-ADC3-CA83-9AEFB90FF8D2}"/>
+              </a:ext>
+            </a:extLst>
+          </p:cNvPr>
+          <p:cNvSpPr>
+            <a:spLocks noGrp="1"/>
+          </p:cNvSpPr>
+          <p:nvPr>
+            <p:ph idx="1"/>
+          </p:nvPr>
+        </p:nvSpPr>
+        <p:spPr/>
+        <p:txBody>
+          <a:bodyPr>
+            <a:normAutofit lnSpcReduction="10000"/>
+          </a:bodyPr>
+          <a:lstStyle/>
+          <a:p>
+            <a:pPr marL="0" indent="0">
+              <a:buNone/>
+            </a:pPr>
+            <a:r>
+              <a:rPr lang="en-US" dirty="0"/>
+              <a:t>CELP (Computer error-less learning program) using a touch screen-screen notebook computer.</a:t>
+            </a:r>
+            <a:br>
+              <a:rPr lang="en-ZA" dirty="0"/>
+            </a:br>
+            <a:r>
+              <a:rPr lang="en-ZA" dirty="0"/>
+              <a:t>Training of attention, working memory and focus on one memory training theme</a:t>
+            </a:r>
+          </a:p>
+          <a:p>
+            <a:pPr marL="0" indent="0">
+              <a:buNone/>
+            </a:pPr>
+            <a:r>
+              <a:rPr lang="en-ZA" dirty="0"/>
+              <a:t>Acceptance/Enjoyment:</a:t>
+            </a:r>
+            <a:br>
+              <a:rPr lang="en-US" dirty="0"/>
+            </a:br>
+            <a:r>
+              <a:rPr lang="en-US" dirty="0"/>
+              <a:t>Participants enjoyed the memory training and found them to be helpful for their daily life.</a:t>
+            </a:r>
+          </a:p>
+          <a:p>
+            <a:pPr marL="0" indent="0">
+              <a:buNone/>
+            </a:pPr>
+            <a:r>
+              <a:rPr lang="en-US" dirty="0"/>
+              <a:t>Cognitive function:</a:t>
+            </a:r>
+            <a:br>
+              <a:rPr lang="en-ZA" dirty="0"/>
+            </a:br>
+            <a:r>
+              <a:rPr lang="en-ZA" dirty="0"/>
+              <a:t>Experienced greater cognitive improvement for CELP than TELP (Therapist-led errorless learning program)</a:t>
+            </a:r>
+            <a:endParaRPr lang="en-US" dirty="0"/>
+          </a:p>
+        </p:txBody>
+      </p:sp>
+    </p:spTree>
+    <p:extLst>
+      <p:ext uri="{BB962C8B-B14F-4D97-AF65-F5344CB8AC3E}">
+        <p14:creationId xmlns:p14="http://schemas.microsoft.com/office/powerpoint/2010/main" val="3870061207"/>
+      </p:ext>
+    </p:extLst>
+  </p:cSld>
+  <p:clrMapOvr>
+    <a:masterClrMapping/>
+  </p:clrMapOvr>
+</p:sld>
+</file>
+
+<file path=ppt/slides/slide15.xml><?xml version="1.0" encoding="utf-8"?>
+<p:sld xmlns:a="http://schemas.openxmlformats.org/drawingml/2006/main" xmlns:r="http://schemas.openxmlformats.org/officeDocument/2006/relationships" xmlns:p="http://schemas.openxmlformats.org/presentationml/2006/main">
+  <p:cSld>
+    <p:bg>
+      <p:bgPr>
+        <a:gradFill rotWithShape="1">
+          <a:gsLst>
+            <a:gs pos="0">
+              <a:schemeClr val="bg2">
+                <a:tint val="96000"/>
+                <a:shade val="100000"/>
+                <a:hueMod val="270000"/>
+                <a:satMod val="200000"/>
+                <a:lumMod val="128000"/>
+              </a:schemeClr>
+            </a:gs>
+            <a:gs pos="50000">
+              <a:schemeClr val="bg2">
+                <a:shade val="100000"/>
+                <a:hueMod val="100000"/>
+                <a:satMod val="110000"/>
+                <a:lumMod val="130000"/>
+              </a:schemeClr>
+            </a:gs>
+            <a:gs pos="100000">
+              <a:schemeClr val="bg2">
+                <a:shade val="78000"/>
+                <a:hueMod val="44000"/>
+                <a:satMod val="200000"/>
+                <a:lumMod val="69000"/>
+              </a:schemeClr>
+            </a:gs>
+          </a:gsLst>
+          <a:lin ang="2520000" scaled="0"/>
+        </a:gradFill>
+        <a:effectLst/>
+      </p:bgPr>
+    </p:bg>
+    <p:spTree>
+      <p:nvGrpSpPr>
+        <p:cNvPr id="1" name=""/>
+        <p:cNvGrpSpPr/>
+        <p:nvPr/>
+      </p:nvGrpSpPr>
+      <p:grpSpPr>
+        <a:xfrm>
+          <a:off x="0" y="0"/>
+          <a:ext cx="0" cy="0"/>
+          <a:chOff x="0" y="0"/>
+          <a:chExt cx="0" cy="0"/>
+        </a:xfrm>
+      </p:grpSpPr>
+      <p:sp useBgFill="1">
+        <p:nvSpPr>
+          <p:cNvPr id="15" name="Rectangle 7">
+            <a:extLst>
+              <a:ext uri="{FF2B5EF4-FFF2-40B4-BE49-F238E27FC236}">
+                <a16:creationId xmlns:a16="http://schemas.microsoft.com/office/drawing/2014/main" id="{2E64DAFB-AD9A-4E52-B026-8641CCD677AE}"/>
+              </a:ext>
+              <a:ext uri="{C183D7F6-B498-43B3-948B-1728B52AA6E4}">
+                <adec:decorative xmlns:adec="http://schemas.microsoft.com/office/drawing/2017/decorative" val="1"/>
+              </a:ext>
+            </a:extLst>
+          </p:cNvPr>
+          <p:cNvSpPr>
+            <a:spLocks noGrp="1" noRot="1" noChangeAspect="1" noMove="1" noResize="1" noEditPoints="1" noAdjustHandles="1" noChangeArrowheads="1" noChangeShapeType="1" noTextEdit="1"/>
+          </p:cNvSpPr>
+          <p:nvPr>
+            <p:extLst>
+              <p:ext uri="{386F3935-93C4-4BCD-93E2-E3B085C9AB24}">
+                <p16:designElem xmlns:p16="http://schemas.microsoft.com/office/powerpoint/2015/main" val="1"/>
+              </p:ext>
+            </p:extLst>
+          </p:nvPr>
+        </p:nvSpPr>
+        <p:spPr>
+          <a:xfrm>
+            <a:off x="0" y="1"/>
+            <a:ext cx="12197471" cy="6857999"/>
+          </a:xfrm>
+          <a:prstGeom prst="rect">
+            <a:avLst/>
+          </a:prstGeom>
+          <a:ln>
+            <a:noFill/>
+          </a:ln>
+        </p:spPr>
+        <p:style>
+          <a:lnRef idx="2">
+            <a:schemeClr val="accent1">
+              <a:shade val="50000"/>
+            </a:schemeClr>
+          </a:lnRef>
+          <a:fillRef idx="1">
+            <a:schemeClr val="accent1"/>
+          </a:fillRef>
+          <a:effectRef idx="0">
+            <a:schemeClr val="accent1"/>
+          </a:effectRef>
+          <a:fontRef idx="minor">
+            <a:schemeClr val="lt1"/>
+          </a:fontRef>
+        </p:style>
+        <p:txBody>
+          <a:bodyPr rtlCol="0" anchor="ctr"/>
+          <a:lstStyle/>
+          <a:p>
+            <a:pPr algn="ctr"/>
+            <a:endParaRPr lang="en-US"/>
+          </a:p>
+        </p:txBody>
+      </p:sp>
+      <p:pic>
+        <p:nvPicPr>
+          <p:cNvPr id="17" name="Picture 9">
+            <a:extLst>
+              <a:ext uri="{FF2B5EF4-FFF2-40B4-BE49-F238E27FC236}">
+                <a16:creationId xmlns:a16="http://schemas.microsoft.com/office/drawing/2014/main" id="{23B1C8FC-E1FE-470B-AB3B-D4B1D8C9DEC8}"/>
+              </a:ext>
+              <a:ext uri="{C183D7F6-B498-43B3-948B-1728B52AA6E4}">
+                <adec:decorative xmlns:adec="http://schemas.microsoft.com/office/drawing/2017/decorative" val="1"/>
+              </a:ext>
+            </a:extLst>
+          </p:cNvPr>
+          <p:cNvPicPr>
+            <a:picLocks noGrp="1" noRot="1" noChangeAspect="1" noMove="1" noResize="1" noEditPoints="1" noAdjustHandles="1" noChangeArrowheads="1" noChangeShapeType="1" noCrop="1"/>
+          </p:cNvPicPr>
+          <p:nvPr>
+            <p:extLst>
+              <p:ext uri="{386F3935-93C4-4BCD-93E2-E3B085C9AB24}">
+                <p16:designElem xmlns:p16="http://schemas.microsoft.com/office/powerpoint/2015/main" val="1"/>
+              </p:ext>
+            </p:extLst>
+          </p:nvPr>
+        </p:nvPicPr>
+        <p:blipFill>
+          <a:blip r:embed="rId2">
+            <a:alphaModFix amt="10000"/>
+            <a:extLst>
+              <a:ext uri="{28A0092B-C50C-407E-A947-70E740481C1C}">
+                <a14:useLocalDpi xmlns:a14="http://schemas.microsoft.com/office/drawing/2010/main" val="0"/>
+              </a:ext>
+            </a:extLst>
+          </a:blip>
+          <a:stretch>
+            <a:fillRect/>
+          </a:stretch>
+        </p:blipFill>
+        <p:spPr>
+          <a:xfrm>
+            <a:off x="0" y="0"/>
+            <a:ext cx="12192000" cy="6858000"/>
+          </a:xfrm>
+          <a:prstGeom prst="rect">
+            <a:avLst/>
+          </a:prstGeom>
+        </p:spPr>
+      </p:pic>
+      <p:sp>
+        <p:nvSpPr>
+          <p:cNvPr id="2" name="Title 1">
+            <a:extLst>
+              <a:ext uri="{FF2B5EF4-FFF2-40B4-BE49-F238E27FC236}">
+                <a16:creationId xmlns:a16="http://schemas.microsoft.com/office/drawing/2014/main" id="{C59497B7-444C-339D-501D-8BF2626D5D9C}"/>
+              </a:ext>
+            </a:extLst>
+          </p:cNvPr>
+          <p:cNvSpPr>
+            <a:spLocks noGrp="1"/>
+          </p:cNvSpPr>
+          <p:nvPr>
+            <p:ph type="title"/>
+          </p:nvPr>
+        </p:nvSpPr>
+        <p:spPr>
+          <a:xfrm>
+            <a:off x="680322" y="321733"/>
+            <a:ext cx="9256566" cy="845983"/>
+          </a:xfrm>
+          <a:effectLst>
+            <a:outerShdw blurRad="88900" dist="38100" dir="2700000" algn="tl" rotWithShape="0">
+              <a:prstClr val="black">
+                <a:alpha val="30000"/>
+              </a:prstClr>
+            </a:outerShdw>
+          </a:effectLst>
+        </p:spPr>
+        <p:txBody>
+          <a:bodyPr anchor="b">
+            <a:normAutofit/>
+          </a:bodyPr>
+          <a:lstStyle/>
+          <a:p>
+            <a:r>
+              <a:rPr lang="en-US" dirty="0"/>
+              <a:t>Conclusion</a:t>
+            </a:r>
+            <a:endParaRPr lang="en-ZA" dirty="0"/>
+          </a:p>
+        </p:txBody>
+      </p:sp>
+      <p:pic>
+        <p:nvPicPr>
+          <p:cNvPr id="19" name="Picture 11">
+            <a:extLst>
+              <a:ext uri="{FF2B5EF4-FFF2-40B4-BE49-F238E27FC236}">
+                <a16:creationId xmlns:a16="http://schemas.microsoft.com/office/drawing/2014/main" id="{56ED1086-4FBF-41E3-B23D-0AF086E76F1B}"/>
+              </a:ext>
+              <a:ext uri="{C183D7F6-B498-43B3-948B-1728B52AA6E4}">
+                <adec:decorative xmlns:adec="http://schemas.microsoft.com/office/drawing/2017/decorative" val="1"/>
+              </a:ext>
+            </a:extLst>
+          </p:cNvPr>
+          <p:cNvPicPr>
+            <a:picLocks noGrp="1" noRot="1" noChangeAspect="1" noMove="1" noResize="1" noEditPoints="1" noAdjustHandles="1" noChangeArrowheads="1" noChangeShapeType="1" noCrop="1"/>
+          </p:cNvPicPr>
+          <p:nvPr>
+            <p:extLst>
+              <p:ext uri="{386F3935-93C4-4BCD-93E2-E3B085C9AB24}">
+                <p16:designElem xmlns:p16="http://schemas.microsoft.com/office/powerpoint/2015/main" val="1"/>
+              </p:ext>
+            </p:extLst>
+          </p:nvPr>
+        </p:nvPicPr>
+        <p:blipFill>
+          <a:blip r:embed="rId3" cstate="print">
+            <a:extLst>
+              <a:ext uri="{28A0092B-C50C-407E-A947-70E740481C1C}">
+                <a14:useLocalDpi xmlns:a14="http://schemas.microsoft.com/office/drawing/2010/main" val="0"/>
+              </a:ext>
+            </a:extLst>
+          </a:blip>
+          <a:stretch>
+            <a:fillRect/>
+          </a:stretch>
+        </p:blipFill>
+        <p:spPr>
+          <a:xfrm>
+            <a:off x="10585826" y="2846786"/>
+            <a:ext cx="1602997" cy="144270"/>
+          </a:xfrm>
+          <a:prstGeom prst="rect">
+            <a:avLst/>
+          </a:prstGeom>
+        </p:spPr>
+      </p:pic>
+      <p:pic>
+        <p:nvPicPr>
+          <p:cNvPr id="14" name="Picture 13">
+            <a:extLst>
+              <a:ext uri="{FF2B5EF4-FFF2-40B4-BE49-F238E27FC236}">
+                <a16:creationId xmlns:a16="http://schemas.microsoft.com/office/drawing/2014/main" id="{8900C04C-9973-40F3-8121-55AC6A47263E}"/>
+              </a:ext>
+              <a:ext uri="{C183D7F6-B498-43B3-948B-1728B52AA6E4}">
+                <adec:decorative xmlns:adec="http://schemas.microsoft.com/office/drawing/2017/decorative" val="1"/>
+              </a:ext>
+            </a:extLst>
+          </p:cNvPr>
+          <p:cNvPicPr>
+            <a:picLocks noGrp="1" noRot="1" noChangeAspect="1" noMove="1" noResize="1" noEditPoints="1" noAdjustHandles="1" noChangeArrowheads="1" noChangeShapeType="1" noCrop="1"/>
+          </p:cNvPicPr>
+          <p:nvPr>
+            <p:extLst>
+              <p:ext uri="{386F3935-93C4-4BCD-93E2-E3B085C9AB24}">
+                <p16:designElem xmlns:p16="http://schemas.microsoft.com/office/powerpoint/2015/main" val="1"/>
+              </p:ext>
+            </p:extLst>
+          </p:nvPr>
+        </p:nvPicPr>
+        <p:blipFill>
+          <a:blip r:embed="rId4">
+            <a:extLst>
+              <a:ext uri="{28A0092B-C50C-407E-A947-70E740481C1C}">
+                <a14:useLocalDpi xmlns:a14="http://schemas.microsoft.com/office/drawing/2010/main" val="0"/>
+              </a:ext>
+            </a:extLst>
+          </a:blip>
+          <a:stretch>
+            <a:fillRect/>
+          </a:stretch>
+        </p:blipFill>
+        <p:spPr>
+          <a:xfrm>
+            <a:off x="1" y="5851041"/>
+            <a:ext cx="9936886" cy="321164"/>
+          </a:xfrm>
+          <a:prstGeom prst="rect">
+            <a:avLst/>
+          </a:prstGeom>
+        </p:spPr>
+      </p:pic>
+      <p:sp>
+        <p:nvSpPr>
+          <p:cNvPr id="16" name="Rectangle 15">
+            <a:extLst>
+              <a:ext uri="{FF2B5EF4-FFF2-40B4-BE49-F238E27FC236}">
+                <a16:creationId xmlns:a16="http://schemas.microsoft.com/office/drawing/2014/main" id="{CD6B57F6-C734-4FDA-9495-94E602DC54E6}"/>
+              </a:ext>
+              <a:ext uri="{C183D7F6-B498-43B3-948B-1728B52AA6E4}">
+                <adec:decorative xmlns:adec="http://schemas.microsoft.com/office/drawing/2017/decorative" val="1"/>
+              </a:ext>
+            </a:extLst>
+          </p:cNvPr>
+          <p:cNvSpPr>
+            <a:spLocks noGrp="1" noRot="1" noChangeAspect="1" noMove="1" noResize="1" noEditPoints="1" noAdjustHandles="1" noChangeArrowheads="1" noChangeShapeType="1" noTextEdit="1"/>
+          </p:cNvSpPr>
+          <p:nvPr>
+            <p:extLst>
+              <p:ext uri="{386F3935-93C4-4BCD-93E2-E3B085C9AB24}">
+                <p16:designElem xmlns:p16="http://schemas.microsoft.com/office/powerpoint/2015/main" val="1"/>
+              </p:ext>
+            </p:extLst>
+          </p:nvPr>
+        </p:nvSpPr>
+        <p:spPr>
+          <a:xfrm>
+            <a:off x="0" y="1489448"/>
+            <a:ext cx="9936887" cy="4381221"/>
+          </a:xfrm>
+          <a:prstGeom prst="rect">
+            <a:avLst/>
+          </a:prstGeom>
+          <a:solidFill>
+            <a:srgbClr val="0D0D0D"/>
+          </a:solidFill>
+          <a:ln>
+            <a:noFill/>
+          </a:ln>
+          <a:effectLst/>
+        </p:spPr>
+        <p:style>
+          <a:lnRef idx="2">
+            <a:schemeClr val="accent1">
+              <a:shade val="50000"/>
+            </a:schemeClr>
+          </a:lnRef>
+          <a:fillRef idx="1">
+            <a:schemeClr val="accent1"/>
+          </a:fillRef>
+          <a:effectRef idx="0">
+            <a:schemeClr val="accent1"/>
+          </a:effectRef>
+          <a:fontRef idx="minor">
+            <a:schemeClr val="lt1"/>
+          </a:fontRef>
+        </p:style>
+        <p:txBody>
+          <a:bodyPr rtlCol="0" anchor="ctr"/>
+          <a:lstStyle/>
+          <a:p>
+            <a:pPr algn="ctr"/>
+            <a:endParaRPr lang="en-US"/>
+          </a:p>
+        </p:txBody>
+      </p:sp>
+      <p:sp>
+        <p:nvSpPr>
+          <p:cNvPr id="3" name="Content Placeholder 2">
+            <a:extLst>
+              <a:ext uri="{FF2B5EF4-FFF2-40B4-BE49-F238E27FC236}">
+                <a16:creationId xmlns:a16="http://schemas.microsoft.com/office/drawing/2014/main" id="{B8D65720-EC9A-8EC2-6C38-44BB1F57B0BC}"/>
+              </a:ext>
+            </a:extLst>
+          </p:cNvPr>
+          <p:cNvSpPr>
+            <a:spLocks noGrp="1"/>
+          </p:cNvSpPr>
+          <p:nvPr>
+            <p:ph idx="1"/>
+          </p:nvPr>
+        </p:nvSpPr>
+        <p:spPr>
+          <a:xfrm>
+            <a:off x="680321" y="1960966"/>
+            <a:ext cx="8601055" cy="3418626"/>
+          </a:xfrm>
+        </p:spPr>
+        <p:txBody>
+          <a:bodyPr anchor="t">
+            <a:normAutofit/>
+          </a:bodyPr>
+          <a:lstStyle/>
+          <a:p>
+            <a:pPr marL="0" indent="0">
+              <a:buNone/>
+            </a:pPr>
+            <a:r>
+              <a:rPr lang="en-US" sz="2800" dirty="0">
+                <a:solidFill>
+                  <a:srgbClr val="FFFFFF"/>
+                </a:solidFill>
+              </a:rPr>
+              <a:t>The review shows that serious gaming in people with dementia is feasible and recommends that people of dementia need to be familiarized with the technologies as well as have assistance while playing</a:t>
+            </a:r>
+          </a:p>
+          <a:p>
+            <a:pPr marL="0" indent="0">
+              <a:buNone/>
+            </a:pPr>
+            <a:r>
+              <a:rPr lang="en-US" sz="2800" dirty="0">
+                <a:solidFill>
+                  <a:srgbClr val="FFFFFF"/>
+                </a:solidFill>
+              </a:rPr>
+              <a:t>Supervision and playing in groups seem to be the keys to success when implementing serious games.</a:t>
+            </a:r>
+            <a:endParaRPr lang="en-ZA" sz="2800" dirty="0">
+              <a:solidFill>
+                <a:srgbClr val="FFFFFF"/>
+              </a:solidFill>
+            </a:endParaRPr>
+          </a:p>
+        </p:txBody>
+      </p:sp>
+      <p:sp>
+        <p:nvSpPr>
+          <p:cNvPr id="18" name="Rectangle 17">
+            <a:extLst>
+              <a:ext uri="{FF2B5EF4-FFF2-40B4-BE49-F238E27FC236}">
+                <a16:creationId xmlns:a16="http://schemas.microsoft.com/office/drawing/2014/main" id="{D6C984CB-7FE4-4AD0-8CF7-11AD5573699D}"/>
+              </a:ext>
+              <a:ext uri="{C183D7F6-B498-43B3-948B-1728B52AA6E4}">
+                <adec:decorative xmlns:adec="http://schemas.microsoft.com/office/drawing/2017/decorative" val="1"/>
+              </a:ext>
+            </a:extLst>
+          </p:cNvPr>
+          <p:cNvSpPr>
+            <a:spLocks noGrp="1" noRot="1" noChangeAspect="1" noMove="1" noResize="1" noEditPoints="1" noAdjustHandles="1" noChangeArrowheads="1" noChangeShapeType="1" noTextEdit="1"/>
+          </p:cNvSpPr>
+          <p:nvPr>
+            <p:extLst>
+              <p:ext uri="{386F3935-93C4-4BCD-93E2-E3B085C9AB24}">
+                <p16:designElem xmlns:p16="http://schemas.microsoft.com/office/powerpoint/2015/main" val="1"/>
+              </p:ext>
+            </p:extLst>
+          </p:nvPr>
+        </p:nvSpPr>
+        <p:spPr>
+          <a:xfrm>
+            <a:off x="10589003" y="1489448"/>
+            <a:ext cx="1602997" cy="1368198"/>
+          </a:xfrm>
+          <a:prstGeom prst="rect">
+            <a:avLst/>
+          </a:prstGeom>
+          <a:solidFill>
+            <a:schemeClr val="accent1"/>
+          </a:solidFill>
+          <a:ln>
+            <a:noFill/>
+          </a:ln>
+        </p:spPr>
+        <p:style>
+          <a:lnRef idx="2">
+            <a:schemeClr val="accent1">
+              <a:shade val="50000"/>
+            </a:schemeClr>
+          </a:lnRef>
+          <a:fillRef idx="1">
+            <a:schemeClr val="accent1"/>
+          </a:fillRef>
+          <a:effectRef idx="0">
+            <a:schemeClr val="accent1"/>
+          </a:effectRef>
+          <a:fontRef idx="minor">
+            <a:schemeClr val="lt1"/>
+          </a:fontRef>
+        </p:style>
+      </p:sp>
+    </p:spTree>
+    <p:extLst>
+      <p:ext uri="{BB962C8B-B14F-4D97-AF65-F5344CB8AC3E}">
+        <p14:creationId xmlns:p14="http://schemas.microsoft.com/office/powerpoint/2010/main" val="71513354"/>
+      </p:ext>
+    </p:extLst>
+  </p:cSld>
+  <p:clrMapOvr>
+    <a:masterClrMapping/>
+  </p:clrMapOvr>
+</p:sld>
+</file>
+
 <file path=ppt/slides/slide2.xml><?xml version="1.0" encoding="utf-8"?>
 <p:sld xmlns:a="http://schemas.openxmlformats.org/drawingml/2006/main" xmlns:r="http://schemas.openxmlformats.org/officeDocument/2006/relationships" xmlns:p="http://schemas.openxmlformats.org/presentationml/2006/main">
   <p:cSld>
@@ -12809,6 +18500,501 @@
 </p:sld>
 </file>
 
+<file path=ppt/slides/slide9.xml><?xml version="1.0" encoding="utf-8"?>
+<p:sld xmlns:a="http://schemas.openxmlformats.org/drawingml/2006/main" xmlns:r="http://schemas.openxmlformats.org/officeDocument/2006/relationships" xmlns:p="http://schemas.openxmlformats.org/presentationml/2006/main">
+  <p:cSld>
+    <p:bg>
+      <p:bgPr>
+        <a:gradFill rotWithShape="1">
+          <a:gsLst>
+            <a:gs pos="0">
+              <a:schemeClr val="bg2">
+                <a:tint val="96000"/>
+                <a:shade val="100000"/>
+                <a:hueMod val="270000"/>
+                <a:satMod val="200000"/>
+                <a:lumMod val="128000"/>
+              </a:schemeClr>
+            </a:gs>
+            <a:gs pos="50000">
+              <a:schemeClr val="bg2">
+                <a:shade val="100000"/>
+                <a:hueMod val="100000"/>
+                <a:satMod val="110000"/>
+                <a:lumMod val="130000"/>
+              </a:schemeClr>
+            </a:gs>
+            <a:gs pos="100000">
+              <a:schemeClr val="bg2">
+                <a:shade val="78000"/>
+                <a:hueMod val="44000"/>
+                <a:satMod val="200000"/>
+                <a:lumMod val="69000"/>
+              </a:schemeClr>
+            </a:gs>
+          </a:gsLst>
+          <a:lin ang="2520000" scaled="0"/>
+        </a:gradFill>
+        <a:effectLst/>
+      </p:bgPr>
+    </p:bg>
+    <p:spTree>
+      <p:nvGrpSpPr>
+        <p:cNvPr id="1" name=""/>
+        <p:cNvGrpSpPr/>
+        <p:nvPr/>
+      </p:nvGrpSpPr>
+      <p:grpSpPr>
+        <a:xfrm>
+          <a:off x="0" y="0"/>
+          <a:ext cx="0" cy="0"/>
+          <a:chOff x="0" y="0"/>
+          <a:chExt cx="0" cy="0"/>
+        </a:xfrm>
+      </p:grpSpPr>
+      <p:sp useBgFill="1">
+        <p:nvSpPr>
+          <p:cNvPr id="9" name="Rectangle 8">
+            <a:extLst>
+              <a:ext uri="{FF2B5EF4-FFF2-40B4-BE49-F238E27FC236}">
+                <a16:creationId xmlns:a16="http://schemas.microsoft.com/office/drawing/2014/main" id="{17341052-73F2-435C-A1F0-70961D11B477}"/>
+              </a:ext>
+              <a:ext uri="{C183D7F6-B498-43B3-948B-1728B52AA6E4}">
+                <adec:decorative xmlns:adec="http://schemas.microsoft.com/office/drawing/2017/decorative" val="1"/>
+              </a:ext>
+            </a:extLst>
+          </p:cNvPr>
+          <p:cNvSpPr>
+            <a:spLocks noGrp="1" noRot="1" noChangeAspect="1" noMove="1" noResize="1" noEditPoints="1" noAdjustHandles="1" noChangeArrowheads="1" noChangeShapeType="1" noTextEdit="1"/>
+          </p:cNvSpPr>
+          <p:nvPr>
+            <p:extLst>
+              <p:ext uri="{386F3935-93C4-4BCD-93E2-E3B085C9AB24}">
+                <p16:designElem xmlns:p16="http://schemas.microsoft.com/office/powerpoint/2015/main" val="1"/>
+              </p:ext>
+            </p:extLst>
+          </p:nvPr>
+        </p:nvSpPr>
+        <p:spPr>
+          <a:xfrm>
+            <a:off x="0" y="-1"/>
+            <a:ext cx="12188824" cy="6858001"/>
+          </a:xfrm>
+          <a:prstGeom prst="rect">
+            <a:avLst/>
+          </a:prstGeom>
+          <a:ln>
+            <a:noFill/>
+          </a:ln>
+        </p:spPr>
+        <p:style>
+          <a:lnRef idx="2">
+            <a:schemeClr val="accent1">
+              <a:shade val="50000"/>
+            </a:schemeClr>
+          </a:lnRef>
+          <a:fillRef idx="1">
+            <a:schemeClr val="accent1"/>
+          </a:fillRef>
+          <a:effectRef idx="0">
+            <a:schemeClr val="accent1"/>
+          </a:effectRef>
+          <a:fontRef idx="minor">
+            <a:schemeClr val="lt1"/>
+          </a:fontRef>
+        </p:style>
+        <p:txBody>
+          <a:bodyPr rtlCol="0" anchor="ctr"/>
+          <a:lstStyle/>
+          <a:p>
+            <a:pPr algn="ctr"/>
+            <a:endParaRPr lang="en-US"/>
+          </a:p>
+        </p:txBody>
+      </p:sp>
+      <p:pic>
+        <p:nvPicPr>
+          <p:cNvPr id="7" name="Picture 4" descr="A stack of dice on a boardgame">
+            <a:extLst>
+              <a:ext uri="{FF2B5EF4-FFF2-40B4-BE49-F238E27FC236}">
+                <a16:creationId xmlns:a16="http://schemas.microsoft.com/office/drawing/2014/main" id="{208C756D-D1D0-6E4D-F644-F1E8182B9790}"/>
+              </a:ext>
+            </a:extLst>
+          </p:cNvPr>
+          <p:cNvPicPr>
+            <a:picLocks noChangeAspect="1"/>
+          </p:cNvPicPr>
+          <p:nvPr/>
+        </p:nvPicPr>
+        <p:blipFill rotWithShape="1">
+          <a:blip r:embed="rId2">
+            <a:alphaModFix amt="15000"/>
+            <a:grayscl/>
+          </a:blip>
+          <a:srcRect t="39856" b="3894"/>
+          <a:stretch/>
+        </p:blipFill>
+        <p:spPr>
+          <a:xfrm>
+            <a:off x="-608749" y="753227"/>
+            <a:ext cx="12192000" cy="6858001"/>
+          </a:xfrm>
+          <a:prstGeom prst="rect">
+            <a:avLst/>
+          </a:prstGeom>
+        </p:spPr>
+      </p:pic>
+      <p:pic>
+        <p:nvPicPr>
+          <p:cNvPr id="11" name="Picture 10">
+            <a:extLst>
+              <a:ext uri="{FF2B5EF4-FFF2-40B4-BE49-F238E27FC236}">
+                <a16:creationId xmlns:a16="http://schemas.microsoft.com/office/drawing/2014/main" id="{A4D2D0F6-68B7-4A2F-B80D-B3AAC1F4DC24}"/>
+              </a:ext>
+              <a:ext uri="{C183D7F6-B498-43B3-948B-1728B52AA6E4}">
+                <adec:decorative xmlns:adec="http://schemas.microsoft.com/office/drawing/2017/decorative" val="1"/>
+              </a:ext>
+            </a:extLst>
+          </p:cNvPr>
+          <p:cNvPicPr>
+            <a:picLocks noGrp="1" noRot="1" noChangeAspect="1" noMove="1" noResize="1" noEditPoints="1" noAdjustHandles="1" noChangeArrowheads="1" noChangeShapeType="1" noCrop="1"/>
+          </p:cNvPicPr>
+          <p:nvPr>
+            <p:extLst>
+              <p:ext uri="{386F3935-93C4-4BCD-93E2-E3B085C9AB24}">
+                <p16:designElem xmlns:p16="http://schemas.microsoft.com/office/powerpoint/2015/main" val="1"/>
+              </p:ext>
+            </p:extLst>
+          </p:nvPr>
+        </p:nvPicPr>
+        <p:blipFill>
+          <a:blip r:embed="rId3">
+            <a:extLst>
+              <a:ext uri="{28A0092B-C50C-407E-A947-70E740481C1C}">
+                <a14:useLocalDpi xmlns:a14="http://schemas.microsoft.com/office/drawing/2010/main" val="0"/>
+              </a:ext>
+            </a:extLst>
+          </a:blip>
+          <a:stretch>
+            <a:fillRect/>
+          </a:stretch>
+        </p:blipFill>
+        <p:spPr>
+          <a:xfrm>
+            <a:off x="1" y="1970240"/>
+            <a:ext cx="10437812" cy="321164"/>
+          </a:xfrm>
+          <a:prstGeom prst="rect">
+            <a:avLst/>
+          </a:prstGeom>
+        </p:spPr>
+      </p:pic>
+      <p:sp>
+        <p:nvSpPr>
+          <p:cNvPr id="13" name="Rectangle 12">
+            <a:extLst>
+              <a:ext uri="{FF2B5EF4-FFF2-40B4-BE49-F238E27FC236}">
+                <a16:creationId xmlns:a16="http://schemas.microsoft.com/office/drawing/2014/main" id="{A0BCEF11-98AA-4EF8-91CF-8146F647932B}"/>
+              </a:ext>
+              <a:ext uri="{C183D7F6-B498-43B3-948B-1728B52AA6E4}">
+                <adec:decorative xmlns:adec="http://schemas.microsoft.com/office/drawing/2017/decorative" val="1"/>
+              </a:ext>
+            </a:extLst>
+          </p:cNvPr>
+          <p:cNvSpPr>
+            <a:spLocks noGrp="1" noRot="1" noChangeAspect="1" noMove="1" noResize="1" noEditPoints="1" noAdjustHandles="1" noChangeArrowheads="1" noChangeShapeType="1" noTextEdit="1"/>
+          </p:cNvSpPr>
+          <p:nvPr>
+            <p:extLst>
+              <p:ext uri="{386F3935-93C4-4BCD-93E2-E3B085C9AB24}">
+                <p16:designElem xmlns:p16="http://schemas.microsoft.com/office/powerpoint/2015/main" val="1"/>
+              </p:ext>
+            </p:extLst>
+          </p:nvPr>
+        </p:nvSpPr>
+        <p:spPr bwMode="grayWhite">
+          <a:xfrm>
+            <a:off x="0" y="609600"/>
+            <a:ext cx="10437812" cy="1368198"/>
+          </a:xfrm>
+          <a:prstGeom prst="rect">
+            <a:avLst/>
+          </a:prstGeom>
+          <a:solidFill>
+            <a:schemeClr val="bg1">
+              <a:lumMod val="95000"/>
+              <a:lumOff val="5000"/>
+              <a:alpha val="90000"/>
+            </a:schemeClr>
+          </a:solidFill>
+          <a:ln>
+            <a:noFill/>
+          </a:ln>
+        </p:spPr>
+        <p:style>
+          <a:lnRef idx="2">
+            <a:schemeClr val="accent1">
+              <a:shade val="50000"/>
+            </a:schemeClr>
+          </a:lnRef>
+          <a:fillRef idx="1">
+            <a:schemeClr val="accent1"/>
+          </a:fillRef>
+          <a:effectRef idx="0">
+            <a:schemeClr val="accent1"/>
+          </a:effectRef>
+          <a:fontRef idx="minor">
+            <a:schemeClr val="lt1"/>
+          </a:fontRef>
+        </p:style>
+      </p:sp>
+      <p:sp>
+        <p:nvSpPr>
+          <p:cNvPr id="2" name="Title 1">
+            <a:extLst>
+              <a:ext uri="{FF2B5EF4-FFF2-40B4-BE49-F238E27FC236}">
+                <a16:creationId xmlns:a16="http://schemas.microsoft.com/office/drawing/2014/main" id="{DCF5A9AB-D7A3-52C1-BBAB-9CA217326193}"/>
+              </a:ext>
+            </a:extLst>
+          </p:cNvPr>
+          <p:cNvSpPr>
+            <a:spLocks noGrp="1"/>
+          </p:cNvSpPr>
+          <p:nvPr>
+            <p:ph type="title"/>
+          </p:nvPr>
+        </p:nvSpPr>
+        <p:spPr>
+          <a:xfrm>
+            <a:off x="680321" y="753228"/>
+            <a:ext cx="9613861" cy="1080938"/>
+          </a:xfrm>
+        </p:spPr>
+        <p:txBody>
+          <a:bodyPr>
+            <a:normAutofit/>
+          </a:bodyPr>
+          <a:lstStyle/>
+          <a:p>
+            <a:r>
+              <a:rPr lang="en-US" dirty="0"/>
+              <a:t>Effectiveness</a:t>
+            </a:r>
+            <a:endParaRPr lang="en-ZA" dirty="0"/>
+          </a:p>
+        </p:txBody>
+      </p:sp>
+      <p:pic>
+        <p:nvPicPr>
+          <p:cNvPr id="15" name="Picture 14">
+            <a:extLst>
+              <a:ext uri="{FF2B5EF4-FFF2-40B4-BE49-F238E27FC236}">
+                <a16:creationId xmlns:a16="http://schemas.microsoft.com/office/drawing/2014/main" id="{DB816C00-E2A2-4A28-A8CB-2E9E10E9FDF7}"/>
+              </a:ext>
+              <a:ext uri="{C183D7F6-B498-43B3-948B-1728B52AA6E4}">
+                <adec:decorative xmlns:adec="http://schemas.microsoft.com/office/drawing/2017/decorative" val="1"/>
+              </a:ext>
+            </a:extLst>
+          </p:cNvPr>
+          <p:cNvPicPr>
+            <a:picLocks noGrp="1" noRot="1" noChangeAspect="1" noMove="1" noResize="1" noEditPoints="1" noAdjustHandles="1" noChangeArrowheads="1" noChangeShapeType="1" noCrop="1"/>
+          </p:cNvPicPr>
+          <p:nvPr>
+            <p:extLst>
+              <p:ext uri="{386F3935-93C4-4BCD-93E2-E3B085C9AB24}">
+                <p16:designElem xmlns:p16="http://schemas.microsoft.com/office/powerpoint/2015/main" val="1"/>
+              </p:ext>
+            </p:extLst>
+          </p:nvPr>
+        </p:nvPicPr>
+        <p:blipFill>
+          <a:blip r:embed="rId4" cstate="print">
+            <a:extLst>
+              <a:ext uri="{28A0092B-C50C-407E-A947-70E740481C1C}">
+                <a14:useLocalDpi xmlns:a14="http://schemas.microsoft.com/office/drawing/2010/main" val="0"/>
+              </a:ext>
+            </a:extLst>
+          </a:blip>
+          <a:stretch>
+            <a:fillRect/>
+          </a:stretch>
+        </p:blipFill>
+        <p:spPr>
+          <a:xfrm>
+            <a:off x="10585826" y="1971234"/>
+            <a:ext cx="1602997" cy="144270"/>
+          </a:xfrm>
+          <a:prstGeom prst="rect">
+            <a:avLst/>
+          </a:prstGeom>
+        </p:spPr>
+      </p:pic>
+      <p:sp>
+        <p:nvSpPr>
+          <p:cNvPr id="17" name="Rectangle 16">
+            <a:extLst>
+              <a:ext uri="{FF2B5EF4-FFF2-40B4-BE49-F238E27FC236}">
+                <a16:creationId xmlns:a16="http://schemas.microsoft.com/office/drawing/2014/main" id="{B2892C6A-FAAA-49A9-B836-6ECC4D48D7E8}"/>
+              </a:ext>
+              <a:ext uri="{C183D7F6-B498-43B3-948B-1728B52AA6E4}">
+                <adec:decorative xmlns:adec="http://schemas.microsoft.com/office/drawing/2017/decorative" val="1"/>
+              </a:ext>
+            </a:extLst>
+          </p:cNvPr>
+          <p:cNvSpPr>
+            <a:spLocks noGrp="1" noRot="1" noChangeAspect="1" noMove="1" noResize="1" noEditPoints="1" noAdjustHandles="1" noChangeArrowheads="1" noChangeShapeType="1" noTextEdit="1"/>
+          </p:cNvSpPr>
+          <p:nvPr>
+            <p:extLst>
+              <p:ext uri="{386F3935-93C4-4BCD-93E2-E3B085C9AB24}">
+                <p16:designElem xmlns:p16="http://schemas.microsoft.com/office/powerpoint/2015/main" val="1"/>
+              </p:ext>
+            </p:extLst>
+          </p:nvPr>
+        </p:nvSpPr>
+        <p:spPr>
+          <a:xfrm>
+            <a:off x="10585827" y="609600"/>
+            <a:ext cx="1602997" cy="1368198"/>
+          </a:xfrm>
+          <a:prstGeom prst="rect">
+            <a:avLst/>
+          </a:prstGeom>
+          <a:solidFill>
+            <a:schemeClr val="accent1"/>
+          </a:solidFill>
+          <a:ln>
+            <a:noFill/>
+          </a:ln>
+        </p:spPr>
+        <p:style>
+          <a:lnRef idx="2">
+            <a:schemeClr val="accent1">
+              <a:shade val="50000"/>
+            </a:schemeClr>
+          </a:lnRef>
+          <a:fillRef idx="1">
+            <a:schemeClr val="accent1"/>
+          </a:fillRef>
+          <a:effectRef idx="0">
+            <a:schemeClr val="accent1"/>
+          </a:effectRef>
+          <a:fontRef idx="minor">
+            <a:schemeClr val="lt1"/>
+          </a:fontRef>
+        </p:style>
+      </p:sp>
+      <p:sp>
+        <p:nvSpPr>
+          <p:cNvPr id="8" name="Content Placeholder 2">
+            <a:extLst>
+              <a:ext uri="{FF2B5EF4-FFF2-40B4-BE49-F238E27FC236}">
+                <a16:creationId xmlns:a16="http://schemas.microsoft.com/office/drawing/2014/main" id="{6850682E-104E-9712-E328-02417E6ED92C}"/>
+              </a:ext>
+            </a:extLst>
+          </p:cNvPr>
+          <p:cNvSpPr>
+            <a:spLocks noGrp="1"/>
+          </p:cNvSpPr>
+          <p:nvPr>
+            <p:ph idx="1"/>
+          </p:nvPr>
+        </p:nvSpPr>
+        <p:spPr>
+          <a:xfrm>
+            <a:off x="680321" y="2336873"/>
+            <a:ext cx="9613861" cy="3395060"/>
+          </a:xfrm>
+        </p:spPr>
+        <p:txBody>
+          <a:bodyPr anchor="ctr">
+            <a:normAutofit/>
+          </a:bodyPr>
+          <a:lstStyle/>
+          <a:p>
+            <a:pPr marL="0" indent="0">
+              <a:buNone/>
+            </a:pPr>
+            <a:r>
+              <a:rPr lang="en-US" sz="2000" dirty="0"/>
+              <a:t>The effectiveness of serious games were </a:t>
+            </a:r>
+            <a:r>
+              <a:rPr lang="en-US" sz="2000" dirty="0" err="1"/>
+              <a:t>avaluated</a:t>
+            </a:r>
+            <a:r>
+              <a:rPr lang="en-US" sz="2000" dirty="0"/>
+              <a:t> using the following outcome domains:</a:t>
+            </a:r>
+          </a:p>
+          <a:p>
+            <a:pPr marL="514350" indent="-514350">
+              <a:buFont typeface="+mj-lt"/>
+              <a:buAutoNum type="romanUcPeriod"/>
+            </a:pPr>
+            <a:r>
+              <a:rPr lang="en-US" sz="2000" dirty="0"/>
+              <a:t>Cognitive function</a:t>
+            </a:r>
+          </a:p>
+          <a:p>
+            <a:pPr lvl="1"/>
+            <a:r>
+              <a:rPr lang="en-US" sz="1600" dirty="0"/>
+              <a:t>Attention, language, memory, orientation, verbal learning etc.</a:t>
+            </a:r>
+          </a:p>
+          <a:p>
+            <a:pPr marL="514350" indent="-514350">
+              <a:buFont typeface="+mj-lt"/>
+              <a:buAutoNum type="romanUcPeriod"/>
+            </a:pPr>
+            <a:r>
+              <a:rPr lang="en-US" sz="2000" dirty="0"/>
+              <a:t>Physical function</a:t>
+            </a:r>
+          </a:p>
+          <a:p>
+            <a:pPr lvl="1"/>
+            <a:r>
+              <a:rPr lang="en-US" sz="1600" dirty="0"/>
+              <a:t>Balance, gait, and ADL(activities of daily living)</a:t>
+            </a:r>
+          </a:p>
+          <a:p>
+            <a:pPr marL="514350" indent="-514350">
+              <a:buFont typeface="+mj-lt"/>
+              <a:buAutoNum type="romanUcPeriod"/>
+            </a:pPr>
+            <a:r>
+              <a:rPr lang="en-US" sz="2000" dirty="0"/>
+              <a:t>Personal/behavioral aspects</a:t>
+            </a:r>
+          </a:p>
+          <a:p>
+            <a:pPr lvl="1"/>
+            <a:r>
+              <a:rPr lang="en-US" sz="1600" dirty="0"/>
+              <a:t>QoL(Quality of Life) and mood</a:t>
+            </a:r>
+            <a:endParaRPr lang="en-ZA" sz="1600" dirty="0"/>
+          </a:p>
+        </p:txBody>
+      </p:sp>
+    </p:spTree>
+    <p:extLst>
+      <p:ext uri="{BB962C8B-B14F-4D97-AF65-F5344CB8AC3E}">
+        <p14:creationId xmlns:p14="http://schemas.microsoft.com/office/powerpoint/2010/main" val="4223017238"/>
+      </p:ext>
+    </p:extLst>
+  </p:cSld>
+  <p:clrMapOvr>
+    <a:masterClrMapping/>
+  </p:clrMapOvr>
+</p:sld>
+</file>
+
 <file path=ppt/theme/theme1.xml><?xml version="1.0" encoding="utf-8"?>
 <a:theme xmlns:a="http://schemas.openxmlformats.org/drawingml/2006/main" name="Berlin">
   <a:themeElements>

--- a/SGDC.pptx
+++ b/SGDC.pptx
@@ -7435,7 +7435,7 @@
           <a:p>
             <a:fld id="{9464C98B-4B0C-4F0B-B9E3-E60DDF6355F8}" type="datetimeFigureOut">
               <a:rPr lang="en-ZA" smtClean="0"/>
-              <a:t>2023/02/27</a:t>
+              <a:t>2023/02/28</a:t>
             </a:fld>
             <a:endParaRPr lang="en-ZA"/>
           </a:p>
@@ -7849,7 +7849,7 @@
           <a:p>
             <a:fld id="{9464C98B-4B0C-4F0B-B9E3-E60DDF6355F8}" type="datetimeFigureOut">
               <a:rPr lang="en-ZA" smtClean="0"/>
-              <a:t>2023/02/27</a:t>
+              <a:t>2023/02/28</a:t>
             </a:fld>
             <a:endParaRPr lang="en-ZA"/>
           </a:p>
@@ -8185,7 +8185,7 @@
           <a:p>
             <a:fld id="{9464C98B-4B0C-4F0B-B9E3-E60DDF6355F8}" type="datetimeFigureOut">
               <a:rPr lang="en-ZA" smtClean="0"/>
-              <a:t>2023/02/27</a:t>
+              <a:t>2023/02/28</a:t>
             </a:fld>
             <a:endParaRPr lang="en-ZA"/>
           </a:p>
@@ -8590,7 +8590,7 @@
           <a:p>
             <a:fld id="{9464C98B-4B0C-4F0B-B9E3-E60DDF6355F8}" type="datetimeFigureOut">
               <a:rPr lang="en-ZA" smtClean="0"/>
-              <a:t>2023/02/27</a:t>
+              <a:t>2023/02/28</a:t>
             </a:fld>
             <a:endParaRPr lang="en-ZA"/>
           </a:p>
@@ -9158,7 +9158,7 @@
           <a:p>
             <a:fld id="{9464C98B-4B0C-4F0B-B9E3-E60DDF6355F8}" type="datetimeFigureOut">
               <a:rPr lang="en-ZA" smtClean="0"/>
-              <a:t>2023/02/27</a:t>
+              <a:t>2023/02/28</a:t>
             </a:fld>
             <a:endParaRPr lang="en-ZA"/>
           </a:p>
@@ -9839,7 +9839,7 @@
           <a:p>
             <a:fld id="{9464C98B-4B0C-4F0B-B9E3-E60DDF6355F8}" type="datetimeFigureOut">
               <a:rPr lang="en-ZA" smtClean="0"/>
-              <a:t>2023/02/27</a:t>
+              <a:t>2023/02/28</a:t>
             </a:fld>
             <a:endParaRPr lang="en-ZA"/>
           </a:p>
@@ -10752,7 +10752,7 @@
           <a:p>
             <a:fld id="{9464C98B-4B0C-4F0B-B9E3-E60DDF6355F8}" type="datetimeFigureOut">
               <a:rPr lang="en-ZA" smtClean="0"/>
-              <a:t>2023/02/27</a:t>
+              <a:t>2023/02/28</a:t>
             </a:fld>
             <a:endParaRPr lang="en-ZA"/>
           </a:p>
@@ -11065,7 +11065,7 @@
           <a:p>
             <a:fld id="{9464C98B-4B0C-4F0B-B9E3-E60DDF6355F8}" type="datetimeFigureOut">
               <a:rPr lang="en-ZA" smtClean="0"/>
-              <a:t>2023/02/27</a:t>
+              <a:t>2023/02/28</a:t>
             </a:fld>
             <a:endParaRPr lang="en-ZA"/>
           </a:p>
@@ -11329,7 +11329,7 @@
           <a:p>
             <a:fld id="{9464C98B-4B0C-4F0B-B9E3-E60DDF6355F8}" type="datetimeFigureOut">
               <a:rPr lang="en-ZA" smtClean="0"/>
-              <a:t>2023/02/27</a:t>
+              <a:t>2023/02/28</a:t>
             </a:fld>
             <a:endParaRPr lang="en-ZA"/>
           </a:p>
@@ -11652,7 +11652,7 @@
           <a:p>
             <a:fld id="{9464C98B-4B0C-4F0B-B9E3-E60DDF6355F8}" type="datetimeFigureOut">
               <a:rPr lang="en-ZA" smtClean="0"/>
-              <a:t>2023/02/27</a:t>
+              <a:t>2023/02/28</a:t>
             </a:fld>
             <a:endParaRPr lang="en-ZA"/>
           </a:p>
@@ -12041,7 +12041,7 @@
           <a:p>
             <a:fld id="{9464C98B-4B0C-4F0B-B9E3-E60DDF6355F8}" type="datetimeFigureOut">
               <a:rPr lang="en-ZA" smtClean="0"/>
-              <a:t>2023/02/27</a:t>
+              <a:t>2023/02/28</a:t>
             </a:fld>
             <a:endParaRPr lang="en-ZA"/>
           </a:p>
@@ -12417,7 +12417,7 @@
           <a:p>
             <a:fld id="{9464C98B-4B0C-4F0B-B9E3-E60DDF6355F8}" type="datetimeFigureOut">
               <a:rPr lang="en-ZA" smtClean="0"/>
-              <a:t>2023/02/27</a:t>
+              <a:t>2023/02/28</a:t>
             </a:fld>
             <a:endParaRPr lang="en-ZA"/>
           </a:p>
@@ -12923,7 +12923,7 @@
           <a:p>
             <a:fld id="{9464C98B-4B0C-4F0B-B9E3-E60DDF6355F8}" type="datetimeFigureOut">
               <a:rPr lang="en-ZA" smtClean="0"/>
-              <a:t>2023/02/27</a:t>
+              <a:t>2023/02/28</a:t>
             </a:fld>
             <a:endParaRPr lang="en-ZA"/>
           </a:p>
@@ -13180,7 +13180,7 @@
           <a:p>
             <a:fld id="{9464C98B-4B0C-4F0B-B9E3-E60DDF6355F8}" type="datetimeFigureOut">
               <a:rPr lang="en-ZA" smtClean="0"/>
-              <a:t>2023/02/27</a:t>
+              <a:t>2023/02/28</a:t>
             </a:fld>
             <a:endParaRPr lang="en-ZA"/>
           </a:p>
@@ -13343,7 +13343,7 @@
           <a:p>
             <a:fld id="{9464C98B-4B0C-4F0B-B9E3-E60DDF6355F8}" type="datetimeFigureOut">
               <a:rPr lang="en-ZA" smtClean="0"/>
-              <a:t>2023/02/27</a:t>
+              <a:t>2023/02/28</a:t>
             </a:fld>
             <a:endParaRPr lang="en-ZA"/>
           </a:p>
@@ -13733,7 +13733,7 @@
           <a:p>
             <a:fld id="{9464C98B-4B0C-4F0B-B9E3-E60DDF6355F8}" type="datetimeFigureOut">
               <a:rPr lang="en-ZA" smtClean="0"/>
-              <a:t>2023/02/27</a:t>
+              <a:t>2023/02/28</a:t>
             </a:fld>
             <a:endParaRPr lang="en-ZA"/>
           </a:p>
@@ -14142,7 +14142,7 @@
           <a:p>
             <a:fld id="{9464C98B-4B0C-4F0B-B9E3-E60DDF6355F8}" type="datetimeFigureOut">
               <a:rPr lang="en-ZA" smtClean="0"/>
-              <a:t>2023/02/27</a:t>
+              <a:t>2023/02/28</a:t>
             </a:fld>
             <a:endParaRPr lang="en-ZA"/>
           </a:p>
@@ -14386,7 +14386,7 @@
           <a:p>
             <a:fld id="{9464C98B-4B0C-4F0B-B9E3-E60DDF6355F8}" type="datetimeFigureOut">
               <a:rPr lang="en-ZA" smtClean="0"/>
-              <a:t>2023/02/27</a:t>
+              <a:t>2023/02/28</a:t>
             </a:fld>
             <a:endParaRPr lang="en-ZA"/>
           </a:p>
@@ -15034,6 +15034,9 @@
   <p:clrMapOvr>
     <a:masterClrMapping/>
   </p:clrMapOvr>
+  <p:transition spd="slow">
+    <p:wipe/>
+  </p:transition>
 </p:sld>
 </file>
 
@@ -15124,6 +15127,18 @@
   <p:clrMapOvr>
     <a:masterClrMapping/>
   </p:clrMapOvr>
+  <mc:AlternateContent xmlns:mc="http://schemas.openxmlformats.org/markup-compatibility/2006">
+    <mc:Choice xmlns:p159="http://schemas.microsoft.com/office/powerpoint/2015/09/main" Requires="p159">
+      <p:transition xmlns:p14="http://schemas.microsoft.com/office/powerpoint/2010/main" spd="slow" p14:dur="2000">
+        <p159:morph option="byObject"/>
+      </p:transition>
+    </mc:Choice>
+    <mc:Fallback>
+      <p:transition spd="slow">
+        <p:fade/>
+      </p:transition>
+    </mc:Fallback>
+  </mc:AlternateContent>
 </p:sld>
 </file>
 
@@ -15302,6 +15317,9 @@
   <p:clrMapOvr>
     <a:masterClrMapping/>
   </p:clrMapOvr>
+  <p:transition spd="slow">
+    <p:push dir="u"/>
+  </p:transition>
 </p:sld>
 </file>
 
@@ -15430,6 +15448,9 @@
   <p:clrMapOvr>
     <a:masterClrMapping/>
   </p:clrMapOvr>
+  <p:transition spd="slow">
+    <p:push dir="u"/>
+  </p:transition>
 </p:sld>
 </file>
 
@@ -15562,6 +15583,9 @@
   <p:clrMapOvr>
     <a:masterClrMapping/>
   </p:clrMapOvr>
+  <p:transition spd="slow">
+    <p:push dir="u"/>
+  </p:transition>
 </p:sld>
 </file>
 
@@ -16045,6 +16069,18 @@
   <p:clrMapOvr>
     <a:masterClrMapping/>
   </p:clrMapOvr>
+  <mc:AlternateContent xmlns:mc="http://schemas.openxmlformats.org/markup-compatibility/2006">
+    <mc:Choice xmlns:p14="http://schemas.microsoft.com/office/powerpoint/2010/main" Requires="p14">
+      <p:transition spd="slow" p14:dur="1500">
+        <p:split orient="vert"/>
+      </p:transition>
+    </mc:Choice>
+    <mc:Fallback>
+      <p:transition spd="slow">
+        <p:split orient="vert"/>
+      </p:transition>
+    </mc:Fallback>
+  </mc:AlternateContent>
 </p:sld>
 </file>
 
@@ -16513,6 +16549,9 @@
   <p:clrMapOvr>
     <a:masterClrMapping/>
   </p:clrMapOvr>
+  <p:transition spd="slow">
+    <p:wipe/>
+  </p:transition>
 </p:sld>
 </file>
 
@@ -16693,6 +16732,9 @@
   <p:clrMapOvr>
     <a:masterClrMapping/>
   </p:clrMapOvr>
+  <p:transition spd="slow">
+    <p:wipe/>
+  </p:transition>
 </p:sld>
 </file>
 
@@ -17039,6 +17081,18 @@
   <p:clrMapOvr>
     <a:masterClrMapping/>
   </p:clrMapOvr>
+  <mc:AlternateContent xmlns:mc="http://schemas.openxmlformats.org/markup-compatibility/2006">
+    <mc:Choice xmlns:p14="http://schemas.microsoft.com/office/powerpoint/2010/main" Requires="p14">
+      <p:transition spd="slow" p14:dur="1500">
+        <p:split orient="vert"/>
+      </p:transition>
+    </mc:Choice>
+    <mc:Fallback>
+      <p:transition spd="slow">
+        <p:split orient="vert"/>
+      </p:transition>
+    </mc:Fallback>
+  </mc:AlternateContent>
 </p:sld>
 </file>
 
@@ -17508,6 +17562,9 @@
   <p:clrMapOvr>
     <a:masterClrMapping/>
   </p:clrMapOvr>
+  <p:transition spd="slow">
+    <p:wipe/>
+  </p:transition>
 </p:sld>
 </file>
 
@@ -17593,6 +17650,9 @@
   <p:clrMapOvr>
     <a:masterClrMapping/>
   </p:clrMapOvr>
+  <p:transition spd="slow">
+    <p:push dir="u"/>
+  </p:transition>
 </p:sld>
 </file>
 
@@ -18126,6 +18186,9 @@
   <p:clrMapOvr>
     <a:overrideClrMapping bg1="lt1" tx1="dk1" bg2="lt2" tx2="dk2" accent1="accent1" accent2="accent2" accent3="accent3" accent4="accent4" accent5="accent5" accent6="accent6" hlink="hlink" folHlink="folHlink"/>
   </p:clrMapOvr>
+  <p:transition spd="slow">
+    <p:push dir="u"/>
+  </p:transition>
 </p:sld>
 </file>
 
@@ -18497,6 +18560,9 @@
   <p:clrMapOvr>
     <a:masterClrMapping/>
   </p:clrMapOvr>
+  <p:transition spd="slow">
+    <p:wipe/>
+  </p:transition>
 </p:sld>
 </file>
 
@@ -18992,6 +19058,18 @@
   <p:clrMapOvr>
     <a:masterClrMapping/>
   </p:clrMapOvr>
+  <mc:AlternateContent xmlns:mc="http://schemas.openxmlformats.org/markup-compatibility/2006">
+    <mc:Choice xmlns:p14="http://schemas.microsoft.com/office/powerpoint/2010/main" Requires="p14">
+      <p:transition spd="slow" p14:dur="1500">
+        <p:split orient="vert"/>
+      </p:transition>
+    </mc:Choice>
+    <mc:Fallback>
+      <p:transition spd="slow">
+        <p:split orient="vert"/>
+      </p:transition>
+    </mc:Fallback>
+  </mc:AlternateContent>
 </p:sld>
 </file>
 

--- a/SGDC.pptx
+++ b/SGDC.pptx
@@ -14,12 +14,13 @@
     <p:sldId id="262" r:id="rId8"/>
     <p:sldId id="263" r:id="rId9"/>
     <p:sldId id="264" r:id="rId10"/>
-    <p:sldId id="265" r:id="rId11"/>
-    <p:sldId id="266" r:id="rId12"/>
-    <p:sldId id="267" r:id="rId13"/>
-    <p:sldId id="268" r:id="rId14"/>
-    <p:sldId id="269" r:id="rId15"/>
-    <p:sldId id="270" r:id="rId16"/>
+    <p:sldId id="271" r:id="rId11"/>
+    <p:sldId id="265" r:id="rId12"/>
+    <p:sldId id="266" r:id="rId13"/>
+    <p:sldId id="267" r:id="rId14"/>
+    <p:sldId id="268" r:id="rId15"/>
+    <p:sldId id="269" r:id="rId16"/>
+    <p:sldId id="270" r:id="rId17"/>
   </p:sldIdLst>
   <p:sldSz cx="12192000" cy="6858000"/>
   <p:notesSz cx="6858000" cy="9144000"/>
@@ -14969,6 +14970,112 @@
           <p:cNvPr id="2" name="Title 1">
             <a:extLst>
               <a:ext uri="{FF2B5EF4-FFF2-40B4-BE49-F238E27FC236}">
+                <a16:creationId xmlns:a16="http://schemas.microsoft.com/office/drawing/2014/main" id="{CCCA8173-DB39-0BBA-45B3-6410C6F07EEE}"/>
+              </a:ext>
+            </a:extLst>
+          </p:cNvPr>
+          <p:cNvSpPr>
+            <a:spLocks noGrp="1"/>
+          </p:cNvSpPr>
+          <p:nvPr>
+            <p:ph type="title"/>
+          </p:nvPr>
+        </p:nvSpPr>
+        <p:spPr/>
+        <p:txBody>
+          <a:bodyPr/>
+          <a:lstStyle/>
+          <a:p>
+            <a:r>
+              <a:rPr lang="en-GB" dirty="0"/>
+              <a:t>Studies</a:t>
+            </a:r>
+            <a:endParaRPr lang="en-ZA" dirty="0"/>
+          </a:p>
+        </p:txBody>
+      </p:sp>
+      <p:sp>
+        <p:nvSpPr>
+          <p:cNvPr id="3" name="Content Placeholder 2">
+            <a:extLst>
+              <a:ext uri="{FF2B5EF4-FFF2-40B4-BE49-F238E27FC236}">
+                <a16:creationId xmlns:a16="http://schemas.microsoft.com/office/drawing/2014/main" id="{796863F3-E308-EDDC-9CF8-61849816F028}"/>
+              </a:ext>
+            </a:extLst>
+          </p:cNvPr>
+          <p:cNvSpPr>
+            <a:spLocks noGrp="1"/>
+          </p:cNvSpPr>
+          <p:nvPr>
+            <p:ph idx="1"/>
+          </p:nvPr>
+        </p:nvSpPr>
+        <p:spPr/>
+        <p:txBody>
+          <a:bodyPr/>
+          <a:lstStyle/>
+          <a:p>
+            <a:r>
+              <a:rPr lang="en-GB" dirty="0"/>
+              <a:t>6 studies could be used to evaluate effectiveness where 4 saw improvement in cognitive function and 1 had stable MMSE score where the CG MMSE score declined</a:t>
+            </a:r>
+          </a:p>
+          <a:p>
+            <a:r>
+              <a:rPr lang="en-GB" dirty="0"/>
+              <a:t>2 Studies found that the overall design of the game should be simple with few moving parts and big buttons</a:t>
+            </a:r>
+          </a:p>
+          <a:p>
+            <a:r>
+              <a:rPr lang="en-GB" dirty="0"/>
+              <a:t>5 studies found that participants enjoyed and appreciated the games. 3 studies reported that participants especially enjoyed playing in groups.</a:t>
+            </a:r>
+          </a:p>
+          <a:p>
+            <a:r>
+              <a:rPr lang="en-GB" dirty="0"/>
+              <a:t>No study reported any adverse affect caused by the serious games</a:t>
+            </a:r>
+            <a:endParaRPr lang="en-ZA" dirty="0"/>
+          </a:p>
+        </p:txBody>
+      </p:sp>
+    </p:spTree>
+    <p:extLst>
+      <p:ext uri="{BB962C8B-B14F-4D97-AF65-F5344CB8AC3E}">
+        <p14:creationId xmlns:p14="http://schemas.microsoft.com/office/powerpoint/2010/main" val="215969375"/>
+      </p:ext>
+    </p:extLst>
+  </p:cSld>
+  <p:clrMapOvr>
+    <a:masterClrMapping/>
+  </p:clrMapOvr>
+</p:sld>
+</file>
+
+<file path=ppt/slides/slide11.xml><?xml version="1.0" encoding="utf-8"?>
+<p:sld xmlns:a="http://schemas.openxmlformats.org/drawingml/2006/main" xmlns:r="http://schemas.openxmlformats.org/officeDocument/2006/relationships" xmlns:p="http://schemas.openxmlformats.org/presentationml/2006/main">
+  <p:cSld>
+    <p:spTree>
+      <p:nvGrpSpPr>
+        <p:cNvPr id="1" name=""/>
+        <p:cNvGrpSpPr/>
+        <p:nvPr/>
+      </p:nvGrpSpPr>
+      <p:grpSpPr>
+        <a:xfrm>
+          <a:off x="0" y="0"/>
+          <a:ext cx="0" cy="0"/>
+          <a:chOff x="0" y="0"/>
+          <a:chExt cx="0" cy="0"/>
+        </a:xfrm>
+      </p:grpSpPr>
+      <p:sp>
+        <p:nvSpPr>
+          <p:cNvPr id="2" name="Title 1">
+            <a:extLst>
+              <a:ext uri="{FF2B5EF4-FFF2-40B4-BE49-F238E27FC236}">
                 <a16:creationId xmlns:a16="http://schemas.microsoft.com/office/drawing/2014/main" id="{427C294E-6AAC-7684-3B3F-DCFD7B304AE5}"/>
               </a:ext>
             </a:extLst>
@@ -15040,7 +15147,7 @@
 </p:sld>
 </file>
 
-<file path=ppt/slides/slide11.xml><?xml version="1.0" encoding="utf-8"?>
+<file path=ppt/slides/slide12.xml><?xml version="1.0" encoding="utf-8"?>
 <p:sld xmlns:a="http://schemas.openxmlformats.org/drawingml/2006/main" xmlns:r="http://schemas.openxmlformats.org/officeDocument/2006/relationships" xmlns:p="http://schemas.openxmlformats.org/presentationml/2006/main">
   <p:cSld>
     <p:spTree>
@@ -15127,13 +15234,13 @@
   <p:clrMapOvr>
     <a:masterClrMapping/>
   </p:clrMapOvr>
-  <mc:AlternateContent xmlns:mc="http://schemas.openxmlformats.org/markup-compatibility/2006">
-    <mc:Choice xmlns:p159="http://schemas.microsoft.com/office/powerpoint/2015/09/main" Requires="p159">
+  <mc:AlternateContent xmlns:mc="http://schemas.openxmlformats.org/markup-compatibility/2006" xmlns:p159="http://schemas.microsoft.com/office/powerpoint/2015/09/main">
+    <mc:Choice Requires="p159">
       <p:transition xmlns:p14="http://schemas.microsoft.com/office/powerpoint/2010/main" spd="slow" p14:dur="2000">
         <p159:morph option="byObject"/>
       </p:transition>
     </mc:Choice>
-    <mc:Fallback>
+    <mc:Fallback xmlns="">
       <p:transition spd="slow">
         <p:fade/>
       </p:transition>
@@ -15142,7 +15249,7 @@
 </p:sld>
 </file>
 
-<file path=ppt/slides/slide12.xml><?xml version="1.0" encoding="utf-8"?>
+<file path=ppt/slides/slide13.xml><?xml version="1.0" encoding="utf-8"?>
 <p:sld xmlns:a="http://schemas.openxmlformats.org/drawingml/2006/main" xmlns:r="http://schemas.openxmlformats.org/officeDocument/2006/relationships" xmlns:p="http://schemas.openxmlformats.org/presentationml/2006/main">
   <p:cSld>
     <p:bg>
@@ -15323,7 +15430,7 @@
 </p:sld>
 </file>
 
-<file path=ppt/slides/slide13.xml><?xml version="1.0" encoding="utf-8"?>
+<file path=ppt/slides/slide14.xml><?xml version="1.0" encoding="utf-8"?>
 <p:sld xmlns:a="http://schemas.openxmlformats.org/drawingml/2006/main" xmlns:r="http://schemas.openxmlformats.org/officeDocument/2006/relationships" xmlns:p="http://schemas.openxmlformats.org/presentationml/2006/main">
   <p:cSld>
     <p:spTree>
@@ -15454,7 +15561,7 @@
 </p:sld>
 </file>
 
-<file path=ppt/slides/slide14.xml><?xml version="1.0" encoding="utf-8"?>
+<file path=ppt/slides/slide15.xml><?xml version="1.0" encoding="utf-8"?>
 <p:sld xmlns:a="http://schemas.openxmlformats.org/drawingml/2006/main" xmlns:r="http://schemas.openxmlformats.org/officeDocument/2006/relationships" xmlns:p="http://schemas.openxmlformats.org/presentationml/2006/main">
   <p:cSld>
     <p:spTree>
@@ -15589,7 +15696,7 @@
 </p:sld>
 </file>
 
-<file path=ppt/slides/slide15.xml><?xml version="1.0" encoding="utf-8"?>
+<file path=ppt/slides/slide16.xml><?xml version="1.0" encoding="utf-8"?>
 <p:sld xmlns:a="http://schemas.openxmlformats.org/drawingml/2006/main" xmlns:r="http://schemas.openxmlformats.org/officeDocument/2006/relationships" xmlns:p="http://schemas.openxmlformats.org/presentationml/2006/main">
   <p:cSld>
     <p:bg>
@@ -15981,7 +16088,7 @@
                   <a:srgbClr val="FFFFFF"/>
                 </a:solidFill>
               </a:rPr>
-              <a:t>The review shows that serious gaming in people with dementia is feasible and recommends that people of dementia need to be familiarized with the technologies as well as have assistance while playing</a:t>
+              <a:t>The review shows that serious gaming in people with dementia is feasible and recommends that people with dementia need to be familiarized with the technologies as well as have assistance while playing</a:t>
             </a:r>
           </a:p>
           <a:p>
@@ -16069,13 +16176,13 @@
   <p:clrMapOvr>
     <a:masterClrMapping/>
   </p:clrMapOvr>
-  <mc:AlternateContent xmlns:mc="http://schemas.openxmlformats.org/markup-compatibility/2006">
-    <mc:Choice xmlns:p14="http://schemas.microsoft.com/office/powerpoint/2010/main" Requires="p14">
+  <mc:AlternateContent xmlns:mc="http://schemas.openxmlformats.org/markup-compatibility/2006" xmlns:p14="http://schemas.microsoft.com/office/powerpoint/2010/main">
+    <mc:Choice Requires="p14">
       <p:transition spd="slow" p14:dur="1500">
         <p:split orient="vert"/>
       </p:transition>
     </mc:Choice>
-    <mc:Fallback>
+    <mc:Fallback xmlns="">
       <p:transition spd="slow">
         <p:split orient="vert"/>
       </p:transition>
@@ -17081,13 +17188,13 @@
   <p:clrMapOvr>
     <a:masterClrMapping/>
   </p:clrMapOvr>
-  <mc:AlternateContent xmlns:mc="http://schemas.openxmlformats.org/markup-compatibility/2006">
-    <mc:Choice xmlns:p14="http://schemas.microsoft.com/office/powerpoint/2010/main" Requires="p14">
+  <mc:AlternateContent xmlns:mc="http://schemas.openxmlformats.org/markup-compatibility/2006" xmlns:p14="http://schemas.microsoft.com/office/powerpoint/2010/main">
+    <mc:Choice Requires="p14">
       <p:transition spd="slow" p14:dur="1500">
         <p:split orient="vert"/>
       </p:transition>
     </mc:Choice>
-    <mc:Fallback>
+    <mc:Fallback xmlns="">
       <p:transition spd="slow">
         <p:split orient="vert"/>
       </p:transition>
@@ -19058,13 +19165,13 @@
   <p:clrMapOvr>
     <a:masterClrMapping/>
   </p:clrMapOvr>
-  <mc:AlternateContent xmlns:mc="http://schemas.openxmlformats.org/markup-compatibility/2006">
-    <mc:Choice xmlns:p14="http://schemas.microsoft.com/office/powerpoint/2010/main" Requires="p14">
+  <mc:AlternateContent xmlns:mc="http://schemas.openxmlformats.org/markup-compatibility/2006" xmlns:p14="http://schemas.microsoft.com/office/powerpoint/2010/main">
+    <mc:Choice Requires="p14">
       <p:transition spd="slow" p14:dur="1500">
         <p:split orient="vert"/>
       </p:transition>
     </mc:Choice>
-    <mc:Fallback>
+    <mc:Fallback xmlns="">
       <p:transition spd="slow">
         <p:split orient="vert"/>
       </p:transition>

--- a/SGDC.pptx
+++ b/SGDC.pptx
@@ -15051,6 +15051,9 @@
   <p:clrMapOvr>
     <a:masterClrMapping/>
   </p:clrMapOvr>
+  <p:transition spd="slow">
+    <p:cover/>
+  </p:transition>
 </p:sld>
 </file>
 
@@ -15141,8 +15144,8 @@
   <p:clrMapOvr>
     <a:masterClrMapping/>
   </p:clrMapOvr>
-  <p:transition spd="slow">
-    <p:wipe/>
+  <p:transition spd="med">
+    <p:pull/>
   </p:transition>
 </p:sld>
 </file>
